--- a/temp/勉強会.pptx
+++ b/temp/勉強会.pptx
@@ -9,6 +9,8 @@
     <p:sldId id="257" r:id="rId3"/>
     <p:sldId id="258" r:id="rId4"/>
     <p:sldId id="259" r:id="rId5"/>
+    <p:sldId id="260" r:id="rId6"/>
+    <p:sldId id="261" r:id="rId7"/>
   </p:sldIdLst>
   <p:sldSz cx="12192000" cy="6858000"/>
   <p:notesSz cx="6858000" cy="9144000"/>
@@ -4753,7 +4755,7 @@
                 <a:latin typeface="Segoe UI" panose="020B0502040204020203" pitchFamily="34" charset="0"/>
                 <a:cs typeface="Segoe UI" panose="020B0502040204020203" pitchFamily="34" charset="0"/>
               </a:rPr>
-              <a:t>Each of these themes has tangible value to the users of the software. -&gt; There is more to prioritizing, however, than simply considering the monetary return from each new set of features.</a:t>
+              <a:t>The definition of value: How much money will the organization make or save by having the new features included in the theme?</a:t>
             </a:r>
           </a:p>
           <a:p>
@@ -4786,79 +4788,7 @@
                 <a:latin typeface="Segoe UI" panose="020B0502040204020203" pitchFamily="34" charset="0"/>
                 <a:cs typeface="Segoe UI" panose="020B0502040204020203" pitchFamily="34" charset="0"/>
               </a:rPr>
-              <a:t>Four factors that must be considered when prioritizing the development of new capabilities:</a:t>
-            </a:r>
-          </a:p>
-          <a:p>
-            <a:pPr algn="l">
-              <a:lnSpc>
-                <a:spcPct val="100000"/>
-              </a:lnSpc>
-              <a:buSzPts val="1800"/>
-            </a:pPr>
-            <a:r>
-              <a:rPr lang="en-US" sz="1400" dirty="0">
-                <a:solidFill>
-                  <a:schemeClr val="dk1"/>
-                </a:solidFill>
-                <a:latin typeface="Segoe UI" panose="020B0502040204020203" pitchFamily="34" charset="0"/>
-                <a:cs typeface="Segoe UI" panose="020B0502040204020203" pitchFamily="34" charset="0"/>
-              </a:rPr>
-              <a:t>1. The financial value of having the features. [value]</a:t>
-            </a:r>
-          </a:p>
-          <a:p>
-            <a:pPr algn="l">
-              <a:lnSpc>
-                <a:spcPct val="100000"/>
-              </a:lnSpc>
-              <a:buSzPts val="1800"/>
-            </a:pPr>
-            <a:r>
-              <a:rPr lang="en-US" sz="1400" dirty="0">
-                <a:solidFill>
-                  <a:schemeClr val="dk1"/>
-                </a:solidFill>
-                <a:latin typeface="Segoe UI" panose="020B0502040204020203" pitchFamily="34" charset="0"/>
-                <a:cs typeface="Segoe UI" panose="020B0502040204020203" pitchFamily="34" charset="0"/>
-              </a:rPr>
-              <a:t>2. The cost of developing (and perhaps supporting) the new features. [cost]</a:t>
-            </a:r>
-          </a:p>
-          <a:p>
-            <a:pPr algn="l">
-              <a:lnSpc>
-                <a:spcPct val="100000"/>
-              </a:lnSpc>
-              <a:buSzPts val="1800"/>
-            </a:pPr>
-            <a:r>
-              <a:rPr lang="en-US" sz="1400" dirty="0">
-                <a:solidFill>
-                  <a:schemeClr val="dk1"/>
-                </a:solidFill>
-                <a:latin typeface="Segoe UI" panose="020B0502040204020203" pitchFamily="34" charset="0"/>
-                <a:cs typeface="Segoe UI" panose="020B0502040204020203" pitchFamily="34" charset="0"/>
-              </a:rPr>
-              <a:t>3. The amount and significance of learning and new knowledge created by developing the features. [new knowledge]</a:t>
-            </a:r>
-          </a:p>
-          <a:p>
-            <a:pPr algn="l">
-              <a:lnSpc>
-                <a:spcPct val="100000"/>
-              </a:lnSpc>
-              <a:buSzPts val="1800"/>
-            </a:pPr>
-            <a:r>
-              <a:rPr lang="en-US" sz="1400" dirty="0">
-                <a:solidFill>
-                  <a:schemeClr val="dk1"/>
-                </a:solidFill>
-                <a:latin typeface="Segoe UI" panose="020B0502040204020203" pitchFamily="34" charset="0"/>
-                <a:cs typeface="Segoe UI" panose="020B0502040204020203" pitchFamily="34" charset="0"/>
-              </a:rPr>
-              <a:t>4. The amount of risk removed by developing the features. [risk]</a:t>
+              <a:t>An ideal way to determine the value of a theme: estimate its financial impact over a period of time usually the next few months, quarters, or possibly years.</a:t>
             </a:r>
           </a:p>
           <a:p>
@@ -4891,7 +4821,7 @@
                 <a:latin typeface="Segoe UI" panose="020B0502040204020203" pitchFamily="34" charset="0"/>
                 <a:cs typeface="Segoe UI" panose="020B0502040204020203" pitchFamily="34" charset="0"/>
               </a:rPr>
-              <a:t>Common: most projects are undertaken either to save or to make money (Not good) -&gt; to prioritize optimally, we need considering four factors.</a:t>
+              <a:t>Scene one: if the product will be sold commercially.</a:t>
             </a:r>
           </a:p>
           <a:p>
@@ -4901,7 +4831,25 @@
               </a:lnSpc>
               <a:buSzPts val="1800"/>
             </a:pPr>
-            <a:endParaRPr lang="en" sz="1400" dirty="0">
+            <a:r>
+              <a:rPr lang="en-US" sz="1400" dirty="0">
+                <a:solidFill>
+                  <a:schemeClr val="dk1"/>
+                </a:solidFill>
+                <a:latin typeface="Segoe UI" panose="020B0502040204020203" pitchFamily="34" charset="0"/>
+                <a:cs typeface="Segoe UI" panose="020B0502040204020203" pitchFamily="34" charset="0"/>
+              </a:rPr>
+              <a:t>Scene two: applications that will be used within the organization developing them.</a:t>
+            </a:r>
+          </a:p>
+          <a:p>
+            <a:pPr algn="l">
+              <a:lnSpc>
+                <a:spcPct val="100000"/>
+              </a:lnSpc>
+              <a:buSzPts val="1800"/>
+            </a:pPr>
+            <a:endParaRPr lang="en-US" sz="1400" dirty="0">
               <a:solidFill>
                 <a:schemeClr val="dk1"/>
               </a:solidFill>
@@ -4909,12 +4857,1101 @@
               <a:cs typeface="Segoe UI" panose="020B0502040204020203" pitchFamily="34" charset="0"/>
             </a:endParaRPr>
           </a:p>
+          <a:p>
+            <a:pPr algn="l">
+              <a:lnSpc>
+                <a:spcPct val="100000"/>
+              </a:lnSpc>
+              <a:buSzPts val="1800"/>
+            </a:pPr>
+            <a:r>
+              <a:rPr lang="en-US" sz="1400" dirty="0">
+                <a:solidFill>
+                  <a:schemeClr val="dk1"/>
+                </a:solidFill>
+                <a:latin typeface="Segoe UI" panose="020B0502040204020203" pitchFamily="34" charset="0"/>
+                <a:cs typeface="Segoe UI" panose="020B0502040204020203" pitchFamily="34" charset="0"/>
+              </a:rPr>
+              <a:t>It can be difficult to estimate the financial return on a theme (also the user story). -&gt; involves estimating the number of new sales, the average value of a sale (including follow-on sales and maintenance agreements), the timing of sales increases, and so on (complexity).</a:t>
+            </a:r>
+          </a:p>
+          <a:p>
+            <a:pPr algn="l">
+              <a:lnSpc>
+                <a:spcPct val="100000"/>
+              </a:lnSpc>
+              <a:buSzPts val="1800"/>
+            </a:pPr>
+            <a:endParaRPr lang="en-US" sz="1400" dirty="0">
+              <a:solidFill>
+                <a:schemeClr val="dk1"/>
+              </a:solidFill>
+              <a:latin typeface="Segoe UI" panose="020B0502040204020203" pitchFamily="34" charset="0"/>
+              <a:cs typeface="Segoe UI" panose="020B0502040204020203" pitchFamily="34" charset="0"/>
+            </a:endParaRPr>
+          </a:p>
+          <a:p>
+            <a:pPr algn="l">
+              <a:lnSpc>
+                <a:spcPct val="100000"/>
+              </a:lnSpc>
+              <a:buSzPts val="1800"/>
+            </a:pPr>
+            <a:r>
+              <a:rPr lang="en-US" sz="1400" dirty="0">
+                <a:solidFill>
+                  <a:schemeClr val="dk1"/>
+                </a:solidFill>
+                <a:latin typeface="Segoe UI" panose="020B0502040204020203" pitchFamily="34" charset="0"/>
+                <a:cs typeface="Segoe UI" panose="020B0502040204020203" pitchFamily="34" charset="0"/>
+              </a:rPr>
+              <a:t>Solution: the value of a theme is related to the desirability of that theme to new and existing users -&gt; chapter 11</a:t>
+            </a:r>
+          </a:p>
         </p:txBody>
       </p:sp>
     </p:spTree>
     <p:extLst>
       <p:ext uri="{BB962C8B-B14F-4D97-AF65-F5344CB8AC3E}">
         <p14:creationId xmlns:p14="http://schemas.microsoft.com/office/powerpoint/2010/main" val="4040756213"/>
+      </p:ext>
+    </p:extLst>
+  </p:cSld>
+  <p:clrMapOvr>
+    <a:masterClrMapping/>
+  </p:clrMapOvr>
+</p:sld>
+</file>
+
+<file path=ppt/slides/slide5.xml><?xml version="1.0" encoding="utf-8"?>
+<p:sld xmlns:a="http://schemas.openxmlformats.org/drawingml/2006/main" xmlns:r="http://schemas.openxmlformats.org/officeDocument/2006/relationships" xmlns:p="http://schemas.openxmlformats.org/presentationml/2006/main">
+  <p:cSld>
+    <p:spTree>
+      <p:nvGrpSpPr>
+        <p:cNvPr id="1" name=""/>
+        <p:cNvGrpSpPr/>
+        <p:nvPr/>
+      </p:nvGrpSpPr>
+      <p:grpSpPr>
+        <a:xfrm>
+          <a:off x="0" y="0"/>
+          <a:ext cx="0" cy="0"/>
+          <a:chOff x="0" y="0"/>
+          <a:chExt cx="0" cy="0"/>
+        </a:xfrm>
+      </p:grpSpPr>
+      <p:sp>
+        <p:nvSpPr>
+          <p:cNvPr id="4" name="Google Shape;106;p26">
+            <a:extLst>
+              <a:ext uri="{FF2B5EF4-FFF2-40B4-BE49-F238E27FC236}">
+                <a16:creationId xmlns:a16="http://schemas.microsoft.com/office/drawing/2014/main" id="{FB2E35A9-F238-C52F-A7EE-337E92C5BCDD}"/>
+              </a:ext>
+            </a:extLst>
+          </p:cNvPr>
+          <p:cNvSpPr txBox="1">
+            <a:spLocks/>
+          </p:cNvSpPr>
+          <p:nvPr/>
+        </p:nvSpPr>
+        <p:spPr>
+          <a:xfrm>
+            <a:off x="310896" y="173736"/>
+            <a:ext cx="7968600" cy="572700"/>
+          </a:xfrm>
+          <a:prstGeom prst="rect">
+            <a:avLst/>
+          </a:prstGeom>
+          <a:noFill/>
+          <a:ln>
+            <a:noFill/>
+          </a:ln>
+        </p:spPr>
+        <p:txBody>
+          <a:bodyPr spcFirstLastPara="1" vert="horz" wrap="square" lIns="91425" tIns="91425" rIns="91425" bIns="91425" rtlCol="0" anchor="t" anchorCtr="0">
+            <a:noAutofit/>
+          </a:bodyPr>
+          <a:lstStyle>
+            <a:lvl1pPr algn="ctr" defTabSz="914400" rtl="0" eaLnBrk="1" latinLnBrk="0" hangingPunct="1">
+              <a:lnSpc>
+                <a:spcPct val="90000"/>
+              </a:lnSpc>
+              <a:spcBef>
+                <a:spcPct val="0"/>
+              </a:spcBef>
+              <a:buNone/>
+              <a:defRPr sz="6000" kern="1200">
+                <a:solidFill>
+                  <a:schemeClr val="tx1"/>
+                </a:solidFill>
+                <a:latin typeface="+mj-lt"/>
+                <a:ea typeface="+mj-ea"/>
+                <a:cs typeface="+mj-cs"/>
+              </a:defRPr>
+            </a:lvl1pPr>
+          </a:lstStyle>
+          <a:p>
+            <a:pPr algn="l">
+              <a:lnSpc>
+                <a:spcPct val="100000"/>
+              </a:lnSpc>
+              <a:spcBef>
+                <a:spcPts val="0"/>
+              </a:spcBef>
+              <a:buSzPts val="2800"/>
+            </a:pPr>
+            <a:r>
+              <a:rPr lang="en-US" sz="3200" dirty="0">
+                <a:latin typeface="Segoe UI" panose="020B0502040204020203" pitchFamily="34" charset="0"/>
+                <a:cs typeface="Segoe UI" panose="020B0502040204020203" pitchFamily="34" charset="0"/>
+              </a:rPr>
+              <a:t>Cost</a:t>
+            </a:r>
+          </a:p>
+        </p:txBody>
+      </p:sp>
+      <p:sp>
+        <p:nvSpPr>
+          <p:cNvPr id="5" name="Google Shape;347;p39">
+            <a:extLst>
+              <a:ext uri="{FF2B5EF4-FFF2-40B4-BE49-F238E27FC236}">
+                <a16:creationId xmlns:a16="http://schemas.microsoft.com/office/drawing/2014/main" id="{12B362D5-6F90-1150-13CE-A1F0F8C22742}"/>
+              </a:ext>
+            </a:extLst>
+          </p:cNvPr>
+          <p:cNvSpPr txBox="1">
+            <a:spLocks/>
+          </p:cNvSpPr>
+          <p:nvPr/>
+        </p:nvSpPr>
+        <p:spPr>
+          <a:xfrm>
+            <a:off x="241231" y="932960"/>
+            <a:ext cx="11776597" cy="5925039"/>
+          </a:xfrm>
+          <a:prstGeom prst="rect">
+            <a:avLst/>
+          </a:prstGeom>
+          <a:noFill/>
+          <a:ln>
+            <a:noFill/>
+          </a:ln>
+        </p:spPr>
+        <p:txBody>
+          <a:bodyPr spcFirstLastPara="1" vert="horz" wrap="square" lIns="91425" tIns="91425" rIns="91425" bIns="91425" rtlCol="0" anchor="t" anchorCtr="0">
+            <a:normAutofit/>
+          </a:bodyPr>
+          <a:lstStyle>
+            <a:lvl1pPr marL="0" indent="0" algn="ctr" defTabSz="914400" rtl="0" eaLnBrk="1" latinLnBrk="0" hangingPunct="1">
+              <a:lnSpc>
+                <a:spcPct val="90000"/>
+              </a:lnSpc>
+              <a:spcBef>
+                <a:spcPts val="1000"/>
+              </a:spcBef>
+              <a:buFont typeface="Arial" panose="020B0604020202020204" pitchFamily="34" charset="0"/>
+              <a:buNone/>
+              <a:defRPr sz="2400" kern="1200">
+                <a:solidFill>
+                  <a:schemeClr val="tx1"/>
+                </a:solidFill>
+                <a:latin typeface="+mn-lt"/>
+                <a:ea typeface="+mn-ea"/>
+                <a:cs typeface="+mn-cs"/>
+              </a:defRPr>
+            </a:lvl1pPr>
+            <a:lvl2pPr marL="457200" indent="0" algn="ctr" defTabSz="914400" rtl="0" eaLnBrk="1" latinLnBrk="0" hangingPunct="1">
+              <a:lnSpc>
+                <a:spcPct val="90000"/>
+              </a:lnSpc>
+              <a:spcBef>
+                <a:spcPts val="500"/>
+              </a:spcBef>
+              <a:buFont typeface="Arial" panose="020B0604020202020204" pitchFamily="34" charset="0"/>
+              <a:buNone/>
+              <a:defRPr sz="2000" kern="1200">
+                <a:solidFill>
+                  <a:schemeClr val="tx1"/>
+                </a:solidFill>
+                <a:latin typeface="+mn-lt"/>
+                <a:ea typeface="+mn-ea"/>
+                <a:cs typeface="+mn-cs"/>
+              </a:defRPr>
+            </a:lvl2pPr>
+            <a:lvl3pPr marL="914400" indent="0" algn="ctr" defTabSz="914400" rtl="0" eaLnBrk="1" latinLnBrk="0" hangingPunct="1">
+              <a:lnSpc>
+                <a:spcPct val="90000"/>
+              </a:lnSpc>
+              <a:spcBef>
+                <a:spcPts val="500"/>
+              </a:spcBef>
+              <a:buFont typeface="Arial" panose="020B0604020202020204" pitchFamily="34" charset="0"/>
+              <a:buNone/>
+              <a:defRPr sz="1800" kern="1200">
+                <a:solidFill>
+                  <a:schemeClr val="tx1"/>
+                </a:solidFill>
+                <a:latin typeface="+mn-lt"/>
+                <a:ea typeface="+mn-ea"/>
+                <a:cs typeface="+mn-cs"/>
+              </a:defRPr>
+            </a:lvl3pPr>
+            <a:lvl4pPr marL="1371600" indent="0" algn="ctr" defTabSz="914400" rtl="0" eaLnBrk="1" latinLnBrk="0" hangingPunct="1">
+              <a:lnSpc>
+                <a:spcPct val="90000"/>
+              </a:lnSpc>
+              <a:spcBef>
+                <a:spcPts val="500"/>
+              </a:spcBef>
+              <a:buFont typeface="Arial" panose="020B0604020202020204" pitchFamily="34" charset="0"/>
+              <a:buNone/>
+              <a:defRPr sz="1600" kern="1200">
+                <a:solidFill>
+                  <a:schemeClr val="tx1"/>
+                </a:solidFill>
+                <a:latin typeface="+mn-lt"/>
+                <a:ea typeface="+mn-ea"/>
+                <a:cs typeface="+mn-cs"/>
+              </a:defRPr>
+            </a:lvl4pPr>
+            <a:lvl5pPr marL="1828800" indent="0" algn="ctr" defTabSz="914400" rtl="0" eaLnBrk="1" latinLnBrk="0" hangingPunct="1">
+              <a:lnSpc>
+                <a:spcPct val="90000"/>
+              </a:lnSpc>
+              <a:spcBef>
+                <a:spcPts val="500"/>
+              </a:spcBef>
+              <a:buFont typeface="Arial" panose="020B0604020202020204" pitchFamily="34" charset="0"/>
+              <a:buNone/>
+              <a:defRPr sz="1600" kern="1200">
+                <a:solidFill>
+                  <a:schemeClr val="tx1"/>
+                </a:solidFill>
+                <a:latin typeface="+mn-lt"/>
+                <a:ea typeface="+mn-ea"/>
+                <a:cs typeface="+mn-cs"/>
+              </a:defRPr>
+            </a:lvl5pPr>
+            <a:lvl6pPr marL="2286000" indent="0" algn="ctr" defTabSz="914400" rtl="0" eaLnBrk="1" latinLnBrk="0" hangingPunct="1">
+              <a:lnSpc>
+                <a:spcPct val="90000"/>
+              </a:lnSpc>
+              <a:spcBef>
+                <a:spcPts val="500"/>
+              </a:spcBef>
+              <a:buFont typeface="Arial" panose="020B0604020202020204" pitchFamily="34" charset="0"/>
+              <a:buNone/>
+              <a:defRPr sz="1600" kern="1200">
+                <a:solidFill>
+                  <a:schemeClr val="tx1"/>
+                </a:solidFill>
+                <a:latin typeface="+mn-lt"/>
+                <a:ea typeface="+mn-ea"/>
+                <a:cs typeface="+mn-cs"/>
+              </a:defRPr>
+            </a:lvl6pPr>
+            <a:lvl7pPr marL="2743200" indent="0" algn="ctr" defTabSz="914400" rtl="0" eaLnBrk="1" latinLnBrk="0" hangingPunct="1">
+              <a:lnSpc>
+                <a:spcPct val="90000"/>
+              </a:lnSpc>
+              <a:spcBef>
+                <a:spcPts val="500"/>
+              </a:spcBef>
+              <a:buFont typeface="Arial" panose="020B0604020202020204" pitchFamily="34" charset="0"/>
+              <a:buNone/>
+              <a:defRPr sz="1600" kern="1200">
+                <a:solidFill>
+                  <a:schemeClr val="tx1"/>
+                </a:solidFill>
+                <a:latin typeface="+mn-lt"/>
+                <a:ea typeface="+mn-ea"/>
+                <a:cs typeface="+mn-cs"/>
+              </a:defRPr>
+            </a:lvl7pPr>
+            <a:lvl8pPr marL="3200400" indent="0" algn="ctr" defTabSz="914400" rtl="0" eaLnBrk="1" latinLnBrk="0" hangingPunct="1">
+              <a:lnSpc>
+                <a:spcPct val="90000"/>
+              </a:lnSpc>
+              <a:spcBef>
+                <a:spcPts val="500"/>
+              </a:spcBef>
+              <a:buFont typeface="Arial" panose="020B0604020202020204" pitchFamily="34" charset="0"/>
+              <a:buNone/>
+              <a:defRPr sz="1600" kern="1200">
+                <a:solidFill>
+                  <a:schemeClr val="tx1"/>
+                </a:solidFill>
+                <a:latin typeface="+mn-lt"/>
+                <a:ea typeface="+mn-ea"/>
+                <a:cs typeface="+mn-cs"/>
+              </a:defRPr>
+            </a:lvl8pPr>
+            <a:lvl9pPr marL="3657600" indent="0" algn="ctr" defTabSz="914400" rtl="0" eaLnBrk="1" latinLnBrk="0" hangingPunct="1">
+              <a:lnSpc>
+                <a:spcPct val="90000"/>
+              </a:lnSpc>
+              <a:spcBef>
+                <a:spcPts val="500"/>
+              </a:spcBef>
+              <a:buFont typeface="Arial" panose="020B0604020202020204" pitchFamily="34" charset="0"/>
+              <a:buNone/>
+              <a:defRPr sz="1600" kern="1200">
+                <a:solidFill>
+                  <a:schemeClr val="tx1"/>
+                </a:solidFill>
+                <a:latin typeface="+mn-lt"/>
+                <a:ea typeface="+mn-ea"/>
+                <a:cs typeface="+mn-cs"/>
+              </a:defRPr>
+            </a:lvl9pPr>
+          </a:lstStyle>
+          <a:p>
+            <a:pPr algn="l">
+              <a:lnSpc>
+                <a:spcPct val="100000"/>
+              </a:lnSpc>
+              <a:buSzPts val="1800"/>
+            </a:pPr>
+            <a:r>
+              <a:rPr lang="en-US" sz="1400" dirty="0">
+                <a:solidFill>
+                  <a:schemeClr val="dk1"/>
+                </a:solidFill>
+                <a:latin typeface="Segoe UI" panose="020B0502040204020203" pitchFamily="34" charset="0"/>
+                <a:cs typeface="Segoe UI" panose="020B0502040204020203" pitchFamily="34" charset="0"/>
+              </a:rPr>
+              <a:t>(Also important like value) the cost of a feature is a huge determinant in the overall priority of a feature</a:t>
+            </a:r>
+          </a:p>
+          <a:p>
+            <a:pPr algn="l">
+              <a:lnSpc>
+                <a:spcPct val="100000"/>
+              </a:lnSpc>
+              <a:buSzPts val="1800"/>
+            </a:pPr>
+            <a:endParaRPr lang="en-US" sz="1400" dirty="0">
+              <a:solidFill>
+                <a:schemeClr val="dk1"/>
+              </a:solidFill>
+              <a:latin typeface="Segoe UI" panose="020B0502040204020203" pitchFamily="34" charset="0"/>
+              <a:cs typeface="Segoe UI" panose="020B0502040204020203" pitchFamily="34" charset="0"/>
+            </a:endParaRPr>
+          </a:p>
+          <a:p>
+            <a:pPr algn="l">
+              <a:lnSpc>
+                <a:spcPct val="100000"/>
+              </a:lnSpc>
+              <a:buSzPts val="1800"/>
+            </a:pPr>
+            <a:r>
+              <a:rPr lang="en-US" sz="1400" dirty="0">
+                <a:solidFill>
+                  <a:schemeClr val="dk1"/>
+                </a:solidFill>
+                <a:latin typeface="Segoe UI" panose="020B0502040204020203" pitchFamily="34" charset="0"/>
+                <a:cs typeface="Segoe UI" panose="020B0502040204020203" pitchFamily="34" charset="0"/>
+              </a:rPr>
+              <a:t>One characteristics of the cost: the cost can change over time.</a:t>
+            </a:r>
+          </a:p>
+          <a:p>
+            <a:pPr algn="l">
+              <a:lnSpc>
+                <a:spcPct val="100000"/>
+              </a:lnSpc>
+              <a:buSzPts val="1800"/>
+            </a:pPr>
+            <a:endParaRPr lang="en-US" sz="1400" dirty="0">
+              <a:solidFill>
+                <a:schemeClr val="dk1"/>
+              </a:solidFill>
+              <a:latin typeface="Segoe UI" panose="020B0502040204020203" pitchFamily="34" charset="0"/>
+              <a:cs typeface="Segoe UI" panose="020B0502040204020203" pitchFamily="34" charset="0"/>
+            </a:endParaRPr>
+          </a:p>
+          <a:p>
+            <a:pPr algn="l">
+              <a:lnSpc>
+                <a:spcPct val="100000"/>
+              </a:lnSpc>
+              <a:buSzPts val="1800"/>
+            </a:pPr>
+            <a:r>
+              <a:rPr lang="en-US" sz="1400" dirty="0">
+                <a:solidFill>
+                  <a:schemeClr val="dk1"/>
+                </a:solidFill>
+                <a:latin typeface="Segoe UI" panose="020B0502040204020203" pitchFamily="34" charset="0"/>
+                <a:cs typeface="Segoe UI" panose="020B0502040204020203" pitchFamily="34" charset="0"/>
+              </a:rPr>
+              <a:t>Example: Adding support for internationalization today may take four weeks of effort; adding it in six months may take six weeks.</a:t>
+            </a:r>
+          </a:p>
+          <a:p>
+            <a:pPr algn="l">
+              <a:lnSpc>
+                <a:spcPct val="100000"/>
+              </a:lnSpc>
+              <a:buSzPts val="1800"/>
+            </a:pPr>
+            <a:r>
+              <a:rPr lang="en-US" sz="1400" dirty="0">
+                <a:solidFill>
+                  <a:schemeClr val="dk1"/>
+                </a:solidFill>
+                <a:latin typeface="Segoe UI" panose="020B0502040204020203" pitchFamily="34" charset="0"/>
+                <a:cs typeface="Segoe UI" panose="020B0502040204020203" pitchFamily="34" charset="0"/>
+              </a:rPr>
+              <a:t>-&gt; (New knowledge) In that case, we would have been better off waiting. Or what if we spend four weeks now and later discover that a simpler and faster implementation would have been adequate?</a:t>
+            </a:r>
+          </a:p>
+          <a:p>
+            <a:pPr algn="l">
+              <a:lnSpc>
+                <a:spcPct val="100000"/>
+              </a:lnSpc>
+              <a:buSzPts val="1800"/>
+            </a:pPr>
+            <a:endParaRPr lang="en-US" sz="1400" dirty="0">
+              <a:solidFill>
+                <a:schemeClr val="dk1"/>
+              </a:solidFill>
+              <a:latin typeface="Segoe UI" panose="020B0502040204020203" pitchFamily="34" charset="0"/>
+              <a:cs typeface="Segoe UI" panose="020B0502040204020203" pitchFamily="34" charset="0"/>
+            </a:endParaRPr>
+          </a:p>
+          <a:p>
+            <a:pPr algn="l">
+              <a:lnSpc>
+                <a:spcPct val="100000"/>
+              </a:lnSpc>
+              <a:buSzPts val="1800"/>
+            </a:pPr>
+            <a:r>
+              <a:rPr lang="en-US" sz="1400" dirty="0">
+                <a:solidFill>
+                  <a:schemeClr val="dk1"/>
+                </a:solidFill>
+                <a:latin typeface="Segoe UI" panose="020B0502040204020203" pitchFamily="34" charset="0"/>
+                <a:cs typeface="Segoe UI" panose="020B0502040204020203" pitchFamily="34" charset="0"/>
+              </a:rPr>
+              <a:t>The best way to reduce the cost: The best way to reduce the cost of change is to implement a feature as late as possible effectively when there is no more time for change.</a:t>
+            </a:r>
+          </a:p>
+          <a:p>
+            <a:pPr algn="l">
+              <a:lnSpc>
+                <a:spcPct val="100000"/>
+              </a:lnSpc>
+              <a:buSzPts val="1800"/>
+            </a:pPr>
+            <a:endParaRPr lang="en-US" sz="1400" dirty="0">
+              <a:solidFill>
+                <a:schemeClr val="dk1"/>
+              </a:solidFill>
+              <a:latin typeface="Segoe UI" panose="020B0502040204020203" pitchFamily="34" charset="0"/>
+              <a:cs typeface="Segoe UI" panose="020B0502040204020203" pitchFamily="34" charset="0"/>
+            </a:endParaRPr>
+          </a:p>
+          <a:p>
+            <a:pPr algn="l">
+              <a:lnSpc>
+                <a:spcPct val="100000"/>
+              </a:lnSpc>
+              <a:buSzPts val="1800"/>
+            </a:pPr>
+            <a:r>
+              <a:rPr lang="en-US" sz="1400" dirty="0">
+                <a:solidFill>
+                  <a:schemeClr val="dk1"/>
+                </a:solidFill>
+                <a:latin typeface="Segoe UI" panose="020B0502040204020203" pitchFamily="34" charset="0"/>
+                <a:cs typeface="Segoe UI" panose="020B0502040204020203" pitchFamily="34" charset="0"/>
+              </a:rPr>
+              <a:t>-&gt; (The way to measure the themes) Themes often seem worthwhile when viewed only in terms of the time they will take</a:t>
+            </a:r>
+          </a:p>
+          <a:p>
+            <a:pPr algn="l">
+              <a:lnSpc>
+                <a:spcPct val="100000"/>
+              </a:lnSpc>
+              <a:buSzPts val="1800"/>
+            </a:pPr>
+            <a:r>
+              <a:rPr lang="en-US" sz="1400" dirty="0">
+                <a:solidFill>
+                  <a:schemeClr val="dk1"/>
+                </a:solidFill>
+                <a:latin typeface="Segoe UI" panose="020B0502040204020203" pitchFamily="34" charset="0"/>
+                <a:cs typeface="Segoe UI" panose="020B0502040204020203" pitchFamily="34" charset="0"/>
+              </a:rPr>
+              <a:t>-&gt; The best way to measure the cost of the themes (because single user story is hard to measure): the best way to do this while prioritizing is to do a rough conversion of story points or ideal days into money. (+ example of 150,000)</a:t>
+            </a:r>
+          </a:p>
+          <a:p>
+            <a:pPr algn="l">
+              <a:lnSpc>
+                <a:spcPct val="100000"/>
+              </a:lnSpc>
+              <a:buSzPts val="1800"/>
+            </a:pPr>
+            <a:endParaRPr lang="en-US" sz="1400" dirty="0">
+              <a:solidFill>
+                <a:schemeClr val="dk1"/>
+              </a:solidFill>
+              <a:latin typeface="Segoe UI" panose="020B0502040204020203" pitchFamily="34" charset="0"/>
+              <a:cs typeface="Segoe UI" panose="020B0502040204020203" pitchFamily="34" charset="0"/>
+            </a:endParaRPr>
+          </a:p>
+          <a:p>
+            <a:pPr algn="l">
+              <a:lnSpc>
+                <a:spcPct val="100000"/>
+              </a:lnSpc>
+              <a:buSzPts val="1800"/>
+            </a:pPr>
+            <a:endParaRPr lang="en-US" sz="1400" dirty="0">
+              <a:solidFill>
+                <a:schemeClr val="dk1"/>
+              </a:solidFill>
+              <a:latin typeface="Segoe UI" panose="020B0502040204020203" pitchFamily="34" charset="0"/>
+              <a:cs typeface="Segoe UI" panose="020B0502040204020203" pitchFamily="34" charset="0"/>
+            </a:endParaRPr>
+          </a:p>
+          <a:p>
+            <a:pPr algn="l">
+              <a:lnSpc>
+                <a:spcPct val="100000"/>
+              </a:lnSpc>
+              <a:buSzPts val="1800"/>
+            </a:pPr>
+            <a:endParaRPr lang="en-US" sz="1400" dirty="0">
+              <a:solidFill>
+                <a:schemeClr val="dk1"/>
+              </a:solidFill>
+              <a:latin typeface="Segoe UI" panose="020B0502040204020203" pitchFamily="34" charset="0"/>
+              <a:cs typeface="Segoe UI" panose="020B0502040204020203" pitchFamily="34" charset="0"/>
+            </a:endParaRPr>
+          </a:p>
+        </p:txBody>
+      </p:sp>
+    </p:spTree>
+    <p:extLst>
+      <p:ext uri="{BB962C8B-B14F-4D97-AF65-F5344CB8AC3E}">
+        <p14:creationId xmlns:p14="http://schemas.microsoft.com/office/powerpoint/2010/main" val="631669738"/>
+      </p:ext>
+    </p:extLst>
+  </p:cSld>
+  <p:clrMapOvr>
+    <a:masterClrMapping/>
+  </p:clrMapOvr>
+</p:sld>
+</file>
+
+<file path=ppt/slides/slide6.xml><?xml version="1.0" encoding="utf-8"?>
+<p:sld xmlns:a="http://schemas.openxmlformats.org/drawingml/2006/main" xmlns:r="http://schemas.openxmlformats.org/officeDocument/2006/relationships" xmlns:p="http://schemas.openxmlformats.org/presentationml/2006/main">
+  <p:cSld>
+    <p:spTree>
+      <p:nvGrpSpPr>
+        <p:cNvPr id="1" name=""/>
+        <p:cNvGrpSpPr/>
+        <p:nvPr/>
+      </p:nvGrpSpPr>
+      <p:grpSpPr>
+        <a:xfrm>
+          <a:off x="0" y="0"/>
+          <a:ext cx="0" cy="0"/>
+          <a:chOff x="0" y="0"/>
+          <a:chExt cx="0" cy="0"/>
+        </a:xfrm>
+      </p:grpSpPr>
+      <p:sp>
+        <p:nvSpPr>
+          <p:cNvPr id="4" name="Google Shape;106;p26">
+            <a:extLst>
+              <a:ext uri="{FF2B5EF4-FFF2-40B4-BE49-F238E27FC236}">
+                <a16:creationId xmlns:a16="http://schemas.microsoft.com/office/drawing/2014/main" id="{FB2E35A9-F238-C52F-A7EE-337E92C5BCDD}"/>
+              </a:ext>
+            </a:extLst>
+          </p:cNvPr>
+          <p:cNvSpPr txBox="1">
+            <a:spLocks/>
+          </p:cNvSpPr>
+          <p:nvPr/>
+        </p:nvSpPr>
+        <p:spPr>
+          <a:xfrm>
+            <a:off x="310896" y="173736"/>
+            <a:ext cx="7968600" cy="572700"/>
+          </a:xfrm>
+          <a:prstGeom prst="rect">
+            <a:avLst/>
+          </a:prstGeom>
+          <a:noFill/>
+          <a:ln>
+            <a:noFill/>
+          </a:ln>
+        </p:spPr>
+        <p:txBody>
+          <a:bodyPr spcFirstLastPara="1" vert="horz" wrap="square" lIns="91425" tIns="91425" rIns="91425" bIns="91425" rtlCol="0" anchor="t" anchorCtr="0">
+            <a:noAutofit/>
+          </a:bodyPr>
+          <a:lstStyle>
+            <a:lvl1pPr algn="ctr" defTabSz="914400" rtl="0" eaLnBrk="1" latinLnBrk="0" hangingPunct="1">
+              <a:lnSpc>
+                <a:spcPct val="90000"/>
+              </a:lnSpc>
+              <a:spcBef>
+                <a:spcPct val="0"/>
+              </a:spcBef>
+              <a:buNone/>
+              <a:defRPr sz="6000" kern="1200">
+                <a:solidFill>
+                  <a:schemeClr val="tx1"/>
+                </a:solidFill>
+                <a:latin typeface="+mj-lt"/>
+                <a:ea typeface="+mj-ea"/>
+                <a:cs typeface="+mj-cs"/>
+              </a:defRPr>
+            </a:lvl1pPr>
+          </a:lstStyle>
+          <a:p>
+            <a:pPr algn="l">
+              <a:lnSpc>
+                <a:spcPct val="100000"/>
+              </a:lnSpc>
+              <a:spcBef>
+                <a:spcPts val="0"/>
+              </a:spcBef>
+              <a:buSzPts val="2800"/>
+            </a:pPr>
+            <a:r>
+              <a:rPr lang="en-US" sz="3200" dirty="0">
+                <a:latin typeface="Segoe UI" panose="020B0502040204020203" pitchFamily="34" charset="0"/>
+                <a:cs typeface="Segoe UI" panose="020B0502040204020203" pitchFamily="34" charset="0"/>
+              </a:rPr>
+              <a:t>New Knowledge</a:t>
+            </a:r>
+          </a:p>
+        </p:txBody>
+      </p:sp>
+      <p:sp>
+        <p:nvSpPr>
+          <p:cNvPr id="5" name="Google Shape;347;p39">
+            <a:extLst>
+              <a:ext uri="{FF2B5EF4-FFF2-40B4-BE49-F238E27FC236}">
+                <a16:creationId xmlns:a16="http://schemas.microsoft.com/office/drawing/2014/main" id="{12B362D5-6F90-1150-13CE-A1F0F8C22742}"/>
+              </a:ext>
+            </a:extLst>
+          </p:cNvPr>
+          <p:cNvSpPr txBox="1">
+            <a:spLocks/>
+          </p:cNvSpPr>
+          <p:nvPr/>
+        </p:nvSpPr>
+        <p:spPr>
+          <a:xfrm>
+            <a:off x="241231" y="932960"/>
+            <a:ext cx="11776597" cy="5925039"/>
+          </a:xfrm>
+          <a:prstGeom prst="rect">
+            <a:avLst/>
+          </a:prstGeom>
+          <a:noFill/>
+          <a:ln>
+            <a:noFill/>
+          </a:ln>
+        </p:spPr>
+        <p:txBody>
+          <a:bodyPr spcFirstLastPara="1" vert="horz" wrap="square" lIns="91425" tIns="91425" rIns="91425" bIns="91425" rtlCol="0" anchor="t" anchorCtr="0">
+            <a:normAutofit/>
+          </a:bodyPr>
+          <a:lstStyle>
+            <a:lvl1pPr marL="0" indent="0" algn="ctr" defTabSz="914400" rtl="0" eaLnBrk="1" latinLnBrk="0" hangingPunct="1">
+              <a:lnSpc>
+                <a:spcPct val="90000"/>
+              </a:lnSpc>
+              <a:spcBef>
+                <a:spcPts val="1000"/>
+              </a:spcBef>
+              <a:buFont typeface="Arial" panose="020B0604020202020204" pitchFamily="34" charset="0"/>
+              <a:buNone/>
+              <a:defRPr sz="2400" kern="1200">
+                <a:solidFill>
+                  <a:schemeClr val="tx1"/>
+                </a:solidFill>
+                <a:latin typeface="+mn-lt"/>
+                <a:ea typeface="+mn-ea"/>
+                <a:cs typeface="+mn-cs"/>
+              </a:defRPr>
+            </a:lvl1pPr>
+            <a:lvl2pPr marL="457200" indent="0" algn="ctr" defTabSz="914400" rtl="0" eaLnBrk="1" latinLnBrk="0" hangingPunct="1">
+              <a:lnSpc>
+                <a:spcPct val="90000"/>
+              </a:lnSpc>
+              <a:spcBef>
+                <a:spcPts val="500"/>
+              </a:spcBef>
+              <a:buFont typeface="Arial" panose="020B0604020202020204" pitchFamily="34" charset="0"/>
+              <a:buNone/>
+              <a:defRPr sz="2000" kern="1200">
+                <a:solidFill>
+                  <a:schemeClr val="tx1"/>
+                </a:solidFill>
+                <a:latin typeface="+mn-lt"/>
+                <a:ea typeface="+mn-ea"/>
+                <a:cs typeface="+mn-cs"/>
+              </a:defRPr>
+            </a:lvl2pPr>
+            <a:lvl3pPr marL="914400" indent="0" algn="ctr" defTabSz="914400" rtl="0" eaLnBrk="1" latinLnBrk="0" hangingPunct="1">
+              <a:lnSpc>
+                <a:spcPct val="90000"/>
+              </a:lnSpc>
+              <a:spcBef>
+                <a:spcPts val="500"/>
+              </a:spcBef>
+              <a:buFont typeface="Arial" panose="020B0604020202020204" pitchFamily="34" charset="0"/>
+              <a:buNone/>
+              <a:defRPr sz="1800" kern="1200">
+                <a:solidFill>
+                  <a:schemeClr val="tx1"/>
+                </a:solidFill>
+                <a:latin typeface="+mn-lt"/>
+                <a:ea typeface="+mn-ea"/>
+                <a:cs typeface="+mn-cs"/>
+              </a:defRPr>
+            </a:lvl3pPr>
+            <a:lvl4pPr marL="1371600" indent="0" algn="ctr" defTabSz="914400" rtl="0" eaLnBrk="1" latinLnBrk="0" hangingPunct="1">
+              <a:lnSpc>
+                <a:spcPct val="90000"/>
+              </a:lnSpc>
+              <a:spcBef>
+                <a:spcPts val="500"/>
+              </a:spcBef>
+              <a:buFont typeface="Arial" panose="020B0604020202020204" pitchFamily="34" charset="0"/>
+              <a:buNone/>
+              <a:defRPr sz="1600" kern="1200">
+                <a:solidFill>
+                  <a:schemeClr val="tx1"/>
+                </a:solidFill>
+                <a:latin typeface="+mn-lt"/>
+                <a:ea typeface="+mn-ea"/>
+                <a:cs typeface="+mn-cs"/>
+              </a:defRPr>
+            </a:lvl4pPr>
+            <a:lvl5pPr marL="1828800" indent="0" algn="ctr" defTabSz="914400" rtl="0" eaLnBrk="1" latinLnBrk="0" hangingPunct="1">
+              <a:lnSpc>
+                <a:spcPct val="90000"/>
+              </a:lnSpc>
+              <a:spcBef>
+                <a:spcPts val="500"/>
+              </a:spcBef>
+              <a:buFont typeface="Arial" panose="020B0604020202020204" pitchFamily="34" charset="0"/>
+              <a:buNone/>
+              <a:defRPr sz="1600" kern="1200">
+                <a:solidFill>
+                  <a:schemeClr val="tx1"/>
+                </a:solidFill>
+                <a:latin typeface="+mn-lt"/>
+                <a:ea typeface="+mn-ea"/>
+                <a:cs typeface="+mn-cs"/>
+              </a:defRPr>
+            </a:lvl5pPr>
+            <a:lvl6pPr marL="2286000" indent="0" algn="ctr" defTabSz="914400" rtl="0" eaLnBrk="1" latinLnBrk="0" hangingPunct="1">
+              <a:lnSpc>
+                <a:spcPct val="90000"/>
+              </a:lnSpc>
+              <a:spcBef>
+                <a:spcPts val="500"/>
+              </a:spcBef>
+              <a:buFont typeface="Arial" panose="020B0604020202020204" pitchFamily="34" charset="0"/>
+              <a:buNone/>
+              <a:defRPr sz="1600" kern="1200">
+                <a:solidFill>
+                  <a:schemeClr val="tx1"/>
+                </a:solidFill>
+                <a:latin typeface="+mn-lt"/>
+                <a:ea typeface="+mn-ea"/>
+                <a:cs typeface="+mn-cs"/>
+              </a:defRPr>
+            </a:lvl6pPr>
+            <a:lvl7pPr marL="2743200" indent="0" algn="ctr" defTabSz="914400" rtl="0" eaLnBrk="1" latinLnBrk="0" hangingPunct="1">
+              <a:lnSpc>
+                <a:spcPct val="90000"/>
+              </a:lnSpc>
+              <a:spcBef>
+                <a:spcPts val="500"/>
+              </a:spcBef>
+              <a:buFont typeface="Arial" panose="020B0604020202020204" pitchFamily="34" charset="0"/>
+              <a:buNone/>
+              <a:defRPr sz="1600" kern="1200">
+                <a:solidFill>
+                  <a:schemeClr val="tx1"/>
+                </a:solidFill>
+                <a:latin typeface="+mn-lt"/>
+                <a:ea typeface="+mn-ea"/>
+                <a:cs typeface="+mn-cs"/>
+              </a:defRPr>
+            </a:lvl7pPr>
+            <a:lvl8pPr marL="3200400" indent="0" algn="ctr" defTabSz="914400" rtl="0" eaLnBrk="1" latinLnBrk="0" hangingPunct="1">
+              <a:lnSpc>
+                <a:spcPct val="90000"/>
+              </a:lnSpc>
+              <a:spcBef>
+                <a:spcPts val="500"/>
+              </a:spcBef>
+              <a:buFont typeface="Arial" panose="020B0604020202020204" pitchFamily="34" charset="0"/>
+              <a:buNone/>
+              <a:defRPr sz="1600" kern="1200">
+                <a:solidFill>
+                  <a:schemeClr val="tx1"/>
+                </a:solidFill>
+                <a:latin typeface="+mn-lt"/>
+                <a:ea typeface="+mn-ea"/>
+                <a:cs typeface="+mn-cs"/>
+              </a:defRPr>
+            </a:lvl8pPr>
+            <a:lvl9pPr marL="3657600" indent="0" algn="ctr" defTabSz="914400" rtl="0" eaLnBrk="1" latinLnBrk="0" hangingPunct="1">
+              <a:lnSpc>
+                <a:spcPct val="90000"/>
+              </a:lnSpc>
+              <a:spcBef>
+                <a:spcPts val="500"/>
+              </a:spcBef>
+              <a:buFont typeface="Arial" panose="020B0604020202020204" pitchFamily="34" charset="0"/>
+              <a:buNone/>
+              <a:defRPr sz="1600" kern="1200">
+                <a:solidFill>
+                  <a:schemeClr val="tx1"/>
+                </a:solidFill>
+                <a:latin typeface="+mn-lt"/>
+                <a:ea typeface="+mn-ea"/>
+                <a:cs typeface="+mn-cs"/>
+              </a:defRPr>
+            </a:lvl9pPr>
+          </a:lstStyle>
+          <a:p>
+            <a:pPr algn="l">
+              <a:lnSpc>
+                <a:spcPct val="100000"/>
+              </a:lnSpc>
+              <a:buSzPts val="1800"/>
+            </a:pPr>
+            <a:r>
+              <a:rPr lang="en-US" sz="1400" dirty="0">
+                <a:solidFill>
+                  <a:schemeClr val="dk1"/>
+                </a:solidFill>
+                <a:latin typeface="Segoe UI" panose="020B0502040204020203" pitchFamily="34" charset="0"/>
+                <a:cs typeface="Segoe UI" panose="020B0502040204020203" pitchFamily="34" charset="0"/>
+              </a:rPr>
+              <a:t>Meaning: Acquiring new knowledge is important</a:t>
+            </a:r>
+          </a:p>
+          <a:p>
+            <a:pPr algn="l">
+              <a:lnSpc>
+                <a:spcPct val="100000"/>
+              </a:lnSpc>
+              <a:buSzPts val="1800"/>
+            </a:pPr>
+            <a:endParaRPr lang="en-US" sz="1400" dirty="0">
+              <a:solidFill>
+                <a:schemeClr val="dk1"/>
+              </a:solidFill>
+              <a:latin typeface="Segoe UI" panose="020B0502040204020203" pitchFamily="34" charset="0"/>
+              <a:cs typeface="Segoe UI" panose="020B0502040204020203" pitchFamily="34" charset="0"/>
+            </a:endParaRPr>
+          </a:p>
+          <a:p>
+            <a:pPr algn="l">
+              <a:lnSpc>
+                <a:spcPct val="100000"/>
+              </a:lnSpc>
+              <a:buSzPts val="1800"/>
+            </a:pPr>
+            <a:r>
+              <a:rPr lang="en-US" sz="1400" dirty="0">
+                <a:solidFill>
+                  <a:schemeClr val="dk1"/>
+                </a:solidFill>
+                <a:latin typeface="Segoe UI" panose="020B0502040204020203" pitchFamily="34" charset="0"/>
+                <a:cs typeface="Segoe UI" panose="020B0502040204020203" pitchFamily="34" charset="0"/>
+              </a:rPr>
+              <a:t>The reason of why acquiring new knowledge is important: we never know everything that we’ll need to know by the end of the project.</a:t>
+            </a:r>
+          </a:p>
+          <a:p>
+            <a:pPr algn="l">
+              <a:lnSpc>
+                <a:spcPct val="100000"/>
+              </a:lnSpc>
+              <a:buSzPts val="1800"/>
+            </a:pPr>
+            <a:endParaRPr lang="en-US" sz="1400" dirty="0">
+              <a:solidFill>
+                <a:schemeClr val="dk1"/>
+              </a:solidFill>
+              <a:latin typeface="Segoe UI" panose="020B0502040204020203" pitchFamily="34" charset="0"/>
+              <a:cs typeface="Segoe UI" panose="020B0502040204020203" pitchFamily="34" charset="0"/>
+            </a:endParaRPr>
+          </a:p>
+          <a:p>
+            <a:pPr algn="l">
+              <a:lnSpc>
+                <a:spcPct val="100000"/>
+              </a:lnSpc>
+              <a:buSzPts val="1800"/>
+            </a:pPr>
+            <a:r>
+              <a:rPr lang="en-US" sz="1400" dirty="0">
+                <a:solidFill>
+                  <a:schemeClr val="dk1"/>
+                </a:solidFill>
+                <a:latin typeface="Segoe UI" panose="020B0502040204020203" pitchFamily="34" charset="0"/>
+                <a:cs typeface="Segoe UI" panose="020B0502040204020203" pitchFamily="34" charset="0"/>
+              </a:rPr>
+              <a:t>New knowledge has two categories:</a:t>
+            </a:r>
+          </a:p>
+          <a:p>
+            <a:pPr algn="l">
+              <a:lnSpc>
+                <a:spcPct val="100000"/>
+              </a:lnSpc>
+              <a:buSzPts val="1800"/>
+            </a:pPr>
+            <a:r>
+              <a:rPr lang="en-US" sz="1400" dirty="0">
+                <a:solidFill>
+                  <a:schemeClr val="dk1"/>
+                </a:solidFill>
+                <a:latin typeface="Segoe UI" panose="020B0502040204020203" pitchFamily="34" charset="0"/>
+                <a:cs typeface="Segoe UI" panose="020B0502040204020203" pitchFamily="34" charset="0"/>
+              </a:rPr>
+              <a:t>◆ Knowledge about the product</a:t>
+            </a:r>
+          </a:p>
+          <a:p>
+            <a:pPr algn="l">
+              <a:lnSpc>
+                <a:spcPct val="100000"/>
+              </a:lnSpc>
+              <a:buSzPts val="1800"/>
+            </a:pPr>
+            <a:r>
+              <a:rPr lang="en-US" sz="1400" dirty="0">
+                <a:solidFill>
+                  <a:schemeClr val="dk1"/>
+                </a:solidFill>
+                <a:latin typeface="Segoe UI" panose="020B0502040204020203" pitchFamily="34" charset="0"/>
+                <a:cs typeface="Segoe UI" panose="020B0502040204020203" pitchFamily="34" charset="0"/>
+              </a:rPr>
+              <a:t>◆ Knowledge about the project</a:t>
+            </a:r>
+          </a:p>
+          <a:p>
+            <a:pPr algn="l">
+              <a:lnSpc>
+                <a:spcPct val="100000"/>
+              </a:lnSpc>
+              <a:buSzPts val="1800"/>
+            </a:pPr>
+            <a:endParaRPr lang="en-US" sz="1400" dirty="0">
+              <a:solidFill>
+                <a:schemeClr val="dk1"/>
+              </a:solidFill>
+              <a:latin typeface="Segoe UI" panose="020B0502040204020203" pitchFamily="34" charset="0"/>
+              <a:cs typeface="Segoe UI" panose="020B0502040204020203" pitchFamily="34" charset="0"/>
+            </a:endParaRPr>
+          </a:p>
+          <a:p>
+            <a:pPr algn="l">
+              <a:lnSpc>
+                <a:spcPct val="100000"/>
+              </a:lnSpc>
+              <a:buSzPts val="1800"/>
+            </a:pPr>
+            <a:r>
+              <a:rPr lang="en-US" sz="1400">
+                <a:solidFill>
+                  <a:schemeClr val="dk1"/>
+                </a:solidFill>
+                <a:latin typeface="Segoe UI" panose="020B0502040204020203" pitchFamily="34" charset="0"/>
+                <a:cs typeface="Segoe UI" panose="020B0502040204020203" pitchFamily="34" charset="0"/>
+              </a:rPr>
+              <a:t>The definition of product knowledge:</a:t>
+            </a:r>
+          </a:p>
+          <a:p>
+            <a:pPr algn="l">
+              <a:lnSpc>
+                <a:spcPct val="100000"/>
+              </a:lnSpc>
+              <a:buSzPts val="1800"/>
+            </a:pPr>
+            <a:endParaRPr lang="en-US" sz="1400">
+              <a:solidFill>
+                <a:schemeClr val="dk1"/>
+              </a:solidFill>
+              <a:latin typeface="Segoe UI" panose="020B0502040204020203" pitchFamily="34" charset="0"/>
+              <a:cs typeface="Segoe UI" panose="020B0502040204020203" pitchFamily="34" charset="0"/>
+            </a:endParaRPr>
+          </a:p>
+          <a:p>
+            <a:pPr algn="l">
+              <a:lnSpc>
+                <a:spcPct val="100000"/>
+              </a:lnSpc>
+              <a:buSzPts val="1800"/>
+            </a:pPr>
+            <a:endParaRPr lang="en-US" sz="1400" dirty="0">
+              <a:solidFill>
+                <a:schemeClr val="dk1"/>
+              </a:solidFill>
+              <a:latin typeface="Segoe UI" panose="020B0502040204020203" pitchFamily="34" charset="0"/>
+              <a:cs typeface="Segoe UI" panose="020B0502040204020203" pitchFamily="34" charset="0"/>
+            </a:endParaRPr>
+          </a:p>
+          <a:p>
+            <a:pPr algn="l">
+              <a:lnSpc>
+                <a:spcPct val="100000"/>
+              </a:lnSpc>
+              <a:buSzPts val="1800"/>
+            </a:pPr>
+            <a:endParaRPr lang="en-US" sz="1400" dirty="0">
+              <a:solidFill>
+                <a:schemeClr val="dk1"/>
+              </a:solidFill>
+              <a:latin typeface="Segoe UI" panose="020B0502040204020203" pitchFamily="34" charset="0"/>
+              <a:cs typeface="Segoe UI" panose="020B0502040204020203" pitchFamily="34" charset="0"/>
+            </a:endParaRPr>
+          </a:p>
+          <a:p>
+            <a:pPr algn="l">
+              <a:lnSpc>
+                <a:spcPct val="100000"/>
+              </a:lnSpc>
+              <a:buSzPts val="1800"/>
+            </a:pPr>
+            <a:endParaRPr lang="en-US" sz="1400" dirty="0">
+              <a:solidFill>
+                <a:schemeClr val="dk1"/>
+              </a:solidFill>
+              <a:latin typeface="Segoe UI" panose="020B0502040204020203" pitchFamily="34" charset="0"/>
+              <a:cs typeface="Segoe UI" panose="020B0502040204020203" pitchFamily="34" charset="0"/>
+            </a:endParaRPr>
+          </a:p>
+        </p:txBody>
+      </p:sp>
+    </p:spTree>
+    <p:extLst>
+      <p:ext uri="{BB962C8B-B14F-4D97-AF65-F5344CB8AC3E}">
+        <p14:creationId xmlns:p14="http://schemas.microsoft.com/office/powerpoint/2010/main" val="275794244"/>
       </p:ext>
     </p:extLst>
   </p:cSld>

--- a/temp/勉強会.pptx
+++ b/temp/勉強会.pptx
@@ -11,6 +11,11 @@
     <p:sldId id="259" r:id="rId5"/>
     <p:sldId id="260" r:id="rId6"/>
     <p:sldId id="261" r:id="rId7"/>
+    <p:sldId id="262" r:id="rId8"/>
+    <p:sldId id="263" r:id="rId9"/>
+    <p:sldId id="264" r:id="rId10"/>
+    <p:sldId id="265" r:id="rId11"/>
+    <p:sldId id="266" r:id="rId12"/>
   </p:sldIdLst>
   <p:sldSz cx="12192000" cy="6858000"/>
   <p:notesSz cx="6858000" cy="9144000"/>
@@ -264,7 +269,7 @@
           <a:p>
             <a:fld id="{22AA010E-CEA3-431A-8F9B-CC0A301E1235}" type="datetimeFigureOut">
               <a:rPr lang="en-US" smtClean="0"/>
-              <a:t>9/11/2023</a:t>
+              <a:t>9/12/2023</a:t>
             </a:fld>
             <a:endParaRPr lang="en-US"/>
           </a:p>
@@ -462,7 +467,7 @@
           <a:p>
             <a:fld id="{22AA010E-CEA3-431A-8F9B-CC0A301E1235}" type="datetimeFigureOut">
               <a:rPr lang="en-US" smtClean="0"/>
-              <a:t>9/11/2023</a:t>
+              <a:t>9/12/2023</a:t>
             </a:fld>
             <a:endParaRPr lang="en-US"/>
           </a:p>
@@ -670,7 +675,7 @@
           <a:p>
             <a:fld id="{22AA010E-CEA3-431A-8F9B-CC0A301E1235}" type="datetimeFigureOut">
               <a:rPr lang="en-US" smtClean="0"/>
-              <a:t>9/11/2023</a:t>
+              <a:t>9/12/2023</a:t>
             </a:fld>
             <a:endParaRPr lang="en-US"/>
           </a:p>
@@ -868,7 +873,7 @@
           <a:p>
             <a:fld id="{22AA010E-CEA3-431A-8F9B-CC0A301E1235}" type="datetimeFigureOut">
               <a:rPr lang="en-US" smtClean="0"/>
-              <a:t>9/11/2023</a:t>
+              <a:t>9/12/2023</a:t>
             </a:fld>
             <a:endParaRPr lang="en-US"/>
           </a:p>
@@ -1143,7 +1148,7 @@
           <a:p>
             <a:fld id="{22AA010E-CEA3-431A-8F9B-CC0A301E1235}" type="datetimeFigureOut">
               <a:rPr lang="en-US" smtClean="0"/>
-              <a:t>9/11/2023</a:t>
+              <a:t>9/12/2023</a:t>
             </a:fld>
             <a:endParaRPr lang="en-US"/>
           </a:p>
@@ -1408,7 +1413,7 @@
           <a:p>
             <a:fld id="{22AA010E-CEA3-431A-8F9B-CC0A301E1235}" type="datetimeFigureOut">
               <a:rPr lang="en-US" smtClean="0"/>
-              <a:t>9/11/2023</a:t>
+              <a:t>9/12/2023</a:t>
             </a:fld>
             <a:endParaRPr lang="en-US"/>
           </a:p>
@@ -1820,7 +1825,7 @@
           <a:p>
             <a:fld id="{22AA010E-CEA3-431A-8F9B-CC0A301E1235}" type="datetimeFigureOut">
               <a:rPr lang="en-US" smtClean="0"/>
-              <a:t>9/11/2023</a:t>
+              <a:t>9/12/2023</a:t>
             </a:fld>
             <a:endParaRPr lang="en-US"/>
           </a:p>
@@ -1961,7 +1966,7 @@
           <a:p>
             <a:fld id="{22AA010E-CEA3-431A-8F9B-CC0A301E1235}" type="datetimeFigureOut">
               <a:rPr lang="en-US" smtClean="0"/>
-              <a:t>9/11/2023</a:t>
+              <a:t>9/12/2023</a:t>
             </a:fld>
             <a:endParaRPr lang="en-US"/>
           </a:p>
@@ -2074,7 +2079,7 @@
           <a:p>
             <a:fld id="{22AA010E-CEA3-431A-8F9B-CC0A301E1235}" type="datetimeFigureOut">
               <a:rPr lang="en-US" smtClean="0"/>
-              <a:t>9/11/2023</a:t>
+              <a:t>9/12/2023</a:t>
             </a:fld>
             <a:endParaRPr lang="en-US"/>
           </a:p>
@@ -2385,7 +2390,7 @@
           <a:p>
             <a:fld id="{22AA010E-CEA3-431A-8F9B-CC0A301E1235}" type="datetimeFigureOut">
               <a:rPr lang="en-US" smtClean="0"/>
-              <a:t>9/11/2023</a:t>
+              <a:t>9/12/2023</a:t>
             </a:fld>
             <a:endParaRPr lang="en-US"/>
           </a:p>
@@ -2673,7 +2678,7 @@
           <a:p>
             <a:fld id="{22AA010E-CEA3-431A-8F9B-CC0A301E1235}" type="datetimeFigureOut">
               <a:rPr lang="en-US" smtClean="0"/>
-              <a:t>9/11/2023</a:t>
+              <a:t>9/12/2023</a:t>
             </a:fld>
             <a:endParaRPr lang="en-US"/>
           </a:p>
@@ -2914,7 +2919,7 @@
           <a:p>
             <a:fld id="{22AA010E-CEA3-431A-8F9B-CC0A301E1235}" type="datetimeFigureOut">
               <a:rPr lang="en-US" smtClean="0"/>
-              <a:t>9/11/2023</a:t>
+              <a:t>9/12/2023</a:t>
             </a:fld>
             <a:endParaRPr lang="en-US"/>
           </a:p>
@@ -3402,6 +3407,2150 @@
 </p:sld>
 </file>
 
+<file path=ppt/slides/slide10.xml><?xml version="1.0" encoding="utf-8"?>
+<p:sld xmlns:a="http://schemas.openxmlformats.org/drawingml/2006/main" xmlns:r="http://schemas.openxmlformats.org/officeDocument/2006/relationships" xmlns:p="http://schemas.openxmlformats.org/presentationml/2006/main">
+  <p:cSld>
+    <p:spTree>
+      <p:nvGrpSpPr>
+        <p:cNvPr id="1" name=""/>
+        <p:cNvGrpSpPr/>
+        <p:nvPr/>
+      </p:nvGrpSpPr>
+      <p:grpSpPr>
+        <a:xfrm>
+          <a:off x="0" y="0"/>
+          <a:ext cx="0" cy="0"/>
+          <a:chOff x="0" y="0"/>
+          <a:chExt cx="0" cy="0"/>
+        </a:xfrm>
+      </p:grpSpPr>
+      <p:sp>
+        <p:nvSpPr>
+          <p:cNvPr id="4" name="Google Shape;106;p26">
+            <a:extLst>
+              <a:ext uri="{FF2B5EF4-FFF2-40B4-BE49-F238E27FC236}">
+                <a16:creationId xmlns:a16="http://schemas.microsoft.com/office/drawing/2014/main" id="{FB2E35A9-F238-C52F-A7EE-337E92C5BCDD}"/>
+              </a:ext>
+            </a:extLst>
+          </p:cNvPr>
+          <p:cNvSpPr txBox="1">
+            <a:spLocks/>
+          </p:cNvSpPr>
+          <p:nvPr/>
+        </p:nvSpPr>
+        <p:spPr>
+          <a:xfrm>
+            <a:off x="310896" y="173736"/>
+            <a:ext cx="7968600" cy="572700"/>
+          </a:xfrm>
+          <a:prstGeom prst="rect">
+            <a:avLst/>
+          </a:prstGeom>
+          <a:noFill/>
+          <a:ln>
+            <a:noFill/>
+          </a:ln>
+        </p:spPr>
+        <p:txBody>
+          <a:bodyPr spcFirstLastPara="1" vert="horz" wrap="square" lIns="91425" tIns="91425" rIns="91425" bIns="91425" rtlCol="0" anchor="t" anchorCtr="0">
+            <a:noAutofit/>
+          </a:bodyPr>
+          <a:lstStyle>
+            <a:lvl1pPr algn="ctr" defTabSz="914400" rtl="0" eaLnBrk="1" latinLnBrk="0" hangingPunct="1">
+              <a:lnSpc>
+                <a:spcPct val="90000"/>
+              </a:lnSpc>
+              <a:spcBef>
+                <a:spcPct val="0"/>
+              </a:spcBef>
+              <a:buNone/>
+              <a:defRPr sz="6000" kern="1200">
+                <a:solidFill>
+                  <a:schemeClr val="tx1"/>
+                </a:solidFill>
+                <a:latin typeface="+mj-lt"/>
+                <a:ea typeface="+mj-ea"/>
+                <a:cs typeface="+mj-cs"/>
+              </a:defRPr>
+            </a:lvl1pPr>
+          </a:lstStyle>
+          <a:p>
+            <a:pPr algn="l">
+              <a:lnSpc>
+                <a:spcPct val="100000"/>
+              </a:lnSpc>
+              <a:spcBef>
+                <a:spcPts val="0"/>
+              </a:spcBef>
+              <a:buSzPts val="2800"/>
+            </a:pPr>
+            <a:r>
+              <a:rPr lang="en-US" sz="3200" dirty="0">
+                <a:latin typeface="Segoe UI" panose="020B0502040204020203" pitchFamily="34" charset="0"/>
+                <a:cs typeface="Segoe UI" panose="020B0502040204020203" pitchFamily="34" charset="0"/>
+              </a:rPr>
+              <a:t>Cost</a:t>
+            </a:r>
+          </a:p>
+        </p:txBody>
+      </p:sp>
+      <p:sp>
+        <p:nvSpPr>
+          <p:cNvPr id="5" name="Google Shape;347;p39">
+            <a:extLst>
+              <a:ext uri="{FF2B5EF4-FFF2-40B4-BE49-F238E27FC236}">
+                <a16:creationId xmlns:a16="http://schemas.microsoft.com/office/drawing/2014/main" id="{12B362D5-6F90-1150-13CE-A1F0F8C22742}"/>
+              </a:ext>
+            </a:extLst>
+          </p:cNvPr>
+          <p:cNvSpPr txBox="1">
+            <a:spLocks/>
+          </p:cNvSpPr>
+          <p:nvPr/>
+        </p:nvSpPr>
+        <p:spPr>
+          <a:xfrm>
+            <a:off x="241231" y="932961"/>
+            <a:ext cx="11776597" cy="5645640"/>
+          </a:xfrm>
+          <a:prstGeom prst="rect">
+            <a:avLst/>
+          </a:prstGeom>
+          <a:noFill/>
+          <a:ln>
+            <a:noFill/>
+          </a:ln>
+        </p:spPr>
+        <p:txBody>
+          <a:bodyPr spcFirstLastPara="1" vert="horz" wrap="square" lIns="91425" tIns="91425" rIns="91425" bIns="91425" rtlCol="0" anchor="t" anchorCtr="0">
+            <a:normAutofit/>
+          </a:bodyPr>
+          <a:lstStyle>
+            <a:lvl1pPr marL="0" indent="0" algn="ctr" defTabSz="914400" rtl="0" eaLnBrk="1" latinLnBrk="0" hangingPunct="1">
+              <a:lnSpc>
+                <a:spcPct val="90000"/>
+              </a:lnSpc>
+              <a:spcBef>
+                <a:spcPts val="1000"/>
+              </a:spcBef>
+              <a:buFont typeface="Arial" panose="020B0604020202020204" pitchFamily="34" charset="0"/>
+              <a:buNone/>
+              <a:defRPr sz="2400" kern="1200">
+                <a:solidFill>
+                  <a:schemeClr val="tx1"/>
+                </a:solidFill>
+                <a:latin typeface="+mn-lt"/>
+                <a:ea typeface="+mn-ea"/>
+                <a:cs typeface="+mn-cs"/>
+              </a:defRPr>
+            </a:lvl1pPr>
+            <a:lvl2pPr marL="457200" indent="0" algn="ctr" defTabSz="914400" rtl="0" eaLnBrk="1" latinLnBrk="0" hangingPunct="1">
+              <a:lnSpc>
+                <a:spcPct val="90000"/>
+              </a:lnSpc>
+              <a:spcBef>
+                <a:spcPts val="500"/>
+              </a:spcBef>
+              <a:buFont typeface="Arial" panose="020B0604020202020204" pitchFamily="34" charset="0"/>
+              <a:buNone/>
+              <a:defRPr sz="2000" kern="1200">
+                <a:solidFill>
+                  <a:schemeClr val="tx1"/>
+                </a:solidFill>
+                <a:latin typeface="+mn-lt"/>
+                <a:ea typeface="+mn-ea"/>
+                <a:cs typeface="+mn-cs"/>
+              </a:defRPr>
+            </a:lvl2pPr>
+            <a:lvl3pPr marL="914400" indent="0" algn="ctr" defTabSz="914400" rtl="0" eaLnBrk="1" latinLnBrk="0" hangingPunct="1">
+              <a:lnSpc>
+                <a:spcPct val="90000"/>
+              </a:lnSpc>
+              <a:spcBef>
+                <a:spcPts val="500"/>
+              </a:spcBef>
+              <a:buFont typeface="Arial" panose="020B0604020202020204" pitchFamily="34" charset="0"/>
+              <a:buNone/>
+              <a:defRPr sz="1800" kern="1200">
+                <a:solidFill>
+                  <a:schemeClr val="tx1"/>
+                </a:solidFill>
+                <a:latin typeface="+mn-lt"/>
+                <a:ea typeface="+mn-ea"/>
+                <a:cs typeface="+mn-cs"/>
+              </a:defRPr>
+            </a:lvl3pPr>
+            <a:lvl4pPr marL="1371600" indent="0" algn="ctr" defTabSz="914400" rtl="0" eaLnBrk="1" latinLnBrk="0" hangingPunct="1">
+              <a:lnSpc>
+                <a:spcPct val="90000"/>
+              </a:lnSpc>
+              <a:spcBef>
+                <a:spcPts val="500"/>
+              </a:spcBef>
+              <a:buFont typeface="Arial" panose="020B0604020202020204" pitchFamily="34" charset="0"/>
+              <a:buNone/>
+              <a:defRPr sz="1600" kern="1200">
+                <a:solidFill>
+                  <a:schemeClr val="tx1"/>
+                </a:solidFill>
+                <a:latin typeface="+mn-lt"/>
+                <a:ea typeface="+mn-ea"/>
+                <a:cs typeface="+mn-cs"/>
+              </a:defRPr>
+            </a:lvl4pPr>
+            <a:lvl5pPr marL="1828800" indent="0" algn="ctr" defTabSz="914400" rtl="0" eaLnBrk="1" latinLnBrk="0" hangingPunct="1">
+              <a:lnSpc>
+                <a:spcPct val="90000"/>
+              </a:lnSpc>
+              <a:spcBef>
+                <a:spcPts val="500"/>
+              </a:spcBef>
+              <a:buFont typeface="Arial" panose="020B0604020202020204" pitchFamily="34" charset="0"/>
+              <a:buNone/>
+              <a:defRPr sz="1600" kern="1200">
+                <a:solidFill>
+                  <a:schemeClr val="tx1"/>
+                </a:solidFill>
+                <a:latin typeface="+mn-lt"/>
+                <a:ea typeface="+mn-ea"/>
+                <a:cs typeface="+mn-cs"/>
+              </a:defRPr>
+            </a:lvl5pPr>
+            <a:lvl6pPr marL="2286000" indent="0" algn="ctr" defTabSz="914400" rtl="0" eaLnBrk="1" latinLnBrk="0" hangingPunct="1">
+              <a:lnSpc>
+                <a:spcPct val="90000"/>
+              </a:lnSpc>
+              <a:spcBef>
+                <a:spcPts val="500"/>
+              </a:spcBef>
+              <a:buFont typeface="Arial" panose="020B0604020202020204" pitchFamily="34" charset="0"/>
+              <a:buNone/>
+              <a:defRPr sz="1600" kern="1200">
+                <a:solidFill>
+                  <a:schemeClr val="tx1"/>
+                </a:solidFill>
+                <a:latin typeface="+mn-lt"/>
+                <a:ea typeface="+mn-ea"/>
+                <a:cs typeface="+mn-cs"/>
+              </a:defRPr>
+            </a:lvl6pPr>
+            <a:lvl7pPr marL="2743200" indent="0" algn="ctr" defTabSz="914400" rtl="0" eaLnBrk="1" latinLnBrk="0" hangingPunct="1">
+              <a:lnSpc>
+                <a:spcPct val="90000"/>
+              </a:lnSpc>
+              <a:spcBef>
+                <a:spcPts val="500"/>
+              </a:spcBef>
+              <a:buFont typeface="Arial" panose="020B0604020202020204" pitchFamily="34" charset="0"/>
+              <a:buNone/>
+              <a:defRPr sz="1600" kern="1200">
+                <a:solidFill>
+                  <a:schemeClr val="tx1"/>
+                </a:solidFill>
+                <a:latin typeface="+mn-lt"/>
+                <a:ea typeface="+mn-ea"/>
+                <a:cs typeface="+mn-cs"/>
+              </a:defRPr>
+            </a:lvl7pPr>
+            <a:lvl8pPr marL="3200400" indent="0" algn="ctr" defTabSz="914400" rtl="0" eaLnBrk="1" latinLnBrk="0" hangingPunct="1">
+              <a:lnSpc>
+                <a:spcPct val="90000"/>
+              </a:lnSpc>
+              <a:spcBef>
+                <a:spcPts val="500"/>
+              </a:spcBef>
+              <a:buFont typeface="Arial" panose="020B0604020202020204" pitchFamily="34" charset="0"/>
+              <a:buNone/>
+              <a:defRPr sz="1600" kern="1200">
+                <a:solidFill>
+                  <a:schemeClr val="tx1"/>
+                </a:solidFill>
+                <a:latin typeface="+mn-lt"/>
+                <a:ea typeface="+mn-ea"/>
+                <a:cs typeface="+mn-cs"/>
+              </a:defRPr>
+            </a:lvl8pPr>
+            <a:lvl9pPr marL="3657600" indent="0" algn="ctr" defTabSz="914400" rtl="0" eaLnBrk="1" latinLnBrk="0" hangingPunct="1">
+              <a:lnSpc>
+                <a:spcPct val="90000"/>
+              </a:lnSpc>
+              <a:spcBef>
+                <a:spcPts val="500"/>
+              </a:spcBef>
+              <a:buFont typeface="Arial" panose="020B0604020202020204" pitchFamily="34" charset="0"/>
+              <a:buNone/>
+              <a:defRPr sz="1600" kern="1200">
+                <a:solidFill>
+                  <a:schemeClr val="tx1"/>
+                </a:solidFill>
+                <a:latin typeface="+mn-lt"/>
+                <a:ea typeface="+mn-ea"/>
+                <a:cs typeface="+mn-cs"/>
+              </a:defRPr>
+            </a:lvl9pPr>
+          </a:lstStyle>
+          <a:p>
+            <a:pPr algn="l">
+              <a:lnSpc>
+                <a:spcPct val="100000"/>
+              </a:lnSpc>
+              <a:spcBef>
+                <a:spcPts val="0"/>
+              </a:spcBef>
+              <a:buSzPts val="1800"/>
+            </a:pPr>
+            <a:endParaRPr lang="en-US" sz="1400" dirty="0">
+              <a:solidFill>
+                <a:schemeClr val="dk1"/>
+              </a:solidFill>
+              <a:latin typeface="Segoe UI" panose="020B0502040204020203" pitchFamily="34" charset="0"/>
+              <a:cs typeface="Segoe UI" panose="020B0502040204020203" pitchFamily="34" charset="0"/>
+            </a:endParaRPr>
+          </a:p>
+          <a:p>
+            <a:pPr algn="l">
+              <a:lnSpc>
+                <a:spcPct val="100000"/>
+              </a:lnSpc>
+              <a:spcBef>
+                <a:spcPts val="0"/>
+              </a:spcBef>
+              <a:buSzPts val="1800"/>
+            </a:pPr>
+            <a:endParaRPr lang="en-US" sz="1400" dirty="0">
+              <a:solidFill>
+                <a:schemeClr val="dk1"/>
+              </a:solidFill>
+              <a:latin typeface="Segoe UI" panose="020B0502040204020203" pitchFamily="34" charset="0"/>
+              <a:cs typeface="Segoe UI" panose="020B0502040204020203" pitchFamily="34" charset="0"/>
+            </a:endParaRPr>
+          </a:p>
+          <a:p>
+            <a:pPr algn="l">
+              <a:lnSpc>
+                <a:spcPct val="100000"/>
+              </a:lnSpc>
+              <a:spcBef>
+                <a:spcPts val="0"/>
+              </a:spcBef>
+              <a:buSzPts val="1800"/>
+            </a:pPr>
+            <a:endParaRPr lang="en-US" sz="1400" dirty="0">
+              <a:solidFill>
+                <a:schemeClr val="dk1"/>
+              </a:solidFill>
+              <a:latin typeface="Segoe UI" panose="020B0502040204020203" pitchFamily="34" charset="0"/>
+              <a:cs typeface="Segoe UI" panose="020B0502040204020203" pitchFamily="34" charset="0"/>
+            </a:endParaRPr>
+          </a:p>
+          <a:p>
+            <a:pPr algn="l">
+              <a:lnSpc>
+                <a:spcPct val="100000"/>
+              </a:lnSpc>
+              <a:spcBef>
+                <a:spcPts val="0"/>
+              </a:spcBef>
+              <a:buSzPts val="1800"/>
+            </a:pPr>
+            <a:endParaRPr lang="en-US" sz="1400" b="1" dirty="0">
+              <a:solidFill>
+                <a:schemeClr val="dk1"/>
+              </a:solidFill>
+              <a:latin typeface="Segoe UI" panose="020B0502040204020203" pitchFamily="34" charset="0"/>
+              <a:cs typeface="Segoe UI" panose="020B0502040204020203" pitchFamily="34" charset="0"/>
+            </a:endParaRPr>
+          </a:p>
+          <a:p>
+            <a:pPr algn="l">
+              <a:lnSpc>
+                <a:spcPct val="100000"/>
+              </a:lnSpc>
+              <a:spcBef>
+                <a:spcPts val="0"/>
+              </a:spcBef>
+              <a:buSzPts val="1800"/>
+            </a:pPr>
+            <a:endParaRPr lang="en-US" sz="1400" b="1" dirty="0">
+              <a:solidFill>
+                <a:schemeClr val="dk1"/>
+              </a:solidFill>
+              <a:latin typeface="Segoe UI" panose="020B0502040204020203" pitchFamily="34" charset="0"/>
+              <a:cs typeface="Segoe UI" panose="020B0502040204020203" pitchFamily="34" charset="0"/>
+            </a:endParaRPr>
+          </a:p>
+          <a:p>
+            <a:pPr algn="l">
+              <a:lnSpc>
+                <a:spcPct val="100000"/>
+              </a:lnSpc>
+              <a:spcBef>
+                <a:spcPts val="0"/>
+              </a:spcBef>
+              <a:buSzPts val="1800"/>
+            </a:pPr>
+            <a:r>
+              <a:rPr lang="en-US" sz="1400" b="1" dirty="0">
+                <a:solidFill>
+                  <a:schemeClr val="dk1"/>
+                </a:solidFill>
+                <a:latin typeface="Segoe UI" panose="020B0502040204020203" pitchFamily="34" charset="0"/>
+                <a:cs typeface="Segoe UI" panose="020B0502040204020203" pitchFamily="34" charset="0"/>
+              </a:rPr>
+              <a:t>One key characteristic</a:t>
+            </a:r>
+          </a:p>
+          <a:p>
+            <a:pPr algn="l">
+              <a:lnSpc>
+                <a:spcPct val="100000"/>
+              </a:lnSpc>
+              <a:spcBef>
+                <a:spcPts val="0"/>
+              </a:spcBef>
+              <a:buSzPts val="1800"/>
+            </a:pPr>
+            <a:r>
+              <a:rPr lang="en-US" sz="1400" dirty="0">
+                <a:solidFill>
+                  <a:schemeClr val="dk1"/>
+                </a:solidFill>
+                <a:latin typeface="Segoe UI" panose="020B0502040204020203" pitchFamily="34" charset="0"/>
+                <a:cs typeface="Segoe UI" panose="020B0502040204020203" pitchFamily="34" charset="0"/>
+              </a:rPr>
+              <a:t>The cost can change over time</a:t>
+            </a:r>
+          </a:p>
+          <a:p>
+            <a:pPr algn="l">
+              <a:lnSpc>
+                <a:spcPct val="100000"/>
+              </a:lnSpc>
+              <a:spcBef>
+                <a:spcPts val="0"/>
+              </a:spcBef>
+              <a:buSzPts val="1800"/>
+            </a:pPr>
+            <a:endParaRPr lang="en-US" sz="1400" dirty="0">
+              <a:solidFill>
+                <a:schemeClr val="dk1"/>
+              </a:solidFill>
+              <a:latin typeface="Segoe UI" panose="020B0502040204020203" pitchFamily="34" charset="0"/>
+              <a:cs typeface="Segoe UI" panose="020B0502040204020203" pitchFamily="34" charset="0"/>
+            </a:endParaRPr>
+          </a:p>
+          <a:p>
+            <a:pPr algn="l">
+              <a:lnSpc>
+                <a:spcPct val="100000"/>
+              </a:lnSpc>
+              <a:spcBef>
+                <a:spcPts val="0"/>
+              </a:spcBef>
+              <a:buSzPts val="1800"/>
+            </a:pPr>
+            <a:r>
+              <a:rPr lang="en-US" sz="1400" dirty="0">
+                <a:solidFill>
+                  <a:schemeClr val="dk1"/>
+                </a:solidFill>
+                <a:latin typeface="Segoe UI" panose="020B0502040204020203" pitchFamily="34" charset="0"/>
+                <a:cs typeface="Segoe UI" panose="020B0502040204020203" pitchFamily="34" charset="0"/>
+              </a:rPr>
+              <a:t>Example: </a:t>
+            </a:r>
+          </a:p>
+          <a:p>
+            <a:pPr algn="l">
+              <a:lnSpc>
+                <a:spcPct val="100000"/>
+              </a:lnSpc>
+              <a:spcBef>
+                <a:spcPts val="0"/>
+              </a:spcBef>
+              <a:buSzPts val="1800"/>
+            </a:pPr>
+            <a:r>
+              <a:rPr lang="en-US" sz="1400" dirty="0">
+                <a:solidFill>
+                  <a:schemeClr val="dk1"/>
+                </a:solidFill>
+                <a:latin typeface="Segoe UI" panose="020B0502040204020203" pitchFamily="34" charset="0"/>
+                <a:cs typeface="Segoe UI" panose="020B0502040204020203" pitchFamily="34" charset="0"/>
+              </a:rPr>
+              <a:t>Adding a theme (i.e., support for internationalization) today may take four weeks of effort; adding it in six months may take six weeks.</a:t>
+            </a:r>
+          </a:p>
+          <a:p>
+            <a:pPr algn="l">
+              <a:lnSpc>
+                <a:spcPct val="100000"/>
+              </a:lnSpc>
+              <a:spcBef>
+                <a:spcPts val="0"/>
+              </a:spcBef>
+              <a:buSzPts val="1800"/>
+            </a:pPr>
+            <a:r>
+              <a:rPr lang="en-US" sz="1400" dirty="0">
+                <a:solidFill>
+                  <a:schemeClr val="dk1"/>
+                </a:solidFill>
+                <a:latin typeface="Segoe UI" panose="020B0502040204020203" pitchFamily="34" charset="0"/>
+                <a:cs typeface="Segoe UI" panose="020B0502040204020203" pitchFamily="34" charset="0"/>
+              </a:rPr>
+              <a:t>(Note that time costs money)</a:t>
+            </a:r>
+          </a:p>
+          <a:p>
+            <a:pPr algn="l">
+              <a:lnSpc>
+                <a:spcPct val="100000"/>
+              </a:lnSpc>
+              <a:spcBef>
+                <a:spcPts val="0"/>
+              </a:spcBef>
+              <a:buSzPts val="1800"/>
+            </a:pPr>
+            <a:endParaRPr lang="en-US" sz="1400" dirty="0">
+              <a:solidFill>
+                <a:schemeClr val="dk1"/>
+              </a:solidFill>
+              <a:latin typeface="Segoe UI" panose="020B0502040204020203" pitchFamily="34" charset="0"/>
+              <a:cs typeface="Segoe UI" panose="020B0502040204020203" pitchFamily="34" charset="0"/>
+            </a:endParaRPr>
+          </a:p>
+          <a:p>
+            <a:pPr>
+              <a:lnSpc>
+                <a:spcPct val="100000"/>
+              </a:lnSpc>
+              <a:spcBef>
+                <a:spcPts val="0"/>
+              </a:spcBef>
+              <a:buSzPts val="1800"/>
+            </a:pPr>
+            <a:r>
+              <a:rPr lang="en-US" sz="1400" dirty="0">
+                <a:solidFill>
+                  <a:schemeClr val="dk1"/>
+                </a:solidFill>
+                <a:latin typeface="Segoe UI" panose="020B0502040204020203" pitchFamily="34" charset="0"/>
+                <a:cs typeface="Segoe UI" panose="020B0502040204020203" pitchFamily="34" charset="0"/>
+              </a:rPr>
+              <a:t>Because 4 weeks (now) &lt; 6 weeks (in six months), should we add it now?</a:t>
+            </a:r>
+          </a:p>
+          <a:p>
+            <a:pPr>
+              <a:lnSpc>
+                <a:spcPct val="100000"/>
+              </a:lnSpc>
+              <a:spcBef>
+                <a:spcPts val="0"/>
+              </a:spcBef>
+              <a:buSzPts val="1800"/>
+            </a:pPr>
+            <a:endParaRPr lang="en-US" sz="1400" dirty="0">
+              <a:solidFill>
+                <a:schemeClr val="dk1"/>
+              </a:solidFill>
+              <a:latin typeface="Segoe UI" panose="020B0502040204020203" pitchFamily="34" charset="0"/>
+              <a:cs typeface="Segoe UI" panose="020B0502040204020203" pitchFamily="34" charset="0"/>
+            </a:endParaRPr>
+          </a:p>
+          <a:p>
+            <a:pPr>
+              <a:lnSpc>
+                <a:spcPct val="100000"/>
+              </a:lnSpc>
+              <a:spcBef>
+                <a:spcPts val="0"/>
+              </a:spcBef>
+              <a:buSzPts val="1800"/>
+            </a:pPr>
+            <a:r>
+              <a:rPr lang="en-US" sz="1800" b="1" dirty="0">
+                <a:solidFill>
+                  <a:schemeClr val="dk1"/>
+                </a:solidFill>
+                <a:latin typeface="Segoe UI" panose="020B0502040204020203" pitchFamily="34" charset="0"/>
+                <a:cs typeface="Segoe UI" panose="020B0502040204020203" pitchFamily="34" charset="0"/>
+              </a:rPr>
+              <a:t>Maybe</a:t>
+            </a:r>
+          </a:p>
+          <a:p>
+            <a:pPr algn="l">
+              <a:lnSpc>
+                <a:spcPct val="100000"/>
+              </a:lnSpc>
+              <a:spcBef>
+                <a:spcPts val="0"/>
+              </a:spcBef>
+              <a:buSzPts val="1800"/>
+            </a:pPr>
+            <a:endParaRPr lang="en-US" sz="1400" dirty="0">
+              <a:solidFill>
+                <a:schemeClr val="dk1"/>
+              </a:solidFill>
+              <a:latin typeface="Segoe UI" panose="020B0502040204020203" pitchFamily="34" charset="0"/>
+              <a:cs typeface="Segoe UI" panose="020B0502040204020203" pitchFamily="34" charset="0"/>
+            </a:endParaRPr>
+          </a:p>
+          <a:p>
+            <a:pPr algn="l">
+              <a:lnSpc>
+                <a:spcPct val="100000"/>
+              </a:lnSpc>
+              <a:spcBef>
+                <a:spcPts val="0"/>
+              </a:spcBef>
+              <a:buSzPts val="1800"/>
+            </a:pPr>
+            <a:r>
+              <a:rPr lang="en-US" sz="1400" dirty="0">
+                <a:solidFill>
+                  <a:schemeClr val="dk1"/>
+                </a:solidFill>
+                <a:latin typeface="Segoe UI" panose="020B0502040204020203" pitchFamily="34" charset="0"/>
+                <a:cs typeface="Segoe UI" panose="020B0502040204020203" pitchFamily="34" charset="0"/>
+              </a:rPr>
+              <a:t>What if we find out that we need additional three weeks changing the original implementation based on knowledge gained during that six months?</a:t>
+            </a:r>
+          </a:p>
+          <a:p>
+            <a:pPr algn="l">
+              <a:lnSpc>
+                <a:spcPct val="100000"/>
+              </a:lnSpc>
+              <a:spcBef>
+                <a:spcPts val="0"/>
+              </a:spcBef>
+              <a:buSzPts val="1800"/>
+            </a:pPr>
+            <a:r>
+              <a:rPr lang="en-US" sz="1400" dirty="0">
+                <a:solidFill>
+                  <a:schemeClr val="dk1"/>
+                </a:solidFill>
+                <a:latin typeface="Segoe UI" panose="020B0502040204020203" pitchFamily="34" charset="0"/>
+                <a:cs typeface="Segoe UI" panose="020B0502040204020203" pitchFamily="34" charset="0"/>
+              </a:rPr>
+              <a:t>Then,</a:t>
+            </a:r>
+          </a:p>
+          <a:p>
+            <a:pPr>
+              <a:lnSpc>
+                <a:spcPct val="100000"/>
+              </a:lnSpc>
+              <a:spcBef>
+                <a:spcPts val="0"/>
+              </a:spcBef>
+              <a:buSzPts val="1800"/>
+            </a:pPr>
+            <a:r>
+              <a:rPr lang="en-US" sz="1400" dirty="0">
+                <a:solidFill>
+                  <a:schemeClr val="dk1"/>
+                </a:solidFill>
+                <a:latin typeface="Segoe UI" panose="020B0502040204020203" pitchFamily="34" charset="0"/>
+                <a:cs typeface="Segoe UI" panose="020B0502040204020203" pitchFamily="34" charset="0"/>
+              </a:rPr>
+              <a:t>4+</a:t>
+            </a:r>
+            <a:r>
+              <a:rPr lang="en-US" sz="1400" dirty="0">
+                <a:solidFill>
+                  <a:srgbClr val="FF0000"/>
+                </a:solidFill>
+                <a:latin typeface="Segoe UI" panose="020B0502040204020203" pitchFamily="34" charset="0"/>
+                <a:cs typeface="Segoe UI" panose="020B0502040204020203" pitchFamily="34" charset="0"/>
+              </a:rPr>
+              <a:t>3</a:t>
+            </a:r>
+            <a:r>
+              <a:rPr lang="en-US" sz="1400" dirty="0">
+                <a:solidFill>
+                  <a:schemeClr val="dk1"/>
+                </a:solidFill>
+                <a:latin typeface="Segoe UI" panose="020B0502040204020203" pitchFamily="34" charset="0"/>
+                <a:cs typeface="Segoe UI" panose="020B0502040204020203" pitchFamily="34" charset="0"/>
+              </a:rPr>
+              <a:t> weeks (now) &gt; 6 weeks (in six months)</a:t>
+            </a:r>
+          </a:p>
+          <a:p>
+            <a:pPr algn="l">
+              <a:lnSpc>
+                <a:spcPct val="100000"/>
+              </a:lnSpc>
+              <a:spcBef>
+                <a:spcPts val="0"/>
+              </a:spcBef>
+              <a:buSzPts val="1800"/>
+            </a:pPr>
+            <a:endParaRPr lang="en-US" sz="1400" dirty="0">
+              <a:solidFill>
+                <a:schemeClr val="dk1"/>
+              </a:solidFill>
+              <a:latin typeface="Segoe UI" panose="020B0502040204020203" pitchFamily="34" charset="0"/>
+              <a:cs typeface="Segoe UI" panose="020B0502040204020203" pitchFamily="34" charset="0"/>
+            </a:endParaRPr>
+          </a:p>
+          <a:p>
+            <a:pPr algn="l">
+              <a:lnSpc>
+                <a:spcPct val="100000"/>
+              </a:lnSpc>
+              <a:spcBef>
+                <a:spcPts val="0"/>
+              </a:spcBef>
+              <a:buSzPts val="1800"/>
+            </a:pPr>
+            <a:endParaRPr lang="en-US" sz="1400" dirty="0">
+              <a:solidFill>
+                <a:schemeClr val="dk1"/>
+              </a:solidFill>
+              <a:latin typeface="Segoe UI" panose="020B0502040204020203" pitchFamily="34" charset="0"/>
+              <a:cs typeface="Segoe UI" panose="020B0502040204020203" pitchFamily="34" charset="0"/>
+            </a:endParaRPr>
+          </a:p>
+          <a:p>
+            <a:pPr algn="l">
+              <a:lnSpc>
+                <a:spcPct val="100000"/>
+              </a:lnSpc>
+              <a:spcBef>
+                <a:spcPts val="0"/>
+              </a:spcBef>
+              <a:buSzPts val="1800"/>
+            </a:pPr>
+            <a:endParaRPr lang="en-US" sz="1400" dirty="0">
+              <a:solidFill>
+                <a:schemeClr val="dk1"/>
+              </a:solidFill>
+              <a:latin typeface="Segoe UI" panose="020B0502040204020203" pitchFamily="34" charset="0"/>
+              <a:cs typeface="Segoe UI" panose="020B0502040204020203" pitchFamily="34" charset="0"/>
+            </a:endParaRPr>
+          </a:p>
+          <a:p>
+            <a:pPr algn="l">
+              <a:lnSpc>
+                <a:spcPct val="100000"/>
+              </a:lnSpc>
+              <a:spcBef>
+                <a:spcPts val="0"/>
+              </a:spcBef>
+              <a:buSzPts val="1800"/>
+            </a:pPr>
+            <a:r>
+              <a:rPr lang="en-US" sz="1400" b="1" dirty="0">
+                <a:solidFill>
+                  <a:schemeClr val="dk1"/>
+                </a:solidFill>
+                <a:latin typeface="Segoe UI" panose="020B0502040204020203" pitchFamily="34" charset="0"/>
+                <a:cs typeface="Segoe UI" panose="020B0502040204020203" pitchFamily="34" charset="0"/>
+              </a:rPr>
+              <a:t>The best way to reduce the cost of change</a:t>
+            </a:r>
+            <a:endParaRPr lang="en-US" sz="1400" dirty="0">
+              <a:solidFill>
+                <a:schemeClr val="dk1"/>
+              </a:solidFill>
+              <a:latin typeface="Segoe UI" panose="020B0502040204020203" pitchFamily="34" charset="0"/>
+              <a:cs typeface="Segoe UI" panose="020B0502040204020203" pitchFamily="34" charset="0"/>
+            </a:endParaRPr>
+          </a:p>
+          <a:p>
+            <a:pPr algn="l">
+              <a:lnSpc>
+                <a:spcPct val="100000"/>
+              </a:lnSpc>
+              <a:spcBef>
+                <a:spcPts val="0"/>
+              </a:spcBef>
+              <a:buSzPts val="1800"/>
+            </a:pPr>
+            <a:r>
+              <a:rPr lang="en-US" sz="1400" dirty="0">
+                <a:solidFill>
+                  <a:schemeClr val="dk1"/>
+                </a:solidFill>
+                <a:latin typeface="Segoe UI" panose="020B0502040204020203" pitchFamily="34" charset="0"/>
+                <a:cs typeface="Segoe UI" panose="020B0502040204020203" pitchFamily="34" charset="0"/>
+              </a:rPr>
+              <a:t>Implement a feature as late as possible-effectively when there is no more time for change.</a:t>
+            </a:r>
+          </a:p>
+          <a:p>
+            <a:pPr algn="l">
+              <a:lnSpc>
+                <a:spcPct val="100000"/>
+              </a:lnSpc>
+              <a:spcBef>
+                <a:spcPts val="0"/>
+              </a:spcBef>
+              <a:buSzPts val="1800"/>
+            </a:pPr>
+            <a:endParaRPr lang="en-US" sz="1400" dirty="0">
+              <a:solidFill>
+                <a:schemeClr val="dk1"/>
+              </a:solidFill>
+              <a:latin typeface="Segoe UI" panose="020B0502040204020203" pitchFamily="34" charset="0"/>
+              <a:cs typeface="Segoe UI" panose="020B0502040204020203" pitchFamily="34" charset="0"/>
+            </a:endParaRPr>
+          </a:p>
+        </p:txBody>
+      </p:sp>
+      <p:grpSp>
+        <p:nvGrpSpPr>
+          <p:cNvPr id="7" name="Group 6">
+            <a:extLst>
+              <a:ext uri="{FF2B5EF4-FFF2-40B4-BE49-F238E27FC236}">
+                <a16:creationId xmlns:a16="http://schemas.microsoft.com/office/drawing/2014/main" id="{4DF2E096-CB02-A112-1FCE-26EC2EEEC13F}"/>
+              </a:ext>
+            </a:extLst>
+          </p:cNvPr>
+          <p:cNvGrpSpPr/>
+          <p:nvPr/>
+        </p:nvGrpSpPr>
+        <p:grpSpPr>
+          <a:xfrm>
+            <a:off x="546100" y="1005697"/>
+            <a:ext cx="9132054" cy="914400"/>
+            <a:chOff x="1096434" y="2735760"/>
+            <a:chExt cx="9132054" cy="914400"/>
+          </a:xfrm>
+        </p:grpSpPr>
+        <p:pic>
+          <p:nvPicPr>
+            <p:cNvPr id="8" name="Graphic 7" descr="Money">
+              <a:extLst>
+                <a:ext uri="{FF2B5EF4-FFF2-40B4-BE49-F238E27FC236}">
+                  <a16:creationId xmlns:a16="http://schemas.microsoft.com/office/drawing/2014/main" id="{A80C6411-03BE-E530-07F1-3FA02D86942C}"/>
+                </a:ext>
+              </a:extLst>
+            </p:cNvPr>
+            <p:cNvPicPr>
+              <a:picLocks noChangeAspect="1"/>
+            </p:cNvPicPr>
+            <p:nvPr/>
+          </p:nvPicPr>
+          <p:blipFill>
+            <a:blip r:embed="rId2">
+              <a:extLst>
+                <a:ext uri="{28A0092B-C50C-407E-A947-70E740481C1C}">
+                  <a14:useLocalDpi xmlns:a14="http://schemas.microsoft.com/office/drawing/2010/main" val="0"/>
+                </a:ext>
+                <a:ext uri="{96DAC541-7B7A-43D3-8B79-37D633B846F1}">
+                  <asvg:svgBlip xmlns:asvg="http://schemas.microsoft.com/office/drawing/2016/SVG/main" r:embed="rId3"/>
+                </a:ext>
+              </a:extLst>
+            </a:blip>
+            <a:stretch>
+              <a:fillRect/>
+            </a:stretch>
+          </p:blipFill>
+          <p:spPr>
+            <a:xfrm>
+              <a:off x="1096434" y="2735760"/>
+              <a:ext cx="914400" cy="914400"/>
+            </a:xfrm>
+            <a:prstGeom prst="rect">
+              <a:avLst/>
+            </a:prstGeom>
+          </p:spPr>
+        </p:pic>
+        <p:sp>
+          <p:nvSpPr>
+            <p:cNvPr id="9" name="Google Shape;347;p39">
+              <a:extLst>
+                <a:ext uri="{FF2B5EF4-FFF2-40B4-BE49-F238E27FC236}">
+                  <a16:creationId xmlns:a16="http://schemas.microsoft.com/office/drawing/2014/main" id="{233972E6-A526-86AE-6A9E-5B13B21746EF}"/>
+                </a:ext>
+              </a:extLst>
+            </p:cNvPr>
+            <p:cNvSpPr txBox="1">
+              <a:spLocks/>
+            </p:cNvSpPr>
+            <p:nvPr/>
+          </p:nvSpPr>
+          <p:spPr>
+            <a:xfrm>
+              <a:off x="2030569" y="3014822"/>
+              <a:ext cx="8197919" cy="473043"/>
+            </a:xfrm>
+            <a:prstGeom prst="rect">
+              <a:avLst/>
+            </a:prstGeom>
+            <a:noFill/>
+            <a:ln>
+              <a:noFill/>
+            </a:ln>
+          </p:spPr>
+          <p:txBody>
+            <a:bodyPr spcFirstLastPara="1" vert="horz" wrap="square" lIns="91425" tIns="91425" rIns="91425" bIns="91425" rtlCol="0" anchor="t" anchorCtr="0">
+              <a:normAutofit/>
+            </a:bodyPr>
+            <a:lstStyle>
+              <a:lvl1pPr marL="0" indent="0" algn="ctr" defTabSz="914400" rtl="0" eaLnBrk="1" latinLnBrk="0" hangingPunct="1">
+                <a:lnSpc>
+                  <a:spcPct val="90000"/>
+                </a:lnSpc>
+                <a:spcBef>
+                  <a:spcPts val="1000"/>
+                </a:spcBef>
+                <a:buFont typeface="Arial" panose="020B0604020202020204" pitchFamily="34" charset="0"/>
+                <a:buNone/>
+                <a:defRPr sz="2400" kern="1200">
+                  <a:solidFill>
+                    <a:schemeClr val="tx1"/>
+                  </a:solidFill>
+                  <a:latin typeface="+mn-lt"/>
+                  <a:ea typeface="+mn-ea"/>
+                  <a:cs typeface="+mn-cs"/>
+                </a:defRPr>
+              </a:lvl1pPr>
+              <a:lvl2pPr marL="457200" indent="0" algn="ctr" defTabSz="914400" rtl="0" eaLnBrk="1" latinLnBrk="0" hangingPunct="1">
+                <a:lnSpc>
+                  <a:spcPct val="90000"/>
+                </a:lnSpc>
+                <a:spcBef>
+                  <a:spcPts val="500"/>
+                </a:spcBef>
+                <a:buFont typeface="Arial" panose="020B0604020202020204" pitchFamily="34" charset="0"/>
+                <a:buNone/>
+                <a:defRPr sz="2000" kern="1200">
+                  <a:solidFill>
+                    <a:schemeClr val="tx1"/>
+                  </a:solidFill>
+                  <a:latin typeface="+mn-lt"/>
+                  <a:ea typeface="+mn-ea"/>
+                  <a:cs typeface="+mn-cs"/>
+                </a:defRPr>
+              </a:lvl2pPr>
+              <a:lvl3pPr marL="914400" indent="0" algn="ctr" defTabSz="914400" rtl="0" eaLnBrk="1" latinLnBrk="0" hangingPunct="1">
+                <a:lnSpc>
+                  <a:spcPct val="90000"/>
+                </a:lnSpc>
+                <a:spcBef>
+                  <a:spcPts val="500"/>
+                </a:spcBef>
+                <a:buFont typeface="Arial" panose="020B0604020202020204" pitchFamily="34" charset="0"/>
+                <a:buNone/>
+                <a:defRPr sz="1800" kern="1200">
+                  <a:solidFill>
+                    <a:schemeClr val="tx1"/>
+                  </a:solidFill>
+                  <a:latin typeface="+mn-lt"/>
+                  <a:ea typeface="+mn-ea"/>
+                  <a:cs typeface="+mn-cs"/>
+                </a:defRPr>
+              </a:lvl3pPr>
+              <a:lvl4pPr marL="1371600" indent="0" algn="ctr" defTabSz="914400" rtl="0" eaLnBrk="1" latinLnBrk="0" hangingPunct="1">
+                <a:lnSpc>
+                  <a:spcPct val="90000"/>
+                </a:lnSpc>
+                <a:spcBef>
+                  <a:spcPts val="500"/>
+                </a:spcBef>
+                <a:buFont typeface="Arial" panose="020B0604020202020204" pitchFamily="34" charset="0"/>
+                <a:buNone/>
+                <a:defRPr sz="1600" kern="1200">
+                  <a:solidFill>
+                    <a:schemeClr val="tx1"/>
+                  </a:solidFill>
+                  <a:latin typeface="+mn-lt"/>
+                  <a:ea typeface="+mn-ea"/>
+                  <a:cs typeface="+mn-cs"/>
+                </a:defRPr>
+              </a:lvl4pPr>
+              <a:lvl5pPr marL="1828800" indent="0" algn="ctr" defTabSz="914400" rtl="0" eaLnBrk="1" latinLnBrk="0" hangingPunct="1">
+                <a:lnSpc>
+                  <a:spcPct val="90000"/>
+                </a:lnSpc>
+                <a:spcBef>
+                  <a:spcPts val="500"/>
+                </a:spcBef>
+                <a:buFont typeface="Arial" panose="020B0604020202020204" pitchFamily="34" charset="0"/>
+                <a:buNone/>
+                <a:defRPr sz="1600" kern="1200">
+                  <a:solidFill>
+                    <a:schemeClr val="tx1"/>
+                  </a:solidFill>
+                  <a:latin typeface="+mn-lt"/>
+                  <a:ea typeface="+mn-ea"/>
+                  <a:cs typeface="+mn-cs"/>
+                </a:defRPr>
+              </a:lvl5pPr>
+              <a:lvl6pPr marL="2286000" indent="0" algn="ctr" defTabSz="914400" rtl="0" eaLnBrk="1" latinLnBrk="0" hangingPunct="1">
+                <a:lnSpc>
+                  <a:spcPct val="90000"/>
+                </a:lnSpc>
+                <a:spcBef>
+                  <a:spcPts val="500"/>
+                </a:spcBef>
+                <a:buFont typeface="Arial" panose="020B0604020202020204" pitchFamily="34" charset="0"/>
+                <a:buNone/>
+                <a:defRPr sz="1600" kern="1200">
+                  <a:solidFill>
+                    <a:schemeClr val="tx1"/>
+                  </a:solidFill>
+                  <a:latin typeface="+mn-lt"/>
+                  <a:ea typeface="+mn-ea"/>
+                  <a:cs typeface="+mn-cs"/>
+                </a:defRPr>
+              </a:lvl6pPr>
+              <a:lvl7pPr marL="2743200" indent="0" algn="ctr" defTabSz="914400" rtl="0" eaLnBrk="1" latinLnBrk="0" hangingPunct="1">
+                <a:lnSpc>
+                  <a:spcPct val="90000"/>
+                </a:lnSpc>
+                <a:spcBef>
+                  <a:spcPts val="500"/>
+                </a:spcBef>
+                <a:buFont typeface="Arial" panose="020B0604020202020204" pitchFamily="34" charset="0"/>
+                <a:buNone/>
+                <a:defRPr sz="1600" kern="1200">
+                  <a:solidFill>
+                    <a:schemeClr val="tx1"/>
+                  </a:solidFill>
+                  <a:latin typeface="+mn-lt"/>
+                  <a:ea typeface="+mn-ea"/>
+                  <a:cs typeface="+mn-cs"/>
+                </a:defRPr>
+              </a:lvl7pPr>
+              <a:lvl8pPr marL="3200400" indent="0" algn="ctr" defTabSz="914400" rtl="0" eaLnBrk="1" latinLnBrk="0" hangingPunct="1">
+                <a:lnSpc>
+                  <a:spcPct val="90000"/>
+                </a:lnSpc>
+                <a:spcBef>
+                  <a:spcPts val="500"/>
+                </a:spcBef>
+                <a:buFont typeface="Arial" panose="020B0604020202020204" pitchFamily="34" charset="0"/>
+                <a:buNone/>
+                <a:defRPr sz="1600" kern="1200">
+                  <a:solidFill>
+                    <a:schemeClr val="tx1"/>
+                  </a:solidFill>
+                  <a:latin typeface="+mn-lt"/>
+                  <a:ea typeface="+mn-ea"/>
+                  <a:cs typeface="+mn-cs"/>
+                </a:defRPr>
+              </a:lvl8pPr>
+              <a:lvl9pPr marL="3657600" indent="0" algn="ctr" defTabSz="914400" rtl="0" eaLnBrk="1" latinLnBrk="0" hangingPunct="1">
+                <a:lnSpc>
+                  <a:spcPct val="90000"/>
+                </a:lnSpc>
+                <a:spcBef>
+                  <a:spcPts val="500"/>
+                </a:spcBef>
+                <a:buFont typeface="Arial" panose="020B0604020202020204" pitchFamily="34" charset="0"/>
+                <a:buNone/>
+                <a:defRPr sz="1600" kern="1200">
+                  <a:solidFill>
+                    <a:schemeClr val="tx1"/>
+                  </a:solidFill>
+                  <a:latin typeface="+mn-lt"/>
+                  <a:ea typeface="+mn-ea"/>
+                  <a:cs typeface="+mn-cs"/>
+                </a:defRPr>
+              </a:lvl9pPr>
+            </a:lstStyle>
+            <a:p>
+              <a:pPr algn="l">
+                <a:lnSpc>
+                  <a:spcPct val="100000"/>
+                </a:lnSpc>
+                <a:spcBef>
+                  <a:spcPts val="0"/>
+                </a:spcBef>
+                <a:buSzPts val="1800"/>
+              </a:pPr>
+              <a:r>
+                <a:rPr lang="en-US" sz="1400" dirty="0">
+                  <a:solidFill>
+                    <a:srgbClr val="C00000"/>
+                  </a:solidFill>
+                  <a:latin typeface="Segoe UI" panose="020B0502040204020203" pitchFamily="34" charset="0"/>
+                  <a:cs typeface="Segoe UI" panose="020B0502040204020203" pitchFamily="34" charset="0"/>
+                </a:rPr>
+                <a:t>The money the organization will spend by having the new features included in the theme</a:t>
+              </a:r>
+            </a:p>
+            <a:p>
+              <a:pPr algn="l">
+                <a:lnSpc>
+                  <a:spcPct val="100000"/>
+                </a:lnSpc>
+                <a:spcBef>
+                  <a:spcPts val="0"/>
+                </a:spcBef>
+                <a:buSzPts val="1800"/>
+              </a:pPr>
+              <a:endParaRPr lang="en-US" sz="1400" dirty="0">
+                <a:solidFill>
+                  <a:srgbClr val="C00000"/>
+                </a:solidFill>
+                <a:latin typeface="Segoe UI" panose="020B0502040204020203" pitchFamily="34" charset="0"/>
+                <a:cs typeface="Segoe UI" panose="020B0502040204020203" pitchFamily="34" charset="0"/>
+              </a:endParaRPr>
+            </a:p>
+          </p:txBody>
+        </p:sp>
+      </p:grpSp>
+    </p:spTree>
+    <p:extLst>
+      <p:ext uri="{BB962C8B-B14F-4D97-AF65-F5344CB8AC3E}">
+        <p14:creationId xmlns:p14="http://schemas.microsoft.com/office/powerpoint/2010/main" val="4146576199"/>
+      </p:ext>
+    </p:extLst>
+  </p:cSld>
+  <p:clrMapOvr>
+    <a:masterClrMapping/>
+  </p:clrMapOvr>
+</p:sld>
+</file>
+
+<file path=ppt/slides/slide11.xml><?xml version="1.0" encoding="utf-8"?>
+<p:sld xmlns:a="http://schemas.openxmlformats.org/drawingml/2006/main" xmlns:r="http://schemas.openxmlformats.org/officeDocument/2006/relationships" xmlns:p="http://schemas.openxmlformats.org/presentationml/2006/main">
+  <p:cSld>
+    <p:spTree>
+      <p:nvGrpSpPr>
+        <p:cNvPr id="1" name=""/>
+        <p:cNvGrpSpPr/>
+        <p:nvPr/>
+      </p:nvGrpSpPr>
+      <p:grpSpPr>
+        <a:xfrm>
+          <a:off x="0" y="0"/>
+          <a:ext cx="0" cy="0"/>
+          <a:chOff x="0" y="0"/>
+          <a:chExt cx="0" cy="0"/>
+        </a:xfrm>
+      </p:grpSpPr>
+      <p:sp>
+        <p:nvSpPr>
+          <p:cNvPr id="4" name="Google Shape;106;p26">
+            <a:extLst>
+              <a:ext uri="{FF2B5EF4-FFF2-40B4-BE49-F238E27FC236}">
+                <a16:creationId xmlns:a16="http://schemas.microsoft.com/office/drawing/2014/main" id="{FB2E35A9-F238-C52F-A7EE-337E92C5BCDD}"/>
+              </a:ext>
+            </a:extLst>
+          </p:cNvPr>
+          <p:cNvSpPr txBox="1">
+            <a:spLocks/>
+          </p:cNvSpPr>
+          <p:nvPr/>
+        </p:nvSpPr>
+        <p:spPr>
+          <a:xfrm>
+            <a:off x="310896" y="173736"/>
+            <a:ext cx="7968600" cy="572700"/>
+          </a:xfrm>
+          <a:prstGeom prst="rect">
+            <a:avLst/>
+          </a:prstGeom>
+          <a:noFill/>
+          <a:ln>
+            <a:noFill/>
+          </a:ln>
+        </p:spPr>
+        <p:txBody>
+          <a:bodyPr spcFirstLastPara="1" vert="horz" wrap="square" lIns="91425" tIns="91425" rIns="91425" bIns="91425" rtlCol="0" anchor="t" anchorCtr="0">
+            <a:noAutofit/>
+          </a:bodyPr>
+          <a:lstStyle>
+            <a:lvl1pPr algn="ctr" defTabSz="914400" rtl="0" eaLnBrk="1" latinLnBrk="0" hangingPunct="1">
+              <a:lnSpc>
+                <a:spcPct val="90000"/>
+              </a:lnSpc>
+              <a:spcBef>
+                <a:spcPct val="0"/>
+              </a:spcBef>
+              <a:buNone/>
+              <a:defRPr sz="6000" kern="1200">
+                <a:solidFill>
+                  <a:schemeClr val="tx1"/>
+                </a:solidFill>
+                <a:latin typeface="+mj-lt"/>
+                <a:ea typeface="+mj-ea"/>
+                <a:cs typeface="+mj-cs"/>
+              </a:defRPr>
+            </a:lvl1pPr>
+          </a:lstStyle>
+          <a:p>
+            <a:pPr algn="l">
+              <a:lnSpc>
+                <a:spcPct val="100000"/>
+              </a:lnSpc>
+              <a:spcBef>
+                <a:spcPts val="0"/>
+              </a:spcBef>
+              <a:buSzPts val="2800"/>
+            </a:pPr>
+            <a:r>
+              <a:rPr lang="en-US" sz="3200" dirty="0">
+                <a:latin typeface="Segoe UI" panose="020B0502040204020203" pitchFamily="34" charset="0"/>
+                <a:cs typeface="Segoe UI" panose="020B0502040204020203" pitchFamily="34" charset="0"/>
+              </a:rPr>
+              <a:t>Cost (continued)</a:t>
+            </a:r>
+          </a:p>
+        </p:txBody>
+      </p:sp>
+      <p:sp>
+        <p:nvSpPr>
+          <p:cNvPr id="5" name="Google Shape;347;p39">
+            <a:extLst>
+              <a:ext uri="{FF2B5EF4-FFF2-40B4-BE49-F238E27FC236}">
+                <a16:creationId xmlns:a16="http://schemas.microsoft.com/office/drawing/2014/main" id="{12B362D5-6F90-1150-13CE-A1F0F8C22742}"/>
+              </a:ext>
+            </a:extLst>
+          </p:cNvPr>
+          <p:cNvSpPr txBox="1">
+            <a:spLocks/>
+          </p:cNvSpPr>
+          <p:nvPr/>
+        </p:nvSpPr>
+        <p:spPr>
+          <a:xfrm>
+            <a:off x="241231" y="932961"/>
+            <a:ext cx="11776597" cy="5645640"/>
+          </a:xfrm>
+          <a:prstGeom prst="rect">
+            <a:avLst/>
+          </a:prstGeom>
+          <a:noFill/>
+          <a:ln>
+            <a:noFill/>
+          </a:ln>
+        </p:spPr>
+        <p:txBody>
+          <a:bodyPr spcFirstLastPara="1" vert="horz" wrap="square" lIns="91425" tIns="91425" rIns="91425" bIns="91425" rtlCol="0" anchor="t" anchorCtr="0">
+            <a:normAutofit/>
+          </a:bodyPr>
+          <a:lstStyle>
+            <a:lvl1pPr marL="0" indent="0" algn="ctr" defTabSz="914400" rtl="0" eaLnBrk="1" latinLnBrk="0" hangingPunct="1">
+              <a:lnSpc>
+                <a:spcPct val="90000"/>
+              </a:lnSpc>
+              <a:spcBef>
+                <a:spcPts val="1000"/>
+              </a:spcBef>
+              <a:buFont typeface="Arial" panose="020B0604020202020204" pitchFamily="34" charset="0"/>
+              <a:buNone/>
+              <a:defRPr sz="2400" kern="1200">
+                <a:solidFill>
+                  <a:schemeClr val="tx1"/>
+                </a:solidFill>
+                <a:latin typeface="+mn-lt"/>
+                <a:ea typeface="+mn-ea"/>
+                <a:cs typeface="+mn-cs"/>
+              </a:defRPr>
+            </a:lvl1pPr>
+            <a:lvl2pPr marL="457200" indent="0" algn="ctr" defTabSz="914400" rtl="0" eaLnBrk="1" latinLnBrk="0" hangingPunct="1">
+              <a:lnSpc>
+                <a:spcPct val="90000"/>
+              </a:lnSpc>
+              <a:spcBef>
+                <a:spcPts val="500"/>
+              </a:spcBef>
+              <a:buFont typeface="Arial" panose="020B0604020202020204" pitchFamily="34" charset="0"/>
+              <a:buNone/>
+              <a:defRPr sz="2000" kern="1200">
+                <a:solidFill>
+                  <a:schemeClr val="tx1"/>
+                </a:solidFill>
+                <a:latin typeface="+mn-lt"/>
+                <a:ea typeface="+mn-ea"/>
+                <a:cs typeface="+mn-cs"/>
+              </a:defRPr>
+            </a:lvl2pPr>
+            <a:lvl3pPr marL="914400" indent="0" algn="ctr" defTabSz="914400" rtl="0" eaLnBrk="1" latinLnBrk="0" hangingPunct="1">
+              <a:lnSpc>
+                <a:spcPct val="90000"/>
+              </a:lnSpc>
+              <a:spcBef>
+                <a:spcPts val="500"/>
+              </a:spcBef>
+              <a:buFont typeface="Arial" panose="020B0604020202020204" pitchFamily="34" charset="0"/>
+              <a:buNone/>
+              <a:defRPr sz="1800" kern="1200">
+                <a:solidFill>
+                  <a:schemeClr val="tx1"/>
+                </a:solidFill>
+                <a:latin typeface="+mn-lt"/>
+                <a:ea typeface="+mn-ea"/>
+                <a:cs typeface="+mn-cs"/>
+              </a:defRPr>
+            </a:lvl3pPr>
+            <a:lvl4pPr marL="1371600" indent="0" algn="ctr" defTabSz="914400" rtl="0" eaLnBrk="1" latinLnBrk="0" hangingPunct="1">
+              <a:lnSpc>
+                <a:spcPct val="90000"/>
+              </a:lnSpc>
+              <a:spcBef>
+                <a:spcPts val="500"/>
+              </a:spcBef>
+              <a:buFont typeface="Arial" panose="020B0604020202020204" pitchFamily="34" charset="0"/>
+              <a:buNone/>
+              <a:defRPr sz="1600" kern="1200">
+                <a:solidFill>
+                  <a:schemeClr val="tx1"/>
+                </a:solidFill>
+                <a:latin typeface="+mn-lt"/>
+                <a:ea typeface="+mn-ea"/>
+                <a:cs typeface="+mn-cs"/>
+              </a:defRPr>
+            </a:lvl4pPr>
+            <a:lvl5pPr marL="1828800" indent="0" algn="ctr" defTabSz="914400" rtl="0" eaLnBrk="1" latinLnBrk="0" hangingPunct="1">
+              <a:lnSpc>
+                <a:spcPct val="90000"/>
+              </a:lnSpc>
+              <a:spcBef>
+                <a:spcPts val="500"/>
+              </a:spcBef>
+              <a:buFont typeface="Arial" panose="020B0604020202020204" pitchFamily="34" charset="0"/>
+              <a:buNone/>
+              <a:defRPr sz="1600" kern="1200">
+                <a:solidFill>
+                  <a:schemeClr val="tx1"/>
+                </a:solidFill>
+                <a:latin typeface="+mn-lt"/>
+                <a:ea typeface="+mn-ea"/>
+                <a:cs typeface="+mn-cs"/>
+              </a:defRPr>
+            </a:lvl5pPr>
+            <a:lvl6pPr marL="2286000" indent="0" algn="ctr" defTabSz="914400" rtl="0" eaLnBrk="1" latinLnBrk="0" hangingPunct="1">
+              <a:lnSpc>
+                <a:spcPct val="90000"/>
+              </a:lnSpc>
+              <a:spcBef>
+                <a:spcPts val="500"/>
+              </a:spcBef>
+              <a:buFont typeface="Arial" panose="020B0604020202020204" pitchFamily="34" charset="0"/>
+              <a:buNone/>
+              <a:defRPr sz="1600" kern="1200">
+                <a:solidFill>
+                  <a:schemeClr val="tx1"/>
+                </a:solidFill>
+                <a:latin typeface="+mn-lt"/>
+                <a:ea typeface="+mn-ea"/>
+                <a:cs typeface="+mn-cs"/>
+              </a:defRPr>
+            </a:lvl6pPr>
+            <a:lvl7pPr marL="2743200" indent="0" algn="ctr" defTabSz="914400" rtl="0" eaLnBrk="1" latinLnBrk="0" hangingPunct="1">
+              <a:lnSpc>
+                <a:spcPct val="90000"/>
+              </a:lnSpc>
+              <a:spcBef>
+                <a:spcPts val="500"/>
+              </a:spcBef>
+              <a:buFont typeface="Arial" panose="020B0604020202020204" pitchFamily="34" charset="0"/>
+              <a:buNone/>
+              <a:defRPr sz="1600" kern="1200">
+                <a:solidFill>
+                  <a:schemeClr val="tx1"/>
+                </a:solidFill>
+                <a:latin typeface="+mn-lt"/>
+                <a:ea typeface="+mn-ea"/>
+                <a:cs typeface="+mn-cs"/>
+              </a:defRPr>
+            </a:lvl7pPr>
+            <a:lvl8pPr marL="3200400" indent="0" algn="ctr" defTabSz="914400" rtl="0" eaLnBrk="1" latinLnBrk="0" hangingPunct="1">
+              <a:lnSpc>
+                <a:spcPct val="90000"/>
+              </a:lnSpc>
+              <a:spcBef>
+                <a:spcPts val="500"/>
+              </a:spcBef>
+              <a:buFont typeface="Arial" panose="020B0604020202020204" pitchFamily="34" charset="0"/>
+              <a:buNone/>
+              <a:defRPr sz="1600" kern="1200">
+                <a:solidFill>
+                  <a:schemeClr val="tx1"/>
+                </a:solidFill>
+                <a:latin typeface="+mn-lt"/>
+                <a:ea typeface="+mn-ea"/>
+                <a:cs typeface="+mn-cs"/>
+              </a:defRPr>
+            </a:lvl8pPr>
+            <a:lvl9pPr marL="3657600" indent="0" algn="ctr" defTabSz="914400" rtl="0" eaLnBrk="1" latinLnBrk="0" hangingPunct="1">
+              <a:lnSpc>
+                <a:spcPct val="90000"/>
+              </a:lnSpc>
+              <a:spcBef>
+                <a:spcPts val="500"/>
+              </a:spcBef>
+              <a:buFont typeface="Arial" panose="020B0604020202020204" pitchFamily="34" charset="0"/>
+              <a:buNone/>
+              <a:defRPr sz="1600" kern="1200">
+                <a:solidFill>
+                  <a:schemeClr val="tx1"/>
+                </a:solidFill>
+                <a:latin typeface="+mn-lt"/>
+                <a:ea typeface="+mn-ea"/>
+                <a:cs typeface="+mn-cs"/>
+              </a:defRPr>
+            </a:lvl9pPr>
+          </a:lstStyle>
+          <a:p>
+            <a:pPr algn="l">
+              <a:lnSpc>
+                <a:spcPct val="100000"/>
+              </a:lnSpc>
+              <a:spcBef>
+                <a:spcPts val="0"/>
+              </a:spcBef>
+              <a:buSzPts val="1800"/>
+            </a:pPr>
+            <a:endParaRPr lang="en-US" sz="1400" dirty="0">
+              <a:solidFill>
+                <a:schemeClr val="dk1"/>
+              </a:solidFill>
+              <a:latin typeface="Segoe UI" panose="020B0502040204020203" pitchFamily="34" charset="0"/>
+              <a:cs typeface="Segoe UI" panose="020B0502040204020203" pitchFamily="34" charset="0"/>
+            </a:endParaRPr>
+          </a:p>
+          <a:p>
+            <a:pPr algn="l">
+              <a:lnSpc>
+                <a:spcPct val="100000"/>
+              </a:lnSpc>
+              <a:spcBef>
+                <a:spcPts val="0"/>
+              </a:spcBef>
+              <a:buSzPts val="1800"/>
+            </a:pPr>
+            <a:endParaRPr lang="en-US" sz="1400" dirty="0">
+              <a:solidFill>
+                <a:schemeClr val="dk1"/>
+              </a:solidFill>
+              <a:latin typeface="Segoe UI" panose="020B0502040204020203" pitchFamily="34" charset="0"/>
+              <a:cs typeface="Segoe UI" panose="020B0502040204020203" pitchFamily="34" charset="0"/>
+            </a:endParaRPr>
+          </a:p>
+          <a:p>
+            <a:pPr algn="l">
+              <a:lnSpc>
+                <a:spcPct val="100000"/>
+              </a:lnSpc>
+              <a:spcBef>
+                <a:spcPts val="0"/>
+              </a:spcBef>
+              <a:buSzPts val="1800"/>
+            </a:pPr>
+            <a:endParaRPr lang="en-US" sz="1400" dirty="0">
+              <a:solidFill>
+                <a:schemeClr val="dk1"/>
+              </a:solidFill>
+              <a:latin typeface="Segoe UI" panose="020B0502040204020203" pitchFamily="34" charset="0"/>
+              <a:cs typeface="Segoe UI" panose="020B0502040204020203" pitchFamily="34" charset="0"/>
+            </a:endParaRPr>
+          </a:p>
+          <a:p>
+            <a:pPr algn="l">
+              <a:lnSpc>
+                <a:spcPct val="100000"/>
+              </a:lnSpc>
+              <a:spcBef>
+                <a:spcPts val="0"/>
+              </a:spcBef>
+              <a:buSzPts val="1800"/>
+            </a:pPr>
+            <a:endParaRPr lang="en-US" sz="1400" b="1" dirty="0">
+              <a:solidFill>
+                <a:schemeClr val="dk1"/>
+              </a:solidFill>
+              <a:latin typeface="Segoe UI" panose="020B0502040204020203" pitchFamily="34" charset="0"/>
+              <a:cs typeface="Segoe UI" panose="020B0502040204020203" pitchFamily="34" charset="0"/>
+            </a:endParaRPr>
+          </a:p>
+          <a:p>
+            <a:pPr algn="l">
+              <a:lnSpc>
+                <a:spcPct val="100000"/>
+              </a:lnSpc>
+              <a:spcBef>
+                <a:spcPts val="0"/>
+              </a:spcBef>
+              <a:buSzPts val="1800"/>
+            </a:pPr>
+            <a:endParaRPr lang="en-US" sz="1400" b="1" dirty="0">
+              <a:solidFill>
+                <a:schemeClr val="dk1"/>
+              </a:solidFill>
+              <a:latin typeface="Segoe UI" panose="020B0502040204020203" pitchFamily="34" charset="0"/>
+              <a:cs typeface="Segoe UI" panose="020B0502040204020203" pitchFamily="34" charset="0"/>
+            </a:endParaRPr>
+          </a:p>
+          <a:p>
+            <a:pPr algn="l">
+              <a:lnSpc>
+                <a:spcPct val="100000"/>
+              </a:lnSpc>
+              <a:spcBef>
+                <a:spcPts val="0"/>
+              </a:spcBef>
+              <a:buSzPts val="1800"/>
+            </a:pPr>
+            <a:r>
+              <a:rPr lang="en-US" sz="1400" b="1" dirty="0">
+                <a:solidFill>
+                  <a:schemeClr val="dk1"/>
+                </a:solidFill>
+                <a:latin typeface="Segoe UI" panose="020B0502040204020203" pitchFamily="34" charset="0"/>
+                <a:cs typeface="Segoe UI" panose="020B0502040204020203" pitchFamily="34" charset="0"/>
+              </a:rPr>
+              <a:t>The best way to measure the cost of the themes</a:t>
+            </a:r>
+          </a:p>
+          <a:p>
+            <a:pPr algn="l">
+              <a:lnSpc>
+                <a:spcPct val="100000"/>
+              </a:lnSpc>
+              <a:spcBef>
+                <a:spcPts val="0"/>
+              </a:spcBef>
+              <a:buSzPts val="1800"/>
+            </a:pPr>
+            <a:r>
+              <a:rPr lang="en-US" sz="1400" dirty="0">
+                <a:solidFill>
+                  <a:schemeClr val="dk1"/>
+                </a:solidFill>
+                <a:latin typeface="Segoe UI" panose="020B0502040204020203" pitchFamily="34" charset="0"/>
+                <a:cs typeface="Segoe UI" panose="020B0502040204020203" pitchFamily="34" charset="0"/>
+              </a:rPr>
+              <a:t>Do a rough conversion of story points or ideal days into money.</a:t>
+            </a:r>
+          </a:p>
+          <a:p>
+            <a:pPr algn="l">
+              <a:lnSpc>
+                <a:spcPct val="100000"/>
+              </a:lnSpc>
+              <a:spcBef>
+                <a:spcPts val="0"/>
+              </a:spcBef>
+              <a:buSzPts val="1800"/>
+            </a:pPr>
+            <a:endParaRPr lang="en-US" sz="1400" dirty="0">
+              <a:solidFill>
+                <a:schemeClr val="dk1"/>
+              </a:solidFill>
+              <a:latin typeface="Segoe UI" panose="020B0502040204020203" pitchFamily="34" charset="0"/>
+              <a:cs typeface="Segoe UI" panose="020B0502040204020203" pitchFamily="34" charset="0"/>
+            </a:endParaRPr>
+          </a:p>
+          <a:p>
+            <a:pPr algn="l">
+              <a:lnSpc>
+                <a:spcPct val="100000"/>
+              </a:lnSpc>
+              <a:spcBef>
+                <a:spcPts val="0"/>
+              </a:spcBef>
+              <a:buSzPts val="1800"/>
+            </a:pPr>
+            <a:endParaRPr lang="en-US" sz="1400" dirty="0">
+              <a:solidFill>
+                <a:schemeClr val="dk1"/>
+              </a:solidFill>
+              <a:latin typeface="Segoe UI" panose="020B0502040204020203" pitchFamily="34" charset="0"/>
+              <a:cs typeface="Segoe UI" panose="020B0502040204020203" pitchFamily="34" charset="0"/>
+            </a:endParaRPr>
+          </a:p>
+          <a:p>
+            <a:pPr algn="l">
+              <a:lnSpc>
+                <a:spcPct val="100000"/>
+              </a:lnSpc>
+              <a:spcBef>
+                <a:spcPts val="0"/>
+              </a:spcBef>
+              <a:buSzPts val="1800"/>
+            </a:pPr>
+            <a:endParaRPr lang="en-US" sz="1400" dirty="0">
+              <a:solidFill>
+                <a:schemeClr val="dk1"/>
+              </a:solidFill>
+              <a:latin typeface="Segoe UI" panose="020B0502040204020203" pitchFamily="34" charset="0"/>
+              <a:cs typeface="Segoe UI" panose="020B0502040204020203" pitchFamily="34" charset="0"/>
+            </a:endParaRPr>
+          </a:p>
+          <a:p>
+            <a:pPr algn="l">
+              <a:lnSpc>
+                <a:spcPct val="100000"/>
+              </a:lnSpc>
+              <a:spcBef>
+                <a:spcPts val="0"/>
+              </a:spcBef>
+              <a:buSzPts val="1800"/>
+            </a:pPr>
+            <a:r>
+              <a:rPr lang="en-US" sz="1400" dirty="0">
+                <a:solidFill>
+                  <a:schemeClr val="dk1"/>
+                </a:solidFill>
+                <a:latin typeface="Segoe UI" panose="020B0502040204020203" pitchFamily="34" charset="0"/>
+                <a:cs typeface="Segoe UI" panose="020B0502040204020203" pitchFamily="34" charset="0"/>
+              </a:rPr>
+              <a:t>Example:</a:t>
+            </a:r>
+          </a:p>
+          <a:p>
+            <a:pPr algn="l">
+              <a:lnSpc>
+                <a:spcPct val="100000"/>
+              </a:lnSpc>
+              <a:spcBef>
+                <a:spcPts val="0"/>
+              </a:spcBef>
+              <a:buSzPts val="1800"/>
+            </a:pPr>
+            <a:r>
+              <a:rPr lang="en-US" sz="1400" dirty="0">
+                <a:solidFill>
+                  <a:schemeClr val="dk1"/>
+                </a:solidFill>
+                <a:latin typeface="Segoe UI" panose="020B0502040204020203" pitchFamily="34" charset="0"/>
+                <a:cs typeface="Segoe UI" panose="020B0502040204020203" pitchFamily="34" charset="0"/>
+              </a:rPr>
+              <a:t>For the past twelve weeks, a project completed 120 story points while paid ¤150,000.</a:t>
+            </a:r>
+          </a:p>
+          <a:p>
+            <a:pPr algn="l">
+              <a:lnSpc>
+                <a:spcPct val="100000"/>
+              </a:lnSpc>
+              <a:spcBef>
+                <a:spcPts val="0"/>
+              </a:spcBef>
+              <a:buSzPts val="1800"/>
+            </a:pPr>
+            <a:endParaRPr lang="en-US" sz="1400" dirty="0">
+              <a:solidFill>
+                <a:schemeClr val="dk1"/>
+              </a:solidFill>
+              <a:latin typeface="Segoe UI" panose="020B0502040204020203" pitchFamily="34" charset="0"/>
+              <a:cs typeface="Segoe UI" panose="020B0502040204020203" pitchFamily="34" charset="0"/>
+            </a:endParaRPr>
+          </a:p>
+          <a:p>
+            <a:pPr algn="l">
+              <a:lnSpc>
+                <a:spcPct val="100000"/>
+              </a:lnSpc>
+              <a:spcBef>
+                <a:spcPts val="0"/>
+              </a:spcBef>
+              <a:buSzPts val="1800"/>
+            </a:pPr>
+            <a:endParaRPr lang="en-US" sz="1400" dirty="0">
+              <a:solidFill>
+                <a:schemeClr val="dk1"/>
+              </a:solidFill>
+              <a:latin typeface="Segoe UI" panose="020B0502040204020203" pitchFamily="34" charset="0"/>
+              <a:cs typeface="Segoe UI" panose="020B0502040204020203" pitchFamily="34" charset="0"/>
+            </a:endParaRPr>
+          </a:p>
+          <a:p>
+            <a:pPr>
+              <a:lnSpc>
+                <a:spcPct val="100000"/>
+              </a:lnSpc>
+              <a:spcBef>
+                <a:spcPts val="0"/>
+              </a:spcBef>
+              <a:buSzPts val="1800"/>
+            </a:pPr>
+            <a:r>
+              <a:rPr lang="en-US" sz="1400" dirty="0">
+                <a:latin typeface="Segoe UI" panose="020B0502040204020203" pitchFamily="34" charset="0"/>
+                <a:cs typeface="Segoe UI" panose="020B0502040204020203" pitchFamily="34" charset="0"/>
+              </a:rPr>
+              <a:t>Total cost </a:t>
+            </a:r>
+            <a:r>
+              <a:rPr lang="en-US" sz="1400" dirty="0">
+                <a:solidFill>
+                  <a:schemeClr val="dk1"/>
+                </a:solidFill>
+                <a:latin typeface="Segoe UI" panose="020B0502040204020203" pitchFamily="34" charset="0"/>
+                <a:cs typeface="Segoe UI" panose="020B0502040204020203" pitchFamily="34" charset="0"/>
+              </a:rPr>
+              <a:t>= </a:t>
+            </a:r>
+            <a:r>
+              <a:rPr lang="en-US" sz="1400" dirty="0">
+                <a:solidFill>
+                  <a:srgbClr val="C00000"/>
+                </a:solidFill>
+                <a:latin typeface="Segoe UI" panose="020B0502040204020203" pitchFamily="34" charset="0"/>
+                <a:cs typeface="Segoe UI" panose="020B0502040204020203" pitchFamily="34" charset="0"/>
+              </a:rPr>
+              <a:t>¤150,000</a:t>
+            </a:r>
+            <a:r>
+              <a:rPr lang="en-US" sz="1400" dirty="0">
+                <a:solidFill>
+                  <a:schemeClr val="dk1"/>
+                </a:solidFill>
+                <a:latin typeface="Segoe UI" panose="020B0502040204020203" pitchFamily="34" charset="0"/>
+                <a:cs typeface="Segoe UI" panose="020B0502040204020203" pitchFamily="34" charset="0"/>
+              </a:rPr>
+              <a:t>, </a:t>
+            </a:r>
+            <a:r>
+              <a:rPr lang="en-US" sz="1400" dirty="0">
+                <a:latin typeface="Segoe UI" panose="020B0502040204020203" pitchFamily="34" charset="0"/>
+                <a:cs typeface="Segoe UI" panose="020B0502040204020203" pitchFamily="34" charset="0"/>
+              </a:rPr>
+              <a:t>each story point costs </a:t>
+            </a:r>
+            <a:r>
+              <a:rPr lang="en-US" sz="1400" dirty="0">
+                <a:solidFill>
+                  <a:schemeClr val="dk1"/>
+                </a:solidFill>
+                <a:latin typeface="Segoe UI" panose="020B0502040204020203" pitchFamily="34" charset="0"/>
+                <a:cs typeface="Segoe UI" panose="020B0502040204020203" pitchFamily="34" charset="0"/>
+              </a:rPr>
+              <a:t>¤150,000 / 120 = </a:t>
+            </a:r>
+            <a:r>
+              <a:rPr lang="en-US" sz="1400" dirty="0">
+                <a:solidFill>
+                  <a:srgbClr val="C00000"/>
+                </a:solidFill>
+                <a:latin typeface="Segoe UI" panose="020B0502040204020203" pitchFamily="34" charset="0"/>
+                <a:cs typeface="Segoe UI" panose="020B0502040204020203" pitchFamily="34" charset="0"/>
+              </a:rPr>
+              <a:t>¤1,250</a:t>
+            </a:r>
+          </a:p>
+          <a:p>
+            <a:pPr algn="l">
+              <a:lnSpc>
+                <a:spcPct val="100000"/>
+              </a:lnSpc>
+              <a:spcBef>
+                <a:spcPts val="0"/>
+              </a:spcBef>
+              <a:buSzPts val="1800"/>
+            </a:pPr>
+            <a:endParaRPr lang="en-US" sz="1400" dirty="0">
+              <a:solidFill>
+                <a:schemeClr val="dk1"/>
+              </a:solidFill>
+              <a:latin typeface="Segoe UI" panose="020B0502040204020203" pitchFamily="34" charset="0"/>
+              <a:cs typeface="Segoe UI" panose="020B0502040204020203" pitchFamily="34" charset="0"/>
+            </a:endParaRPr>
+          </a:p>
+          <a:p>
+            <a:pPr algn="l">
+              <a:lnSpc>
+                <a:spcPct val="100000"/>
+              </a:lnSpc>
+              <a:spcBef>
+                <a:spcPts val="0"/>
+              </a:spcBef>
+              <a:buSzPts val="1800"/>
+            </a:pPr>
+            <a:endParaRPr lang="en-US" sz="1400" dirty="0">
+              <a:solidFill>
+                <a:schemeClr val="dk1"/>
+              </a:solidFill>
+              <a:latin typeface="Segoe UI" panose="020B0502040204020203" pitchFamily="34" charset="0"/>
+              <a:cs typeface="Segoe UI" panose="020B0502040204020203" pitchFamily="34" charset="0"/>
+            </a:endParaRPr>
+          </a:p>
+          <a:p>
+            <a:pPr algn="l">
+              <a:lnSpc>
+                <a:spcPct val="100000"/>
+              </a:lnSpc>
+              <a:spcBef>
+                <a:spcPts val="0"/>
+              </a:spcBef>
+              <a:buSzPts val="1800"/>
+            </a:pPr>
+            <a:r>
+              <a:rPr lang="en-US" sz="1400" dirty="0">
+                <a:solidFill>
+                  <a:schemeClr val="dk1"/>
+                </a:solidFill>
+                <a:latin typeface="Segoe UI" panose="020B0502040204020203" pitchFamily="34" charset="0"/>
+                <a:cs typeface="Segoe UI" panose="020B0502040204020203" pitchFamily="34" charset="0"/>
+              </a:rPr>
+              <a:t>Then, for the next release, a theme with 30 story points would cost,</a:t>
+            </a:r>
+          </a:p>
+          <a:p>
+            <a:pPr algn="l">
+              <a:lnSpc>
+                <a:spcPct val="100000"/>
+              </a:lnSpc>
+              <a:spcBef>
+                <a:spcPts val="0"/>
+              </a:spcBef>
+              <a:buSzPts val="1800"/>
+            </a:pPr>
+            <a:endParaRPr lang="en-US" sz="1400" dirty="0">
+              <a:solidFill>
+                <a:schemeClr val="dk1"/>
+              </a:solidFill>
+              <a:latin typeface="Segoe UI" panose="020B0502040204020203" pitchFamily="34" charset="0"/>
+              <a:cs typeface="Segoe UI" panose="020B0502040204020203" pitchFamily="34" charset="0"/>
+            </a:endParaRPr>
+          </a:p>
+          <a:p>
+            <a:pPr>
+              <a:lnSpc>
+                <a:spcPct val="100000"/>
+              </a:lnSpc>
+              <a:spcBef>
+                <a:spcPts val="0"/>
+              </a:spcBef>
+              <a:buSzPts val="1800"/>
+            </a:pPr>
+            <a:r>
+              <a:rPr lang="en-US" sz="1400" dirty="0">
+                <a:solidFill>
+                  <a:schemeClr val="dk1"/>
+                </a:solidFill>
+                <a:latin typeface="Segoe UI" panose="020B0502040204020203" pitchFamily="34" charset="0"/>
+                <a:cs typeface="Segoe UI" panose="020B0502040204020203" pitchFamily="34" charset="0"/>
+              </a:rPr>
+              <a:t>30 x ¤1,250 = </a:t>
+            </a:r>
+            <a:r>
+              <a:rPr lang="en-US" sz="1400" dirty="0">
+                <a:solidFill>
+                  <a:srgbClr val="C00000"/>
+                </a:solidFill>
+                <a:latin typeface="Segoe UI" panose="020B0502040204020203" pitchFamily="34" charset="0"/>
+                <a:cs typeface="Segoe UI" panose="020B0502040204020203" pitchFamily="34" charset="0"/>
+              </a:rPr>
+              <a:t>¤37,500</a:t>
+            </a:r>
+          </a:p>
+        </p:txBody>
+      </p:sp>
+      <p:grpSp>
+        <p:nvGrpSpPr>
+          <p:cNvPr id="7" name="Group 6">
+            <a:extLst>
+              <a:ext uri="{FF2B5EF4-FFF2-40B4-BE49-F238E27FC236}">
+                <a16:creationId xmlns:a16="http://schemas.microsoft.com/office/drawing/2014/main" id="{4DF2E096-CB02-A112-1FCE-26EC2EEEC13F}"/>
+              </a:ext>
+            </a:extLst>
+          </p:cNvPr>
+          <p:cNvGrpSpPr/>
+          <p:nvPr/>
+        </p:nvGrpSpPr>
+        <p:grpSpPr>
+          <a:xfrm>
+            <a:off x="546100" y="1005697"/>
+            <a:ext cx="9132054" cy="914400"/>
+            <a:chOff x="1096434" y="2735760"/>
+            <a:chExt cx="9132054" cy="914400"/>
+          </a:xfrm>
+        </p:grpSpPr>
+        <p:pic>
+          <p:nvPicPr>
+            <p:cNvPr id="8" name="Graphic 7" descr="Money">
+              <a:extLst>
+                <a:ext uri="{FF2B5EF4-FFF2-40B4-BE49-F238E27FC236}">
+                  <a16:creationId xmlns:a16="http://schemas.microsoft.com/office/drawing/2014/main" id="{A80C6411-03BE-E530-07F1-3FA02D86942C}"/>
+                </a:ext>
+              </a:extLst>
+            </p:cNvPr>
+            <p:cNvPicPr>
+              <a:picLocks noChangeAspect="1"/>
+            </p:cNvPicPr>
+            <p:nvPr/>
+          </p:nvPicPr>
+          <p:blipFill>
+            <a:blip r:embed="rId2">
+              <a:extLst>
+                <a:ext uri="{28A0092B-C50C-407E-A947-70E740481C1C}">
+                  <a14:useLocalDpi xmlns:a14="http://schemas.microsoft.com/office/drawing/2010/main" val="0"/>
+                </a:ext>
+                <a:ext uri="{96DAC541-7B7A-43D3-8B79-37D633B846F1}">
+                  <asvg:svgBlip xmlns:asvg="http://schemas.microsoft.com/office/drawing/2016/SVG/main" r:embed="rId3"/>
+                </a:ext>
+              </a:extLst>
+            </a:blip>
+            <a:stretch>
+              <a:fillRect/>
+            </a:stretch>
+          </p:blipFill>
+          <p:spPr>
+            <a:xfrm>
+              <a:off x="1096434" y="2735760"/>
+              <a:ext cx="914400" cy="914400"/>
+            </a:xfrm>
+            <a:prstGeom prst="rect">
+              <a:avLst/>
+            </a:prstGeom>
+          </p:spPr>
+        </p:pic>
+        <p:sp>
+          <p:nvSpPr>
+            <p:cNvPr id="9" name="Google Shape;347;p39">
+              <a:extLst>
+                <a:ext uri="{FF2B5EF4-FFF2-40B4-BE49-F238E27FC236}">
+                  <a16:creationId xmlns:a16="http://schemas.microsoft.com/office/drawing/2014/main" id="{233972E6-A526-86AE-6A9E-5B13B21746EF}"/>
+                </a:ext>
+              </a:extLst>
+            </p:cNvPr>
+            <p:cNvSpPr txBox="1">
+              <a:spLocks/>
+            </p:cNvSpPr>
+            <p:nvPr/>
+          </p:nvSpPr>
+          <p:spPr>
+            <a:xfrm>
+              <a:off x="2030569" y="3014822"/>
+              <a:ext cx="8197919" cy="473043"/>
+            </a:xfrm>
+            <a:prstGeom prst="rect">
+              <a:avLst/>
+            </a:prstGeom>
+            <a:noFill/>
+            <a:ln>
+              <a:noFill/>
+            </a:ln>
+          </p:spPr>
+          <p:txBody>
+            <a:bodyPr spcFirstLastPara="1" vert="horz" wrap="square" lIns="91425" tIns="91425" rIns="91425" bIns="91425" rtlCol="0" anchor="t" anchorCtr="0">
+              <a:normAutofit/>
+            </a:bodyPr>
+            <a:lstStyle>
+              <a:lvl1pPr marL="0" indent="0" algn="ctr" defTabSz="914400" rtl="0" eaLnBrk="1" latinLnBrk="0" hangingPunct="1">
+                <a:lnSpc>
+                  <a:spcPct val="90000"/>
+                </a:lnSpc>
+                <a:spcBef>
+                  <a:spcPts val="1000"/>
+                </a:spcBef>
+                <a:buFont typeface="Arial" panose="020B0604020202020204" pitchFamily="34" charset="0"/>
+                <a:buNone/>
+                <a:defRPr sz="2400" kern="1200">
+                  <a:solidFill>
+                    <a:schemeClr val="tx1"/>
+                  </a:solidFill>
+                  <a:latin typeface="+mn-lt"/>
+                  <a:ea typeface="+mn-ea"/>
+                  <a:cs typeface="+mn-cs"/>
+                </a:defRPr>
+              </a:lvl1pPr>
+              <a:lvl2pPr marL="457200" indent="0" algn="ctr" defTabSz="914400" rtl="0" eaLnBrk="1" latinLnBrk="0" hangingPunct="1">
+                <a:lnSpc>
+                  <a:spcPct val="90000"/>
+                </a:lnSpc>
+                <a:spcBef>
+                  <a:spcPts val="500"/>
+                </a:spcBef>
+                <a:buFont typeface="Arial" panose="020B0604020202020204" pitchFamily="34" charset="0"/>
+                <a:buNone/>
+                <a:defRPr sz="2000" kern="1200">
+                  <a:solidFill>
+                    <a:schemeClr val="tx1"/>
+                  </a:solidFill>
+                  <a:latin typeface="+mn-lt"/>
+                  <a:ea typeface="+mn-ea"/>
+                  <a:cs typeface="+mn-cs"/>
+                </a:defRPr>
+              </a:lvl2pPr>
+              <a:lvl3pPr marL="914400" indent="0" algn="ctr" defTabSz="914400" rtl="0" eaLnBrk="1" latinLnBrk="0" hangingPunct="1">
+                <a:lnSpc>
+                  <a:spcPct val="90000"/>
+                </a:lnSpc>
+                <a:spcBef>
+                  <a:spcPts val="500"/>
+                </a:spcBef>
+                <a:buFont typeface="Arial" panose="020B0604020202020204" pitchFamily="34" charset="0"/>
+                <a:buNone/>
+                <a:defRPr sz="1800" kern="1200">
+                  <a:solidFill>
+                    <a:schemeClr val="tx1"/>
+                  </a:solidFill>
+                  <a:latin typeface="+mn-lt"/>
+                  <a:ea typeface="+mn-ea"/>
+                  <a:cs typeface="+mn-cs"/>
+                </a:defRPr>
+              </a:lvl3pPr>
+              <a:lvl4pPr marL="1371600" indent="0" algn="ctr" defTabSz="914400" rtl="0" eaLnBrk="1" latinLnBrk="0" hangingPunct="1">
+                <a:lnSpc>
+                  <a:spcPct val="90000"/>
+                </a:lnSpc>
+                <a:spcBef>
+                  <a:spcPts val="500"/>
+                </a:spcBef>
+                <a:buFont typeface="Arial" panose="020B0604020202020204" pitchFamily="34" charset="0"/>
+                <a:buNone/>
+                <a:defRPr sz="1600" kern="1200">
+                  <a:solidFill>
+                    <a:schemeClr val="tx1"/>
+                  </a:solidFill>
+                  <a:latin typeface="+mn-lt"/>
+                  <a:ea typeface="+mn-ea"/>
+                  <a:cs typeface="+mn-cs"/>
+                </a:defRPr>
+              </a:lvl4pPr>
+              <a:lvl5pPr marL="1828800" indent="0" algn="ctr" defTabSz="914400" rtl="0" eaLnBrk="1" latinLnBrk="0" hangingPunct="1">
+                <a:lnSpc>
+                  <a:spcPct val="90000"/>
+                </a:lnSpc>
+                <a:spcBef>
+                  <a:spcPts val="500"/>
+                </a:spcBef>
+                <a:buFont typeface="Arial" panose="020B0604020202020204" pitchFamily="34" charset="0"/>
+                <a:buNone/>
+                <a:defRPr sz="1600" kern="1200">
+                  <a:solidFill>
+                    <a:schemeClr val="tx1"/>
+                  </a:solidFill>
+                  <a:latin typeface="+mn-lt"/>
+                  <a:ea typeface="+mn-ea"/>
+                  <a:cs typeface="+mn-cs"/>
+                </a:defRPr>
+              </a:lvl5pPr>
+              <a:lvl6pPr marL="2286000" indent="0" algn="ctr" defTabSz="914400" rtl="0" eaLnBrk="1" latinLnBrk="0" hangingPunct="1">
+                <a:lnSpc>
+                  <a:spcPct val="90000"/>
+                </a:lnSpc>
+                <a:spcBef>
+                  <a:spcPts val="500"/>
+                </a:spcBef>
+                <a:buFont typeface="Arial" panose="020B0604020202020204" pitchFamily="34" charset="0"/>
+                <a:buNone/>
+                <a:defRPr sz="1600" kern="1200">
+                  <a:solidFill>
+                    <a:schemeClr val="tx1"/>
+                  </a:solidFill>
+                  <a:latin typeface="+mn-lt"/>
+                  <a:ea typeface="+mn-ea"/>
+                  <a:cs typeface="+mn-cs"/>
+                </a:defRPr>
+              </a:lvl6pPr>
+              <a:lvl7pPr marL="2743200" indent="0" algn="ctr" defTabSz="914400" rtl="0" eaLnBrk="1" latinLnBrk="0" hangingPunct="1">
+                <a:lnSpc>
+                  <a:spcPct val="90000"/>
+                </a:lnSpc>
+                <a:spcBef>
+                  <a:spcPts val="500"/>
+                </a:spcBef>
+                <a:buFont typeface="Arial" panose="020B0604020202020204" pitchFamily="34" charset="0"/>
+                <a:buNone/>
+                <a:defRPr sz="1600" kern="1200">
+                  <a:solidFill>
+                    <a:schemeClr val="tx1"/>
+                  </a:solidFill>
+                  <a:latin typeface="+mn-lt"/>
+                  <a:ea typeface="+mn-ea"/>
+                  <a:cs typeface="+mn-cs"/>
+                </a:defRPr>
+              </a:lvl7pPr>
+              <a:lvl8pPr marL="3200400" indent="0" algn="ctr" defTabSz="914400" rtl="0" eaLnBrk="1" latinLnBrk="0" hangingPunct="1">
+                <a:lnSpc>
+                  <a:spcPct val="90000"/>
+                </a:lnSpc>
+                <a:spcBef>
+                  <a:spcPts val="500"/>
+                </a:spcBef>
+                <a:buFont typeface="Arial" panose="020B0604020202020204" pitchFamily="34" charset="0"/>
+                <a:buNone/>
+                <a:defRPr sz="1600" kern="1200">
+                  <a:solidFill>
+                    <a:schemeClr val="tx1"/>
+                  </a:solidFill>
+                  <a:latin typeface="+mn-lt"/>
+                  <a:ea typeface="+mn-ea"/>
+                  <a:cs typeface="+mn-cs"/>
+                </a:defRPr>
+              </a:lvl8pPr>
+              <a:lvl9pPr marL="3657600" indent="0" algn="ctr" defTabSz="914400" rtl="0" eaLnBrk="1" latinLnBrk="0" hangingPunct="1">
+                <a:lnSpc>
+                  <a:spcPct val="90000"/>
+                </a:lnSpc>
+                <a:spcBef>
+                  <a:spcPts val="500"/>
+                </a:spcBef>
+                <a:buFont typeface="Arial" panose="020B0604020202020204" pitchFamily="34" charset="0"/>
+                <a:buNone/>
+                <a:defRPr sz="1600" kern="1200">
+                  <a:solidFill>
+                    <a:schemeClr val="tx1"/>
+                  </a:solidFill>
+                  <a:latin typeface="+mn-lt"/>
+                  <a:ea typeface="+mn-ea"/>
+                  <a:cs typeface="+mn-cs"/>
+                </a:defRPr>
+              </a:lvl9pPr>
+            </a:lstStyle>
+            <a:p>
+              <a:pPr algn="l">
+                <a:lnSpc>
+                  <a:spcPct val="100000"/>
+                </a:lnSpc>
+                <a:spcBef>
+                  <a:spcPts val="0"/>
+                </a:spcBef>
+                <a:buSzPts val="1800"/>
+              </a:pPr>
+              <a:r>
+                <a:rPr lang="en-US" sz="1400" dirty="0">
+                  <a:solidFill>
+                    <a:srgbClr val="C00000"/>
+                  </a:solidFill>
+                  <a:latin typeface="Segoe UI" panose="020B0502040204020203" pitchFamily="34" charset="0"/>
+                  <a:cs typeface="Segoe UI" panose="020B0502040204020203" pitchFamily="34" charset="0"/>
+                </a:rPr>
+                <a:t>The money the organization will spend by having the new features included in the theme</a:t>
+              </a:r>
+            </a:p>
+            <a:p>
+              <a:pPr algn="l">
+                <a:lnSpc>
+                  <a:spcPct val="100000"/>
+                </a:lnSpc>
+                <a:spcBef>
+                  <a:spcPts val="0"/>
+                </a:spcBef>
+                <a:buSzPts val="1800"/>
+              </a:pPr>
+              <a:endParaRPr lang="en-US" sz="1400" dirty="0">
+                <a:solidFill>
+                  <a:srgbClr val="C00000"/>
+                </a:solidFill>
+                <a:latin typeface="Segoe UI" panose="020B0502040204020203" pitchFamily="34" charset="0"/>
+                <a:cs typeface="Segoe UI" panose="020B0502040204020203" pitchFamily="34" charset="0"/>
+              </a:endParaRPr>
+            </a:p>
+          </p:txBody>
+        </p:sp>
+      </p:grpSp>
+    </p:spTree>
+    <p:extLst>
+      <p:ext uri="{BB962C8B-B14F-4D97-AF65-F5344CB8AC3E}">
+        <p14:creationId xmlns:p14="http://schemas.microsoft.com/office/powerpoint/2010/main" val="1775850942"/>
+      </p:ext>
+    </p:extLst>
+  </p:cSld>
+  <p:clrMapOvr>
+    <a:masterClrMapping/>
+  </p:clrMapOvr>
+</p:sld>
+</file>
+
 <file path=ppt/slides/slide2.xml><?xml version="1.0" encoding="utf-8"?>
 <p:sld xmlns:a="http://schemas.openxmlformats.org/drawingml/2006/main" xmlns:r="http://schemas.openxmlformats.org/officeDocument/2006/relationships" xmlns:p="http://schemas.openxmlformats.org/presentationml/2006/main">
   <p:cSld>
@@ -5876,7 +8025,7 @@
               <a:buSzPts val="1800"/>
             </a:pPr>
             <a:r>
-              <a:rPr lang="en-US" sz="1400">
+              <a:rPr lang="en-US" sz="1400" dirty="0">
                 <a:solidFill>
                   <a:schemeClr val="dk1"/>
                 </a:solidFill>
@@ -5885,21 +8034,6 @@
               </a:rPr>
               <a:t>The definition of product knowledge:</a:t>
             </a:r>
-          </a:p>
-          <a:p>
-            <a:pPr algn="l">
-              <a:lnSpc>
-                <a:spcPct val="100000"/>
-              </a:lnSpc>
-              <a:buSzPts val="1800"/>
-            </a:pPr>
-            <a:endParaRPr lang="en-US" sz="1400">
-              <a:solidFill>
-                <a:schemeClr val="dk1"/>
-              </a:solidFill>
-              <a:latin typeface="Segoe UI" panose="020B0502040204020203" pitchFamily="34" charset="0"/>
-              <a:cs typeface="Segoe UI" panose="020B0502040204020203" pitchFamily="34" charset="0"/>
-            </a:endParaRPr>
           </a:p>
           <a:p>
             <a:pPr algn="l">
@@ -5946,12 +8080,4008 @@
               <a:cs typeface="Segoe UI" panose="020B0502040204020203" pitchFamily="34" charset="0"/>
             </a:endParaRPr>
           </a:p>
+          <a:p>
+            <a:pPr algn="l">
+              <a:lnSpc>
+                <a:spcPct val="100000"/>
+              </a:lnSpc>
+              <a:buSzPts val="1800"/>
+            </a:pPr>
+            <a:endParaRPr lang="en-US" sz="1400" dirty="0">
+              <a:solidFill>
+                <a:schemeClr val="dk1"/>
+              </a:solidFill>
+              <a:latin typeface="Segoe UI" panose="020B0502040204020203" pitchFamily="34" charset="0"/>
+              <a:cs typeface="Segoe UI" panose="020B0502040204020203" pitchFamily="34" charset="0"/>
+            </a:endParaRPr>
+          </a:p>
         </p:txBody>
       </p:sp>
     </p:spTree>
     <p:extLst>
       <p:ext uri="{BB962C8B-B14F-4D97-AF65-F5344CB8AC3E}">
         <p14:creationId xmlns:p14="http://schemas.microsoft.com/office/powerpoint/2010/main" val="275794244"/>
+      </p:ext>
+    </p:extLst>
+  </p:cSld>
+  <p:clrMapOvr>
+    <a:masterClrMapping/>
+  </p:clrMapOvr>
+</p:sld>
+</file>
+
+<file path=ppt/slides/slide7.xml><?xml version="1.0" encoding="utf-8"?>
+<p:sld xmlns:a="http://schemas.openxmlformats.org/drawingml/2006/main" xmlns:r="http://schemas.openxmlformats.org/officeDocument/2006/relationships" xmlns:p="http://schemas.openxmlformats.org/presentationml/2006/main">
+  <p:cSld>
+    <p:spTree>
+      <p:nvGrpSpPr>
+        <p:cNvPr id="1" name=""/>
+        <p:cNvGrpSpPr/>
+        <p:nvPr/>
+      </p:nvGrpSpPr>
+      <p:grpSpPr>
+        <a:xfrm>
+          <a:off x="0" y="0"/>
+          <a:ext cx="0" cy="0"/>
+          <a:chOff x="0" y="0"/>
+          <a:chExt cx="0" cy="0"/>
+        </a:xfrm>
+      </p:grpSpPr>
+      <p:sp>
+        <p:nvSpPr>
+          <p:cNvPr id="4" name="Google Shape;106;p26">
+            <a:extLst>
+              <a:ext uri="{FF2B5EF4-FFF2-40B4-BE49-F238E27FC236}">
+                <a16:creationId xmlns:a16="http://schemas.microsoft.com/office/drawing/2014/main" id="{FB2E35A9-F238-C52F-A7EE-337E92C5BCDD}"/>
+              </a:ext>
+            </a:extLst>
+          </p:cNvPr>
+          <p:cNvSpPr txBox="1">
+            <a:spLocks/>
+          </p:cNvSpPr>
+          <p:nvPr/>
+        </p:nvSpPr>
+        <p:spPr>
+          <a:xfrm>
+            <a:off x="310896" y="173736"/>
+            <a:ext cx="7968600" cy="572700"/>
+          </a:xfrm>
+          <a:prstGeom prst="rect">
+            <a:avLst/>
+          </a:prstGeom>
+          <a:noFill/>
+          <a:ln>
+            <a:noFill/>
+          </a:ln>
+        </p:spPr>
+        <p:txBody>
+          <a:bodyPr spcFirstLastPara="1" vert="horz" wrap="square" lIns="91425" tIns="91425" rIns="91425" bIns="91425" rtlCol="0" anchor="t" anchorCtr="0">
+            <a:noAutofit/>
+          </a:bodyPr>
+          <a:lstStyle>
+            <a:lvl1pPr algn="ctr" defTabSz="914400" rtl="0" eaLnBrk="1" latinLnBrk="0" hangingPunct="1">
+              <a:lnSpc>
+                <a:spcPct val="90000"/>
+              </a:lnSpc>
+              <a:spcBef>
+                <a:spcPct val="0"/>
+              </a:spcBef>
+              <a:buNone/>
+              <a:defRPr sz="6000" kern="1200">
+                <a:solidFill>
+                  <a:schemeClr val="tx1"/>
+                </a:solidFill>
+                <a:latin typeface="+mj-lt"/>
+                <a:ea typeface="+mj-ea"/>
+                <a:cs typeface="+mj-cs"/>
+              </a:defRPr>
+            </a:lvl1pPr>
+          </a:lstStyle>
+          <a:p>
+            <a:pPr algn="l">
+              <a:lnSpc>
+                <a:spcPct val="100000"/>
+              </a:lnSpc>
+              <a:spcBef>
+                <a:spcPts val="0"/>
+              </a:spcBef>
+              <a:buSzPts val="2800"/>
+            </a:pPr>
+            <a:r>
+              <a:rPr lang="en-US" sz="3200" dirty="0">
+                <a:latin typeface="Segoe UI" panose="020B0502040204020203" pitchFamily="34" charset="0"/>
+                <a:cs typeface="Segoe UI" panose="020B0502040204020203" pitchFamily="34" charset="0"/>
+              </a:rPr>
+              <a:t>Prioritization</a:t>
+            </a:r>
+          </a:p>
+        </p:txBody>
+      </p:sp>
+      <p:sp>
+        <p:nvSpPr>
+          <p:cNvPr id="5" name="Google Shape;347;p39">
+            <a:extLst>
+              <a:ext uri="{FF2B5EF4-FFF2-40B4-BE49-F238E27FC236}">
+                <a16:creationId xmlns:a16="http://schemas.microsoft.com/office/drawing/2014/main" id="{12B362D5-6F90-1150-13CE-A1F0F8C22742}"/>
+              </a:ext>
+            </a:extLst>
+          </p:cNvPr>
+          <p:cNvSpPr txBox="1">
+            <a:spLocks/>
+          </p:cNvSpPr>
+          <p:nvPr/>
+        </p:nvSpPr>
+        <p:spPr>
+          <a:xfrm>
+            <a:off x="241231" y="932960"/>
+            <a:ext cx="11776597" cy="5925039"/>
+          </a:xfrm>
+          <a:prstGeom prst="rect">
+            <a:avLst/>
+          </a:prstGeom>
+          <a:noFill/>
+          <a:ln>
+            <a:noFill/>
+          </a:ln>
+        </p:spPr>
+        <p:txBody>
+          <a:bodyPr spcFirstLastPara="1" vert="horz" wrap="square" lIns="91425" tIns="91425" rIns="91425" bIns="91425" rtlCol="0" anchor="t" anchorCtr="0">
+            <a:normAutofit/>
+          </a:bodyPr>
+          <a:lstStyle>
+            <a:lvl1pPr marL="0" indent="0" algn="ctr" defTabSz="914400" rtl="0" eaLnBrk="1" latinLnBrk="0" hangingPunct="1">
+              <a:lnSpc>
+                <a:spcPct val="90000"/>
+              </a:lnSpc>
+              <a:spcBef>
+                <a:spcPts val="1000"/>
+              </a:spcBef>
+              <a:buFont typeface="Arial" panose="020B0604020202020204" pitchFamily="34" charset="0"/>
+              <a:buNone/>
+              <a:defRPr sz="2400" kern="1200">
+                <a:solidFill>
+                  <a:schemeClr val="tx1"/>
+                </a:solidFill>
+                <a:latin typeface="+mn-lt"/>
+                <a:ea typeface="+mn-ea"/>
+                <a:cs typeface="+mn-cs"/>
+              </a:defRPr>
+            </a:lvl1pPr>
+            <a:lvl2pPr marL="457200" indent="0" algn="ctr" defTabSz="914400" rtl="0" eaLnBrk="1" latinLnBrk="0" hangingPunct="1">
+              <a:lnSpc>
+                <a:spcPct val="90000"/>
+              </a:lnSpc>
+              <a:spcBef>
+                <a:spcPts val="500"/>
+              </a:spcBef>
+              <a:buFont typeface="Arial" panose="020B0604020202020204" pitchFamily="34" charset="0"/>
+              <a:buNone/>
+              <a:defRPr sz="2000" kern="1200">
+                <a:solidFill>
+                  <a:schemeClr val="tx1"/>
+                </a:solidFill>
+                <a:latin typeface="+mn-lt"/>
+                <a:ea typeface="+mn-ea"/>
+                <a:cs typeface="+mn-cs"/>
+              </a:defRPr>
+            </a:lvl2pPr>
+            <a:lvl3pPr marL="914400" indent="0" algn="ctr" defTabSz="914400" rtl="0" eaLnBrk="1" latinLnBrk="0" hangingPunct="1">
+              <a:lnSpc>
+                <a:spcPct val="90000"/>
+              </a:lnSpc>
+              <a:spcBef>
+                <a:spcPts val="500"/>
+              </a:spcBef>
+              <a:buFont typeface="Arial" panose="020B0604020202020204" pitchFamily="34" charset="0"/>
+              <a:buNone/>
+              <a:defRPr sz="1800" kern="1200">
+                <a:solidFill>
+                  <a:schemeClr val="tx1"/>
+                </a:solidFill>
+                <a:latin typeface="+mn-lt"/>
+                <a:ea typeface="+mn-ea"/>
+                <a:cs typeface="+mn-cs"/>
+              </a:defRPr>
+            </a:lvl3pPr>
+            <a:lvl4pPr marL="1371600" indent="0" algn="ctr" defTabSz="914400" rtl="0" eaLnBrk="1" latinLnBrk="0" hangingPunct="1">
+              <a:lnSpc>
+                <a:spcPct val="90000"/>
+              </a:lnSpc>
+              <a:spcBef>
+                <a:spcPts val="500"/>
+              </a:spcBef>
+              <a:buFont typeface="Arial" panose="020B0604020202020204" pitchFamily="34" charset="0"/>
+              <a:buNone/>
+              <a:defRPr sz="1600" kern="1200">
+                <a:solidFill>
+                  <a:schemeClr val="tx1"/>
+                </a:solidFill>
+                <a:latin typeface="+mn-lt"/>
+                <a:ea typeface="+mn-ea"/>
+                <a:cs typeface="+mn-cs"/>
+              </a:defRPr>
+            </a:lvl4pPr>
+            <a:lvl5pPr marL="1828800" indent="0" algn="ctr" defTabSz="914400" rtl="0" eaLnBrk="1" latinLnBrk="0" hangingPunct="1">
+              <a:lnSpc>
+                <a:spcPct val="90000"/>
+              </a:lnSpc>
+              <a:spcBef>
+                <a:spcPts val="500"/>
+              </a:spcBef>
+              <a:buFont typeface="Arial" panose="020B0604020202020204" pitchFamily="34" charset="0"/>
+              <a:buNone/>
+              <a:defRPr sz="1600" kern="1200">
+                <a:solidFill>
+                  <a:schemeClr val="tx1"/>
+                </a:solidFill>
+                <a:latin typeface="+mn-lt"/>
+                <a:ea typeface="+mn-ea"/>
+                <a:cs typeface="+mn-cs"/>
+              </a:defRPr>
+            </a:lvl5pPr>
+            <a:lvl6pPr marL="2286000" indent="0" algn="ctr" defTabSz="914400" rtl="0" eaLnBrk="1" latinLnBrk="0" hangingPunct="1">
+              <a:lnSpc>
+                <a:spcPct val="90000"/>
+              </a:lnSpc>
+              <a:spcBef>
+                <a:spcPts val="500"/>
+              </a:spcBef>
+              <a:buFont typeface="Arial" panose="020B0604020202020204" pitchFamily="34" charset="0"/>
+              <a:buNone/>
+              <a:defRPr sz="1600" kern="1200">
+                <a:solidFill>
+                  <a:schemeClr val="tx1"/>
+                </a:solidFill>
+                <a:latin typeface="+mn-lt"/>
+                <a:ea typeface="+mn-ea"/>
+                <a:cs typeface="+mn-cs"/>
+              </a:defRPr>
+            </a:lvl6pPr>
+            <a:lvl7pPr marL="2743200" indent="0" algn="ctr" defTabSz="914400" rtl="0" eaLnBrk="1" latinLnBrk="0" hangingPunct="1">
+              <a:lnSpc>
+                <a:spcPct val="90000"/>
+              </a:lnSpc>
+              <a:spcBef>
+                <a:spcPts val="500"/>
+              </a:spcBef>
+              <a:buFont typeface="Arial" panose="020B0604020202020204" pitchFamily="34" charset="0"/>
+              <a:buNone/>
+              <a:defRPr sz="1600" kern="1200">
+                <a:solidFill>
+                  <a:schemeClr val="tx1"/>
+                </a:solidFill>
+                <a:latin typeface="+mn-lt"/>
+                <a:ea typeface="+mn-ea"/>
+                <a:cs typeface="+mn-cs"/>
+              </a:defRPr>
+            </a:lvl7pPr>
+            <a:lvl8pPr marL="3200400" indent="0" algn="ctr" defTabSz="914400" rtl="0" eaLnBrk="1" latinLnBrk="0" hangingPunct="1">
+              <a:lnSpc>
+                <a:spcPct val="90000"/>
+              </a:lnSpc>
+              <a:spcBef>
+                <a:spcPts val="500"/>
+              </a:spcBef>
+              <a:buFont typeface="Arial" panose="020B0604020202020204" pitchFamily="34" charset="0"/>
+              <a:buNone/>
+              <a:defRPr sz="1600" kern="1200">
+                <a:solidFill>
+                  <a:schemeClr val="tx1"/>
+                </a:solidFill>
+                <a:latin typeface="+mn-lt"/>
+                <a:ea typeface="+mn-ea"/>
+                <a:cs typeface="+mn-cs"/>
+              </a:defRPr>
+            </a:lvl8pPr>
+            <a:lvl9pPr marL="3657600" indent="0" algn="ctr" defTabSz="914400" rtl="0" eaLnBrk="1" latinLnBrk="0" hangingPunct="1">
+              <a:lnSpc>
+                <a:spcPct val="90000"/>
+              </a:lnSpc>
+              <a:spcBef>
+                <a:spcPts val="500"/>
+              </a:spcBef>
+              <a:buFont typeface="Arial" panose="020B0604020202020204" pitchFamily="34" charset="0"/>
+              <a:buNone/>
+              <a:defRPr sz="1600" kern="1200">
+                <a:solidFill>
+                  <a:schemeClr val="tx1"/>
+                </a:solidFill>
+                <a:latin typeface="+mn-lt"/>
+                <a:ea typeface="+mn-ea"/>
+                <a:cs typeface="+mn-cs"/>
+              </a:defRPr>
+            </a:lvl9pPr>
+          </a:lstStyle>
+          <a:p>
+            <a:pPr algn="l">
+              <a:lnSpc>
+                <a:spcPct val="100000"/>
+              </a:lnSpc>
+              <a:spcBef>
+                <a:spcPts val="0"/>
+              </a:spcBef>
+              <a:buSzPts val="1800"/>
+            </a:pPr>
+            <a:r>
+              <a:rPr lang="en-US" sz="1400" b="1" dirty="0">
+                <a:solidFill>
+                  <a:schemeClr val="dk1"/>
+                </a:solidFill>
+                <a:latin typeface="Segoe UI" panose="020B0502040204020203" pitchFamily="34" charset="0"/>
+                <a:cs typeface="Segoe UI" panose="020B0502040204020203" pitchFamily="34" charset="0"/>
+              </a:rPr>
+              <a:t>Why do we prioritize when planning?</a:t>
+            </a:r>
+          </a:p>
+          <a:p>
+            <a:pPr algn="l">
+              <a:lnSpc>
+                <a:spcPct val="100000"/>
+              </a:lnSpc>
+              <a:spcBef>
+                <a:spcPts val="0"/>
+              </a:spcBef>
+              <a:buSzPts val="1800"/>
+            </a:pPr>
+            <a:r>
+              <a:rPr lang="en-US" sz="1400" dirty="0">
+                <a:solidFill>
+                  <a:schemeClr val="dk1"/>
+                </a:solidFill>
+                <a:latin typeface="Segoe UI" panose="020B0502040204020203" pitchFamily="34" charset="0"/>
+                <a:cs typeface="Segoe UI" panose="020B0502040204020203" pitchFamily="34" charset="0"/>
+              </a:rPr>
+              <a:t>It is hard to do everything (e.g., user story, theme, epic) in limited time.</a:t>
+            </a:r>
+          </a:p>
+          <a:p>
+            <a:pPr algn="l">
+              <a:lnSpc>
+                <a:spcPct val="100000"/>
+              </a:lnSpc>
+              <a:spcBef>
+                <a:spcPts val="0"/>
+              </a:spcBef>
+              <a:buSzPts val="1800"/>
+            </a:pPr>
+            <a:endParaRPr lang="en-US" sz="1400" dirty="0">
+              <a:solidFill>
+                <a:schemeClr val="dk1"/>
+              </a:solidFill>
+              <a:latin typeface="Segoe UI" panose="020B0502040204020203" pitchFamily="34" charset="0"/>
+              <a:cs typeface="Segoe UI" panose="020B0502040204020203" pitchFamily="34" charset="0"/>
+            </a:endParaRPr>
+          </a:p>
+          <a:p>
+            <a:pPr algn="l">
+              <a:lnSpc>
+                <a:spcPct val="100000"/>
+              </a:lnSpc>
+              <a:spcBef>
+                <a:spcPts val="0"/>
+              </a:spcBef>
+              <a:buSzPts val="1800"/>
+            </a:pPr>
+            <a:r>
+              <a:rPr lang="en-US" sz="1400" b="1" dirty="0">
+                <a:solidFill>
+                  <a:schemeClr val="dk1"/>
+                </a:solidFill>
+                <a:latin typeface="Segoe UI" panose="020B0502040204020203" pitchFamily="34" charset="0"/>
+                <a:cs typeface="Segoe UI" panose="020B0502040204020203" pitchFamily="34" charset="0"/>
+              </a:rPr>
+              <a:t>Who should do the prioritization?</a:t>
+            </a:r>
+          </a:p>
+          <a:p>
+            <a:pPr algn="l">
+              <a:lnSpc>
+                <a:spcPct val="100000"/>
+              </a:lnSpc>
+              <a:spcBef>
+                <a:spcPts val="0"/>
+              </a:spcBef>
+              <a:buSzPts val="1800"/>
+            </a:pPr>
+            <a:r>
+              <a:rPr lang="en-US" sz="1400" dirty="0">
+                <a:solidFill>
+                  <a:schemeClr val="dk1"/>
+                </a:solidFill>
+                <a:latin typeface="Segoe UI" panose="020B0502040204020203" pitchFamily="34" charset="0"/>
+                <a:cs typeface="Segoe UI" panose="020B0502040204020203" pitchFamily="34" charset="0"/>
+              </a:rPr>
+              <a:t>The whole team with the lead of the product owner.</a:t>
+            </a:r>
+          </a:p>
+          <a:p>
+            <a:pPr algn="l">
+              <a:lnSpc>
+                <a:spcPct val="100000"/>
+              </a:lnSpc>
+              <a:spcBef>
+                <a:spcPts val="0"/>
+              </a:spcBef>
+              <a:buSzPts val="1800"/>
+            </a:pPr>
+            <a:r>
+              <a:rPr lang="en-US" sz="1400" dirty="0">
+                <a:solidFill>
+                  <a:schemeClr val="dk1"/>
+                </a:solidFill>
+                <a:latin typeface="Segoe UI" panose="020B0502040204020203" pitchFamily="34" charset="0"/>
+                <a:cs typeface="Segoe UI" panose="020B0502040204020203" pitchFamily="34" charset="0"/>
+              </a:rPr>
+              <a:t>(</a:t>
+            </a:r>
+            <a:r>
+              <a:rPr lang="en-US" sz="1400" dirty="0">
+                <a:solidFill>
+                  <a:schemeClr val="bg1">
+                    <a:lumMod val="50000"/>
+                  </a:schemeClr>
+                </a:solidFill>
+                <a:latin typeface="Segoe UI" panose="020B0502040204020203" pitchFamily="34" charset="0"/>
+                <a:cs typeface="Segoe UI" panose="020B0502040204020203" pitchFamily="34" charset="0"/>
+              </a:rPr>
+              <a:t>Why? An Agile Team Works As One</a:t>
+            </a:r>
+            <a:r>
+              <a:rPr lang="en-US" sz="1400" dirty="0">
+                <a:solidFill>
+                  <a:schemeClr val="dk1"/>
+                </a:solidFill>
+                <a:latin typeface="Segoe UI" panose="020B0502040204020203" pitchFamily="34" charset="0"/>
+                <a:cs typeface="Segoe UI" panose="020B0502040204020203" pitchFamily="34" charset="0"/>
+              </a:rPr>
+              <a:t>)</a:t>
+            </a:r>
+          </a:p>
+          <a:p>
+            <a:pPr algn="l">
+              <a:lnSpc>
+                <a:spcPct val="100000"/>
+              </a:lnSpc>
+              <a:spcBef>
+                <a:spcPts val="0"/>
+              </a:spcBef>
+              <a:buSzPts val="1800"/>
+            </a:pPr>
+            <a:endParaRPr lang="en-US" sz="1400" dirty="0">
+              <a:solidFill>
+                <a:schemeClr val="dk1"/>
+              </a:solidFill>
+              <a:latin typeface="Segoe UI" panose="020B0502040204020203" pitchFamily="34" charset="0"/>
+              <a:cs typeface="Segoe UI" panose="020B0502040204020203" pitchFamily="34" charset="0"/>
+            </a:endParaRPr>
+          </a:p>
+          <a:p>
+            <a:pPr algn="l">
+              <a:lnSpc>
+                <a:spcPct val="100000"/>
+              </a:lnSpc>
+              <a:spcBef>
+                <a:spcPts val="0"/>
+              </a:spcBef>
+              <a:buSzPts val="1800"/>
+            </a:pPr>
+            <a:r>
+              <a:rPr lang="en-US" sz="1400" b="1" dirty="0">
+                <a:solidFill>
+                  <a:schemeClr val="dk1"/>
+                </a:solidFill>
+                <a:latin typeface="Segoe UI" panose="020B0502040204020203" pitchFamily="34" charset="0"/>
+                <a:cs typeface="Segoe UI" panose="020B0502040204020203" pitchFamily="34" charset="0"/>
+              </a:rPr>
+              <a:t>What to prioritize? </a:t>
+            </a:r>
+            <a:r>
+              <a:rPr lang="en-US" sz="1400" dirty="0">
+                <a:solidFill>
+                  <a:schemeClr val="dk1"/>
+                </a:solidFill>
+                <a:latin typeface="Segoe UI" panose="020B0502040204020203" pitchFamily="34" charset="0"/>
+                <a:cs typeface="Segoe UI" panose="020B0502040204020203" pitchFamily="34" charset="0"/>
+              </a:rPr>
+              <a:t>User story, theme, epic.</a:t>
+            </a:r>
+          </a:p>
+          <a:p>
+            <a:pPr algn="l">
+              <a:lnSpc>
+                <a:spcPct val="100000"/>
+              </a:lnSpc>
+              <a:spcBef>
+                <a:spcPts val="0"/>
+              </a:spcBef>
+              <a:buSzPts val="1800"/>
+            </a:pPr>
+            <a:r>
+              <a:rPr lang="en-US" sz="1400" dirty="0">
+                <a:solidFill>
+                  <a:schemeClr val="dk1"/>
+                </a:solidFill>
+                <a:latin typeface="Segoe UI" panose="020B0502040204020203" pitchFamily="34" charset="0"/>
+                <a:cs typeface="Segoe UI" panose="020B0502040204020203" pitchFamily="34" charset="0"/>
+              </a:rPr>
+              <a:t>Theme. Because it is generally difficult to estimate the value of small units of functionality, such as a single user story.</a:t>
+            </a:r>
+          </a:p>
+          <a:p>
+            <a:pPr algn="l">
+              <a:lnSpc>
+                <a:spcPct val="100000"/>
+              </a:lnSpc>
+              <a:spcBef>
+                <a:spcPts val="0"/>
+              </a:spcBef>
+              <a:buSzPts val="1800"/>
+            </a:pPr>
+            <a:r>
+              <a:rPr lang="en-US" altLang="ja-JP" sz="1400" dirty="0">
+                <a:solidFill>
+                  <a:schemeClr val="dk1"/>
+                </a:solidFill>
+                <a:latin typeface="Segoe UI" panose="020B0502040204020203" pitchFamily="34" charset="0"/>
+                <a:cs typeface="Segoe UI" panose="020B0502040204020203" pitchFamily="34" charset="0"/>
+              </a:rPr>
+              <a:t>※ Theme = a set of user stories. Epic = a large user story = often a theme.</a:t>
+            </a:r>
+            <a:endParaRPr lang="en-US" sz="1400" dirty="0">
+              <a:solidFill>
+                <a:schemeClr val="dk1"/>
+              </a:solidFill>
+              <a:latin typeface="Segoe UI" panose="020B0502040204020203" pitchFamily="34" charset="0"/>
+              <a:cs typeface="Segoe UI" panose="020B0502040204020203" pitchFamily="34" charset="0"/>
+            </a:endParaRPr>
+          </a:p>
+          <a:p>
+            <a:pPr algn="l">
+              <a:lnSpc>
+                <a:spcPct val="100000"/>
+              </a:lnSpc>
+              <a:spcBef>
+                <a:spcPts val="0"/>
+              </a:spcBef>
+              <a:buSzPts val="1800"/>
+            </a:pPr>
+            <a:endParaRPr lang="en-US" sz="1400" dirty="0">
+              <a:solidFill>
+                <a:schemeClr val="dk1"/>
+              </a:solidFill>
+              <a:latin typeface="Segoe UI" panose="020B0502040204020203" pitchFamily="34" charset="0"/>
+              <a:cs typeface="Segoe UI" panose="020B0502040204020203" pitchFamily="34" charset="0"/>
+            </a:endParaRPr>
+          </a:p>
+          <a:p>
+            <a:pPr algn="l">
+              <a:lnSpc>
+                <a:spcPct val="100000"/>
+              </a:lnSpc>
+              <a:spcBef>
+                <a:spcPts val="0"/>
+              </a:spcBef>
+              <a:buSzPts val="1800"/>
+            </a:pPr>
+            <a:endParaRPr lang="en-US" sz="1400" dirty="0">
+              <a:solidFill>
+                <a:schemeClr val="dk1"/>
+              </a:solidFill>
+              <a:latin typeface="Segoe UI" panose="020B0502040204020203" pitchFamily="34" charset="0"/>
+              <a:cs typeface="Segoe UI" panose="020B0502040204020203" pitchFamily="34" charset="0"/>
+            </a:endParaRPr>
+          </a:p>
+          <a:p>
+            <a:pPr algn="l">
+              <a:lnSpc>
+                <a:spcPct val="100000"/>
+              </a:lnSpc>
+              <a:spcBef>
+                <a:spcPts val="0"/>
+              </a:spcBef>
+              <a:buSzPts val="1800"/>
+            </a:pPr>
+            <a:r>
+              <a:rPr lang="en-US" sz="1400" b="1" dirty="0">
+                <a:solidFill>
+                  <a:schemeClr val="dk1"/>
+                </a:solidFill>
+                <a:latin typeface="Segoe UI" panose="020B0502040204020203" pitchFamily="34" charset="0"/>
+                <a:cs typeface="Segoe UI" panose="020B0502040204020203" pitchFamily="34" charset="0"/>
+              </a:rPr>
+              <a:t>Example of themes for the </a:t>
+            </a:r>
+            <a:r>
+              <a:rPr lang="en-US" sz="1400" b="1" dirty="0" err="1">
+                <a:solidFill>
+                  <a:schemeClr val="dk1"/>
+                </a:solidFill>
+                <a:latin typeface="Segoe UI" panose="020B0502040204020203" pitchFamily="34" charset="0"/>
+                <a:cs typeface="Segoe UI" panose="020B0502040204020203" pitchFamily="34" charset="0"/>
+              </a:rPr>
+              <a:t>SwimStats</a:t>
+            </a:r>
+            <a:r>
+              <a:rPr lang="en-US" sz="1400" b="1" dirty="0">
+                <a:solidFill>
+                  <a:schemeClr val="dk1"/>
+                </a:solidFill>
+                <a:latin typeface="Segoe UI" panose="020B0502040204020203" pitchFamily="34" charset="0"/>
+                <a:cs typeface="Segoe UI" panose="020B0502040204020203" pitchFamily="34" charset="0"/>
+              </a:rPr>
+              <a:t> website</a:t>
+            </a:r>
+            <a:r>
+              <a:rPr lang="en-US" sz="1400" dirty="0">
+                <a:solidFill>
+                  <a:schemeClr val="dk1"/>
+                </a:solidFill>
+                <a:latin typeface="Segoe UI" panose="020B0502040204020203" pitchFamily="34" charset="0"/>
+                <a:cs typeface="Segoe UI" panose="020B0502040204020203" pitchFamily="34" charset="0"/>
+              </a:rPr>
+              <a:t>:</a:t>
+            </a:r>
+          </a:p>
+          <a:p>
+            <a:pPr algn="l">
+              <a:lnSpc>
+                <a:spcPct val="100000"/>
+              </a:lnSpc>
+              <a:spcBef>
+                <a:spcPts val="0"/>
+              </a:spcBef>
+              <a:buSzPts val="1800"/>
+            </a:pPr>
+            <a:endParaRPr lang="en-US" sz="1400" dirty="0">
+              <a:solidFill>
+                <a:schemeClr val="dk1"/>
+              </a:solidFill>
+              <a:latin typeface="Segoe UI" panose="020B0502040204020203" pitchFamily="34" charset="0"/>
+              <a:cs typeface="Segoe UI" panose="020B0502040204020203" pitchFamily="34" charset="0"/>
+            </a:endParaRPr>
+          </a:p>
+          <a:p>
+            <a:pPr algn="l">
+              <a:lnSpc>
+                <a:spcPct val="100000"/>
+              </a:lnSpc>
+              <a:spcBef>
+                <a:spcPts val="0"/>
+              </a:spcBef>
+              <a:buSzPts val="1800"/>
+            </a:pPr>
+            <a:r>
+              <a:rPr lang="en-US" sz="1400" dirty="0">
+                <a:solidFill>
+                  <a:schemeClr val="dk1"/>
+                </a:solidFill>
+                <a:latin typeface="Segoe UI" panose="020B0502040204020203" pitchFamily="34" charset="0"/>
+                <a:cs typeface="Segoe UI" panose="020B0502040204020203" pitchFamily="34" charset="0"/>
+              </a:rPr>
+              <a:t>[Theme 1] Keep track of all personal records and let swimmers view them.</a:t>
+            </a:r>
+          </a:p>
+          <a:p>
+            <a:pPr marL="285750" indent="-285750" algn="l">
+              <a:lnSpc>
+                <a:spcPct val="100000"/>
+              </a:lnSpc>
+              <a:spcBef>
+                <a:spcPts val="0"/>
+              </a:spcBef>
+              <a:buSzPts val="1800"/>
+              <a:buFont typeface="Arial" panose="020B0604020202020204" pitchFamily="34" charset="0"/>
+              <a:buChar char="•"/>
+            </a:pPr>
+            <a:r>
+              <a:rPr lang="en-US" sz="1400" dirty="0">
+                <a:solidFill>
+                  <a:schemeClr val="dk1"/>
+                </a:solidFill>
+                <a:latin typeface="Segoe UI" panose="020B0502040204020203" pitchFamily="34" charset="0"/>
+                <a:cs typeface="Segoe UI" panose="020B0502040204020203" pitchFamily="34" charset="0"/>
+              </a:rPr>
+              <a:t>Keep track of all personal records</a:t>
+            </a:r>
+          </a:p>
+          <a:p>
+            <a:pPr marL="285750" indent="-285750" algn="l">
+              <a:lnSpc>
+                <a:spcPct val="100000"/>
+              </a:lnSpc>
+              <a:spcBef>
+                <a:spcPts val="0"/>
+              </a:spcBef>
+              <a:buSzPts val="1800"/>
+              <a:buFont typeface="Arial" panose="020B0604020202020204" pitchFamily="34" charset="0"/>
+              <a:buChar char="•"/>
+            </a:pPr>
+            <a:r>
+              <a:rPr lang="en-US" sz="1400" dirty="0">
+                <a:solidFill>
+                  <a:schemeClr val="dk1"/>
+                </a:solidFill>
+                <a:latin typeface="Segoe UI" panose="020B0502040204020203" pitchFamily="34" charset="0"/>
+                <a:cs typeface="Segoe UI" panose="020B0502040204020203" pitchFamily="34" charset="0"/>
+              </a:rPr>
+              <a:t>Let swimmers view them</a:t>
+            </a:r>
+          </a:p>
+          <a:p>
+            <a:pPr algn="l">
+              <a:lnSpc>
+                <a:spcPct val="100000"/>
+              </a:lnSpc>
+              <a:spcBef>
+                <a:spcPts val="0"/>
+              </a:spcBef>
+              <a:buSzPts val="1800"/>
+            </a:pPr>
+            <a:endParaRPr lang="en-US" sz="1400" dirty="0">
+              <a:solidFill>
+                <a:schemeClr val="dk1"/>
+              </a:solidFill>
+              <a:latin typeface="Segoe UI" panose="020B0502040204020203" pitchFamily="34" charset="0"/>
+              <a:cs typeface="Segoe UI" panose="020B0502040204020203" pitchFamily="34" charset="0"/>
+            </a:endParaRPr>
+          </a:p>
+          <a:p>
+            <a:pPr algn="l">
+              <a:lnSpc>
+                <a:spcPct val="100000"/>
+              </a:lnSpc>
+              <a:spcBef>
+                <a:spcPts val="0"/>
+              </a:spcBef>
+              <a:buSzPts val="1800"/>
+            </a:pPr>
+            <a:r>
+              <a:rPr lang="en-US" sz="1400" dirty="0">
+                <a:solidFill>
+                  <a:schemeClr val="dk1"/>
+                </a:solidFill>
+                <a:latin typeface="Segoe UI" panose="020B0502040204020203" pitchFamily="34" charset="0"/>
+                <a:cs typeface="Segoe UI" panose="020B0502040204020203" pitchFamily="34" charset="0"/>
+              </a:rPr>
+              <a:t>[Theme 2] Import and export data.</a:t>
+            </a:r>
+          </a:p>
+          <a:p>
+            <a:pPr marL="285750" indent="-285750" algn="l">
+              <a:lnSpc>
+                <a:spcPct val="100000"/>
+              </a:lnSpc>
+              <a:spcBef>
+                <a:spcPts val="0"/>
+              </a:spcBef>
+              <a:buSzPts val="1800"/>
+              <a:buFont typeface="Arial" panose="020B0604020202020204" pitchFamily="34" charset="0"/>
+              <a:buChar char="•"/>
+            </a:pPr>
+            <a:r>
+              <a:rPr lang="en-US" sz="1400" dirty="0">
+                <a:solidFill>
+                  <a:schemeClr val="dk1"/>
+                </a:solidFill>
+                <a:latin typeface="Segoe UI" panose="020B0502040204020203" pitchFamily="34" charset="0"/>
+                <a:cs typeface="Segoe UI" panose="020B0502040204020203" pitchFamily="34" charset="0"/>
+              </a:rPr>
+              <a:t>Import data</a:t>
+            </a:r>
+          </a:p>
+          <a:p>
+            <a:pPr marL="285750" indent="-285750" algn="l">
+              <a:lnSpc>
+                <a:spcPct val="100000"/>
+              </a:lnSpc>
+              <a:spcBef>
+                <a:spcPts val="0"/>
+              </a:spcBef>
+              <a:buSzPts val="1800"/>
+              <a:buFont typeface="Arial" panose="020B0604020202020204" pitchFamily="34" charset="0"/>
+              <a:buChar char="•"/>
+            </a:pPr>
+            <a:r>
+              <a:rPr lang="en-US" sz="1400" dirty="0">
+                <a:solidFill>
+                  <a:schemeClr val="dk1"/>
+                </a:solidFill>
+                <a:latin typeface="Segoe UI" panose="020B0502040204020203" pitchFamily="34" charset="0"/>
+                <a:cs typeface="Segoe UI" panose="020B0502040204020203" pitchFamily="34" charset="0"/>
+              </a:rPr>
+              <a:t>Export data</a:t>
+            </a:r>
+          </a:p>
+          <a:p>
+            <a:pPr algn="l">
+              <a:lnSpc>
+                <a:spcPct val="100000"/>
+              </a:lnSpc>
+              <a:spcBef>
+                <a:spcPts val="0"/>
+              </a:spcBef>
+              <a:buSzPts val="1800"/>
+            </a:pPr>
+            <a:endParaRPr lang="en-US" sz="1400" dirty="0">
+              <a:solidFill>
+                <a:schemeClr val="dk1"/>
+              </a:solidFill>
+              <a:latin typeface="Segoe UI" panose="020B0502040204020203" pitchFamily="34" charset="0"/>
+              <a:cs typeface="Segoe UI" panose="020B0502040204020203" pitchFamily="34" charset="0"/>
+            </a:endParaRPr>
+          </a:p>
+          <a:p>
+            <a:pPr algn="l">
+              <a:lnSpc>
+                <a:spcPct val="100000"/>
+              </a:lnSpc>
+              <a:spcBef>
+                <a:spcPts val="0"/>
+              </a:spcBef>
+              <a:buSzPts val="1800"/>
+            </a:pPr>
+            <a:endParaRPr lang="en-US" sz="1400" dirty="0">
+              <a:solidFill>
+                <a:schemeClr val="dk1"/>
+              </a:solidFill>
+              <a:latin typeface="Segoe UI" panose="020B0502040204020203" pitchFamily="34" charset="0"/>
+              <a:cs typeface="Segoe UI" panose="020B0502040204020203" pitchFamily="34" charset="0"/>
+            </a:endParaRPr>
+          </a:p>
+          <a:p>
+            <a:pPr>
+              <a:lnSpc>
+                <a:spcPct val="100000"/>
+              </a:lnSpc>
+              <a:spcBef>
+                <a:spcPts val="0"/>
+              </a:spcBef>
+              <a:buSzPts val="1800"/>
+            </a:pPr>
+            <a:r>
+              <a:rPr lang="en-US" sz="1400" b="0" i="0" u="none" strike="noStrike" baseline="0" dirty="0">
+                <a:latin typeface="Segoe UI" panose="020B0502040204020203" pitchFamily="34" charset="0"/>
+                <a:cs typeface="Segoe UI" panose="020B0502040204020203" pitchFamily="34" charset="0"/>
+              </a:rPr>
+              <a:t>These themes have substantial value to the users. However, there are usually more to consider than just the monetary return to prioritize optimally.</a:t>
+            </a:r>
+            <a:endParaRPr lang="en-US" sz="1400" dirty="0">
+              <a:solidFill>
+                <a:schemeClr val="dk1"/>
+              </a:solidFill>
+              <a:latin typeface="Segoe UI" panose="020B0502040204020203" pitchFamily="34" charset="0"/>
+              <a:cs typeface="Segoe UI" panose="020B0502040204020203" pitchFamily="34" charset="0"/>
+            </a:endParaRPr>
+          </a:p>
+          <a:p>
+            <a:pPr algn="l">
+              <a:lnSpc>
+                <a:spcPct val="100000"/>
+              </a:lnSpc>
+              <a:spcBef>
+                <a:spcPts val="0"/>
+              </a:spcBef>
+              <a:buSzPts val="1800"/>
+            </a:pPr>
+            <a:endParaRPr lang="en-US" sz="1400" dirty="0">
+              <a:solidFill>
+                <a:schemeClr val="dk1"/>
+              </a:solidFill>
+              <a:latin typeface="Segoe UI" panose="020B0502040204020203" pitchFamily="34" charset="0"/>
+              <a:cs typeface="Segoe UI" panose="020B0502040204020203" pitchFamily="34" charset="0"/>
+            </a:endParaRPr>
+          </a:p>
+          <a:p>
+            <a:pPr algn="l">
+              <a:lnSpc>
+                <a:spcPct val="100000"/>
+              </a:lnSpc>
+              <a:spcBef>
+                <a:spcPts val="0"/>
+              </a:spcBef>
+              <a:buSzPts val="1800"/>
+            </a:pPr>
+            <a:endParaRPr lang="en-US" sz="1400" dirty="0">
+              <a:solidFill>
+                <a:schemeClr val="dk1"/>
+              </a:solidFill>
+              <a:latin typeface="Segoe UI" panose="020B0502040204020203" pitchFamily="34" charset="0"/>
+              <a:cs typeface="Segoe UI" panose="020B0502040204020203" pitchFamily="34" charset="0"/>
+            </a:endParaRPr>
+          </a:p>
+        </p:txBody>
+      </p:sp>
+    </p:spTree>
+    <p:extLst>
+      <p:ext uri="{BB962C8B-B14F-4D97-AF65-F5344CB8AC3E}">
+        <p14:creationId xmlns:p14="http://schemas.microsoft.com/office/powerpoint/2010/main" val="1126021369"/>
+      </p:ext>
+    </p:extLst>
+  </p:cSld>
+  <p:clrMapOvr>
+    <a:masterClrMapping/>
+  </p:clrMapOvr>
+</p:sld>
+</file>
+
+<file path=ppt/slides/slide8.xml><?xml version="1.0" encoding="utf-8"?>
+<p:sld xmlns:a="http://schemas.openxmlformats.org/drawingml/2006/main" xmlns:r="http://schemas.openxmlformats.org/officeDocument/2006/relationships" xmlns:p="http://schemas.openxmlformats.org/presentationml/2006/main">
+  <p:cSld>
+    <p:spTree>
+      <p:nvGrpSpPr>
+        <p:cNvPr id="1" name=""/>
+        <p:cNvGrpSpPr/>
+        <p:nvPr/>
+      </p:nvGrpSpPr>
+      <p:grpSpPr>
+        <a:xfrm>
+          <a:off x="0" y="0"/>
+          <a:ext cx="0" cy="0"/>
+          <a:chOff x="0" y="0"/>
+          <a:chExt cx="0" cy="0"/>
+        </a:xfrm>
+      </p:grpSpPr>
+      <p:sp>
+        <p:nvSpPr>
+          <p:cNvPr id="4" name="Google Shape;106;p26">
+            <a:extLst>
+              <a:ext uri="{FF2B5EF4-FFF2-40B4-BE49-F238E27FC236}">
+                <a16:creationId xmlns:a16="http://schemas.microsoft.com/office/drawing/2014/main" id="{FB2E35A9-F238-C52F-A7EE-337E92C5BCDD}"/>
+              </a:ext>
+            </a:extLst>
+          </p:cNvPr>
+          <p:cNvSpPr txBox="1">
+            <a:spLocks/>
+          </p:cNvSpPr>
+          <p:nvPr/>
+        </p:nvSpPr>
+        <p:spPr>
+          <a:xfrm>
+            <a:off x="310896" y="173736"/>
+            <a:ext cx="7968600" cy="572700"/>
+          </a:xfrm>
+          <a:prstGeom prst="rect">
+            <a:avLst/>
+          </a:prstGeom>
+          <a:noFill/>
+          <a:ln>
+            <a:noFill/>
+          </a:ln>
+        </p:spPr>
+        <p:txBody>
+          <a:bodyPr spcFirstLastPara="1" vert="horz" wrap="square" lIns="91425" tIns="91425" rIns="91425" bIns="91425" rtlCol="0" anchor="t" anchorCtr="0">
+            <a:noAutofit/>
+          </a:bodyPr>
+          <a:lstStyle>
+            <a:lvl1pPr algn="ctr" defTabSz="914400" rtl="0" eaLnBrk="1" latinLnBrk="0" hangingPunct="1">
+              <a:lnSpc>
+                <a:spcPct val="90000"/>
+              </a:lnSpc>
+              <a:spcBef>
+                <a:spcPct val="0"/>
+              </a:spcBef>
+              <a:buNone/>
+              <a:defRPr sz="6000" kern="1200">
+                <a:solidFill>
+                  <a:schemeClr val="tx1"/>
+                </a:solidFill>
+                <a:latin typeface="+mj-lt"/>
+                <a:ea typeface="+mj-ea"/>
+                <a:cs typeface="+mj-cs"/>
+              </a:defRPr>
+            </a:lvl1pPr>
+          </a:lstStyle>
+          <a:p>
+            <a:pPr algn="l">
+              <a:lnSpc>
+                <a:spcPct val="100000"/>
+              </a:lnSpc>
+              <a:spcBef>
+                <a:spcPts val="0"/>
+              </a:spcBef>
+              <a:buSzPts val="2800"/>
+            </a:pPr>
+            <a:r>
+              <a:rPr lang="en-US" sz="3200" dirty="0">
+                <a:latin typeface="Segoe UI" panose="020B0502040204020203" pitchFamily="34" charset="0"/>
+                <a:cs typeface="Segoe UI" panose="020B0502040204020203" pitchFamily="34" charset="0"/>
+              </a:rPr>
+              <a:t>Four factors in Prioritization</a:t>
+            </a:r>
+          </a:p>
+        </p:txBody>
+      </p:sp>
+      <p:sp>
+        <p:nvSpPr>
+          <p:cNvPr id="5" name="Google Shape;347;p39">
+            <a:extLst>
+              <a:ext uri="{FF2B5EF4-FFF2-40B4-BE49-F238E27FC236}">
+                <a16:creationId xmlns:a16="http://schemas.microsoft.com/office/drawing/2014/main" id="{12B362D5-6F90-1150-13CE-A1F0F8C22742}"/>
+              </a:ext>
+            </a:extLst>
+          </p:cNvPr>
+          <p:cNvSpPr txBox="1">
+            <a:spLocks/>
+          </p:cNvSpPr>
+          <p:nvPr/>
+        </p:nvSpPr>
+        <p:spPr>
+          <a:xfrm>
+            <a:off x="241231" y="932961"/>
+            <a:ext cx="11776597" cy="5645640"/>
+          </a:xfrm>
+          <a:prstGeom prst="rect">
+            <a:avLst/>
+          </a:prstGeom>
+          <a:noFill/>
+          <a:ln>
+            <a:noFill/>
+          </a:ln>
+        </p:spPr>
+        <p:txBody>
+          <a:bodyPr spcFirstLastPara="1" vert="horz" wrap="square" lIns="91425" tIns="91425" rIns="91425" bIns="91425" rtlCol="0" anchor="t" anchorCtr="0">
+            <a:normAutofit/>
+          </a:bodyPr>
+          <a:lstStyle>
+            <a:lvl1pPr marL="0" indent="0" algn="ctr" defTabSz="914400" rtl="0" eaLnBrk="1" latinLnBrk="0" hangingPunct="1">
+              <a:lnSpc>
+                <a:spcPct val="90000"/>
+              </a:lnSpc>
+              <a:spcBef>
+                <a:spcPts val="1000"/>
+              </a:spcBef>
+              <a:buFont typeface="Arial" panose="020B0604020202020204" pitchFamily="34" charset="0"/>
+              <a:buNone/>
+              <a:defRPr sz="2400" kern="1200">
+                <a:solidFill>
+                  <a:schemeClr val="tx1"/>
+                </a:solidFill>
+                <a:latin typeface="+mn-lt"/>
+                <a:ea typeface="+mn-ea"/>
+                <a:cs typeface="+mn-cs"/>
+              </a:defRPr>
+            </a:lvl1pPr>
+            <a:lvl2pPr marL="457200" indent="0" algn="ctr" defTabSz="914400" rtl="0" eaLnBrk="1" latinLnBrk="0" hangingPunct="1">
+              <a:lnSpc>
+                <a:spcPct val="90000"/>
+              </a:lnSpc>
+              <a:spcBef>
+                <a:spcPts val="500"/>
+              </a:spcBef>
+              <a:buFont typeface="Arial" panose="020B0604020202020204" pitchFamily="34" charset="0"/>
+              <a:buNone/>
+              <a:defRPr sz="2000" kern="1200">
+                <a:solidFill>
+                  <a:schemeClr val="tx1"/>
+                </a:solidFill>
+                <a:latin typeface="+mn-lt"/>
+                <a:ea typeface="+mn-ea"/>
+                <a:cs typeface="+mn-cs"/>
+              </a:defRPr>
+            </a:lvl2pPr>
+            <a:lvl3pPr marL="914400" indent="0" algn="ctr" defTabSz="914400" rtl="0" eaLnBrk="1" latinLnBrk="0" hangingPunct="1">
+              <a:lnSpc>
+                <a:spcPct val="90000"/>
+              </a:lnSpc>
+              <a:spcBef>
+                <a:spcPts val="500"/>
+              </a:spcBef>
+              <a:buFont typeface="Arial" panose="020B0604020202020204" pitchFamily="34" charset="0"/>
+              <a:buNone/>
+              <a:defRPr sz="1800" kern="1200">
+                <a:solidFill>
+                  <a:schemeClr val="tx1"/>
+                </a:solidFill>
+                <a:latin typeface="+mn-lt"/>
+                <a:ea typeface="+mn-ea"/>
+                <a:cs typeface="+mn-cs"/>
+              </a:defRPr>
+            </a:lvl3pPr>
+            <a:lvl4pPr marL="1371600" indent="0" algn="ctr" defTabSz="914400" rtl="0" eaLnBrk="1" latinLnBrk="0" hangingPunct="1">
+              <a:lnSpc>
+                <a:spcPct val="90000"/>
+              </a:lnSpc>
+              <a:spcBef>
+                <a:spcPts val="500"/>
+              </a:spcBef>
+              <a:buFont typeface="Arial" panose="020B0604020202020204" pitchFamily="34" charset="0"/>
+              <a:buNone/>
+              <a:defRPr sz="1600" kern="1200">
+                <a:solidFill>
+                  <a:schemeClr val="tx1"/>
+                </a:solidFill>
+                <a:latin typeface="+mn-lt"/>
+                <a:ea typeface="+mn-ea"/>
+                <a:cs typeface="+mn-cs"/>
+              </a:defRPr>
+            </a:lvl4pPr>
+            <a:lvl5pPr marL="1828800" indent="0" algn="ctr" defTabSz="914400" rtl="0" eaLnBrk="1" latinLnBrk="0" hangingPunct="1">
+              <a:lnSpc>
+                <a:spcPct val="90000"/>
+              </a:lnSpc>
+              <a:spcBef>
+                <a:spcPts val="500"/>
+              </a:spcBef>
+              <a:buFont typeface="Arial" panose="020B0604020202020204" pitchFamily="34" charset="0"/>
+              <a:buNone/>
+              <a:defRPr sz="1600" kern="1200">
+                <a:solidFill>
+                  <a:schemeClr val="tx1"/>
+                </a:solidFill>
+                <a:latin typeface="+mn-lt"/>
+                <a:ea typeface="+mn-ea"/>
+                <a:cs typeface="+mn-cs"/>
+              </a:defRPr>
+            </a:lvl5pPr>
+            <a:lvl6pPr marL="2286000" indent="0" algn="ctr" defTabSz="914400" rtl="0" eaLnBrk="1" latinLnBrk="0" hangingPunct="1">
+              <a:lnSpc>
+                <a:spcPct val="90000"/>
+              </a:lnSpc>
+              <a:spcBef>
+                <a:spcPts val="500"/>
+              </a:spcBef>
+              <a:buFont typeface="Arial" panose="020B0604020202020204" pitchFamily="34" charset="0"/>
+              <a:buNone/>
+              <a:defRPr sz="1600" kern="1200">
+                <a:solidFill>
+                  <a:schemeClr val="tx1"/>
+                </a:solidFill>
+                <a:latin typeface="+mn-lt"/>
+                <a:ea typeface="+mn-ea"/>
+                <a:cs typeface="+mn-cs"/>
+              </a:defRPr>
+            </a:lvl6pPr>
+            <a:lvl7pPr marL="2743200" indent="0" algn="ctr" defTabSz="914400" rtl="0" eaLnBrk="1" latinLnBrk="0" hangingPunct="1">
+              <a:lnSpc>
+                <a:spcPct val="90000"/>
+              </a:lnSpc>
+              <a:spcBef>
+                <a:spcPts val="500"/>
+              </a:spcBef>
+              <a:buFont typeface="Arial" panose="020B0604020202020204" pitchFamily="34" charset="0"/>
+              <a:buNone/>
+              <a:defRPr sz="1600" kern="1200">
+                <a:solidFill>
+                  <a:schemeClr val="tx1"/>
+                </a:solidFill>
+                <a:latin typeface="+mn-lt"/>
+                <a:ea typeface="+mn-ea"/>
+                <a:cs typeface="+mn-cs"/>
+              </a:defRPr>
+            </a:lvl7pPr>
+            <a:lvl8pPr marL="3200400" indent="0" algn="ctr" defTabSz="914400" rtl="0" eaLnBrk="1" latinLnBrk="0" hangingPunct="1">
+              <a:lnSpc>
+                <a:spcPct val="90000"/>
+              </a:lnSpc>
+              <a:spcBef>
+                <a:spcPts val="500"/>
+              </a:spcBef>
+              <a:buFont typeface="Arial" panose="020B0604020202020204" pitchFamily="34" charset="0"/>
+              <a:buNone/>
+              <a:defRPr sz="1600" kern="1200">
+                <a:solidFill>
+                  <a:schemeClr val="tx1"/>
+                </a:solidFill>
+                <a:latin typeface="+mn-lt"/>
+                <a:ea typeface="+mn-ea"/>
+                <a:cs typeface="+mn-cs"/>
+              </a:defRPr>
+            </a:lvl8pPr>
+            <a:lvl9pPr marL="3657600" indent="0" algn="ctr" defTabSz="914400" rtl="0" eaLnBrk="1" latinLnBrk="0" hangingPunct="1">
+              <a:lnSpc>
+                <a:spcPct val="90000"/>
+              </a:lnSpc>
+              <a:spcBef>
+                <a:spcPts val="500"/>
+              </a:spcBef>
+              <a:buFont typeface="Arial" panose="020B0604020202020204" pitchFamily="34" charset="0"/>
+              <a:buNone/>
+              <a:defRPr sz="1600" kern="1200">
+                <a:solidFill>
+                  <a:schemeClr val="tx1"/>
+                </a:solidFill>
+                <a:latin typeface="+mn-lt"/>
+                <a:ea typeface="+mn-ea"/>
+                <a:cs typeface="+mn-cs"/>
+              </a:defRPr>
+            </a:lvl9pPr>
+          </a:lstStyle>
+          <a:p>
+            <a:pPr algn="l">
+              <a:lnSpc>
+                <a:spcPct val="100000"/>
+              </a:lnSpc>
+              <a:spcBef>
+                <a:spcPts val="0"/>
+              </a:spcBef>
+              <a:buSzPts val="1800"/>
+            </a:pPr>
+            <a:r>
+              <a:rPr lang="en-US" sz="1400" b="1" dirty="0">
+                <a:solidFill>
+                  <a:schemeClr val="dk1"/>
+                </a:solidFill>
+                <a:latin typeface="Segoe UI" panose="020B0502040204020203" pitchFamily="34" charset="0"/>
+                <a:cs typeface="Segoe UI" panose="020B0502040204020203" pitchFamily="34" charset="0"/>
+              </a:rPr>
+              <a:t>What are the four factor to consider in prioritization?</a:t>
+            </a:r>
+          </a:p>
+          <a:p>
+            <a:pPr algn="l">
+              <a:lnSpc>
+                <a:spcPct val="100000"/>
+              </a:lnSpc>
+              <a:spcBef>
+                <a:spcPts val="0"/>
+              </a:spcBef>
+              <a:buSzPts val="1800"/>
+            </a:pPr>
+            <a:r>
+              <a:rPr lang="en-US" sz="1400" dirty="0">
+                <a:solidFill>
+                  <a:schemeClr val="dk1"/>
+                </a:solidFill>
+                <a:latin typeface="Segoe UI" panose="020B0502040204020203" pitchFamily="34" charset="0"/>
+                <a:cs typeface="Segoe UI" panose="020B0502040204020203" pitchFamily="34" charset="0"/>
+              </a:rPr>
+              <a:t>1. The </a:t>
+            </a:r>
+            <a:r>
+              <a:rPr lang="en-US" sz="1400" dirty="0">
+                <a:latin typeface="Segoe UI" panose="020B0502040204020203" pitchFamily="34" charset="0"/>
+                <a:cs typeface="Segoe UI" panose="020B0502040204020203" pitchFamily="34" charset="0"/>
+              </a:rPr>
+              <a:t>financial</a:t>
+            </a:r>
+            <a:r>
+              <a:rPr lang="en-US" sz="1400" b="1" dirty="0">
+                <a:latin typeface="Segoe UI" panose="020B0502040204020203" pitchFamily="34" charset="0"/>
+                <a:cs typeface="Segoe UI" panose="020B0502040204020203" pitchFamily="34" charset="0"/>
+              </a:rPr>
+              <a:t> value</a:t>
+            </a:r>
+            <a:r>
+              <a:rPr lang="en-US" sz="1400" b="1" dirty="0">
+                <a:solidFill>
+                  <a:schemeClr val="dk1"/>
+                </a:solidFill>
+                <a:latin typeface="Segoe UI" panose="020B0502040204020203" pitchFamily="34" charset="0"/>
+                <a:cs typeface="Segoe UI" panose="020B0502040204020203" pitchFamily="34" charset="0"/>
+              </a:rPr>
+              <a:t> </a:t>
+            </a:r>
+            <a:r>
+              <a:rPr lang="en-US" sz="1400" dirty="0">
+                <a:solidFill>
+                  <a:schemeClr val="dk1"/>
+                </a:solidFill>
+                <a:latin typeface="Segoe UI" panose="020B0502040204020203" pitchFamily="34" charset="0"/>
+                <a:cs typeface="Segoe UI" panose="020B0502040204020203" pitchFamily="34" charset="0"/>
+              </a:rPr>
+              <a:t>of having the features.</a:t>
+            </a:r>
+          </a:p>
+          <a:p>
+            <a:pPr algn="l">
+              <a:lnSpc>
+                <a:spcPct val="100000"/>
+              </a:lnSpc>
+              <a:spcBef>
+                <a:spcPts val="0"/>
+              </a:spcBef>
+              <a:buSzPts val="1800"/>
+            </a:pPr>
+            <a:endParaRPr lang="en-US" sz="1400" dirty="0">
+              <a:solidFill>
+                <a:schemeClr val="dk1"/>
+              </a:solidFill>
+              <a:latin typeface="Segoe UI" panose="020B0502040204020203" pitchFamily="34" charset="0"/>
+              <a:cs typeface="Segoe UI" panose="020B0502040204020203" pitchFamily="34" charset="0"/>
+            </a:endParaRPr>
+          </a:p>
+          <a:p>
+            <a:pPr algn="l">
+              <a:lnSpc>
+                <a:spcPct val="100000"/>
+              </a:lnSpc>
+              <a:spcBef>
+                <a:spcPts val="0"/>
+              </a:spcBef>
+              <a:buSzPts val="1800"/>
+            </a:pPr>
+            <a:endParaRPr lang="en-US" sz="1400" dirty="0">
+              <a:solidFill>
+                <a:schemeClr val="dk1"/>
+              </a:solidFill>
+              <a:latin typeface="Segoe UI" panose="020B0502040204020203" pitchFamily="34" charset="0"/>
+              <a:cs typeface="Segoe UI" panose="020B0502040204020203" pitchFamily="34" charset="0"/>
+            </a:endParaRPr>
+          </a:p>
+          <a:p>
+            <a:pPr algn="l">
+              <a:lnSpc>
+                <a:spcPct val="100000"/>
+              </a:lnSpc>
+              <a:spcBef>
+                <a:spcPts val="0"/>
+              </a:spcBef>
+              <a:buSzPts val="1800"/>
+            </a:pPr>
+            <a:endParaRPr lang="en-US" sz="1400" dirty="0">
+              <a:solidFill>
+                <a:schemeClr val="dk1"/>
+              </a:solidFill>
+              <a:latin typeface="Segoe UI" panose="020B0502040204020203" pitchFamily="34" charset="0"/>
+              <a:cs typeface="Segoe UI" panose="020B0502040204020203" pitchFamily="34" charset="0"/>
+            </a:endParaRPr>
+          </a:p>
+          <a:p>
+            <a:pPr algn="l">
+              <a:lnSpc>
+                <a:spcPct val="100000"/>
+              </a:lnSpc>
+              <a:spcBef>
+                <a:spcPts val="0"/>
+              </a:spcBef>
+              <a:buSzPts val="1800"/>
+            </a:pPr>
+            <a:endParaRPr lang="en-US" sz="1400" dirty="0">
+              <a:solidFill>
+                <a:schemeClr val="dk1"/>
+              </a:solidFill>
+              <a:latin typeface="Segoe UI" panose="020B0502040204020203" pitchFamily="34" charset="0"/>
+              <a:cs typeface="Segoe UI" panose="020B0502040204020203" pitchFamily="34" charset="0"/>
+            </a:endParaRPr>
+          </a:p>
+          <a:p>
+            <a:pPr algn="l">
+              <a:lnSpc>
+                <a:spcPct val="100000"/>
+              </a:lnSpc>
+              <a:spcBef>
+                <a:spcPts val="0"/>
+              </a:spcBef>
+              <a:buSzPts val="1800"/>
+            </a:pPr>
+            <a:endParaRPr lang="en-US" sz="1400" dirty="0">
+              <a:solidFill>
+                <a:schemeClr val="dk1"/>
+              </a:solidFill>
+              <a:latin typeface="Segoe UI" panose="020B0502040204020203" pitchFamily="34" charset="0"/>
+              <a:cs typeface="Segoe UI" panose="020B0502040204020203" pitchFamily="34" charset="0"/>
+            </a:endParaRPr>
+          </a:p>
+          <a:p>
+            <a:pPr algn="l">
+              <a:lnSpc>
+                <a:spcPct val="100000"/>
+              </a:lnSpc>
+              <a:spcBef>
+                <a:spcPts val="0"/>
+              </a:spcBef>
+              <a:buSzPts val="1800"/>
+            </a:pPr>
+            <a:r>
+              <a:rPr lang="en-US" sz="1400" dirty="0">
+                <a:solidFill>
+                  <a:schemeClr val="dk1"/>
+                </a:solidFill>
+                <a:latin typeface="Segoe UI" panose="020B0502040204020203" pitchFamily="34" charset="0"/>
+                <a:cs typeface="Segoe UI" panose="020B0502040204020203" pitchFamily="34" charset="0"/>
+              </a:rPr>
+              <a:t>2. The </a:t>
+            </a:r>
+            <a:r>
+              <a:rPr lang="en-US" sz="1400" b="1" dirty="0">
+                <a:solidFill>
+                  <a:schemeClr val="dk1"/>
+                </a:solidFill>
+                <a:latin typeface="Segoe UI" panose="020B0502040204020203" pitchFamily="34" charset="0"/>
+                <a:cs typeface="Segoe UI" panose="020B0502040204020203" pitchFamily="34" charset="0"/>
+              </a:rPr>
+              <a:t>cost</a:t>
+            </a:r>
+            <a:r>
+              <a:rPr lang="en-US" sz="1400" dirty="0">
+                <a:solidFill>
+                  <a:schemeClr val="dk1"/>
+                </a:solidFill>
+                <a:latin typeface="Segoe UI" panose="020B0502040204020203" pitchFamily="34" charset="0"/>
+                <a:cs typeface="Segoe UI" panose="020B0502040204020203" pitchFamily="34" charset="0"/>
+              </a:rPr>
+              <a:t> of developing (and perhaps supporting) the new features.</a:t>
+            </a:r>
+          </a:p>
+          <a:p>
+            <a:pPr algn="l">
+              <a:lnSpc>
+                <a:spcPct val="100000"/>
+              </a:lnSpc>
+              <a:spcBef>
+                <a:spcPts val="0"/>
+              </a:spcBef>
+              <a:buSzPts val="1800"/>
+            </a:pPr>
+            <a:endParaRPr lang="en-US" sz="1400" dirty="0">
+              <a:solidFill>
+                <a:schemeClr val="dk1"/>
+              </a:solidFill>
+              <a:latin typeface="Segoe UI" panose="020B0502040204020203" pitchFamily="34" charset="0"/>
+              <a:cs typeface="Segoe UI" panose="020B0502040204020203" pitchFamily="34" charset="0"/>
+            </a:endParaRPr>
+          </a:p>
+          <a:p>
+            <a:pPr algn="l">
+              <a:lnSpc>
+                <a:spcPct val="100000"/>
+              </a:lnSpc>
+              <a:spcBef>
+                <a:spcPts val="0"/>
+              </a:spcBef>
+              <a:buSzPts val="1800"/>
+            </a:pPr>
+            <a:endParaRPr lang="en-US" sz="1400" dirty="0">
+              <a:solidFill>
+                <a:schemeClr val="dk1"/>
+              </a:solidFill>
+              <a:latin typeface="Segoe UI" panose="020B0502040204020203" pitchFamily="34" charset="0"/>
+              <a:cs typeface="Segoe UI" panose="020B0502040204020203" pitchFamily="34" charset="0"/>
+            </a:endParaRPr>
+          </a:p>
+          <a:p>
+            <a:pPr algn="l">
+              <a:lnSpc>
+                <a:spcPct val="100000"/>
+              </a:lnSpc>
+              <a:spcBef>
+                <a:spcPts val="0"/>
+              </a:spcBef>
+              <a:buSzPts val="1800"/>
+            </a:pPr>
+            <a:endParaRPr lang="en-US" sz="1400" dirty="0">
+              <a:solidFill>
+                <a:schemeClr val="dk1"/>
+              </a:solidFill>
+              <a:latin typeface="Segoe UI" panose="020B0502040204020203" pitchFamily="34" charset="0"/>
+              <a:cs typeface="Segoe UI" panose="020B0502040204020203" pitchFamily="34" charset="0"/>
+            </a:endParaRPr>
+          </a:p>
+          <a:p>
+            <a:pPr algn="l">
+              <a:lnSpc>
+                <a:spcPct val="100000"/>
+              </a:lnSpc>
+              <a:spcBef>
+                <a:spcPts val="0"/>
+              </a:spcBef>
+              <a:buSzPts val="1800"/>
+            </a:pPr>
+            <a:endParaRPr lang="en-US" sz="1400" dirty="0">
+              <a:solidFill>
+                <a:schemeClr val="dk1"/>
+              </a:solidFill>
+              <a:latin typeface="Segoe UI" panose="020B0502040204020203" pitchFamily="34" charset="0"/>
+              <a:cs typeface="Segoe UI" panose="020B0502040204020203" pitchFamily="34" charset="0"/>
+            </a:endParaRPr>
+          </a:p>
+          <a:p>
+            <a:pPr algn="l">
+              <a:lnSpc>
+                <a:spcPct val="100000"/>
+              </a:lnSpc>
+              <a:spcBef>
+                <a:spcPts val="0"/>
+              </a:spcBef>
+              <a:buSzPts val="1800"/>
+            </a:pPr>
+            <a:endParaRPr lang="en-US" sz="1400" dirty="0">
+              <a:solidFill>
+                <a:schemeClr val="dk1"/>
+              </a:solidFill>
+              <a:latin typeface="Segoe UI" panose="020B0502040204020203" pitchFamily="34" charset="0"/>
+              <a:cs typeface="Segoe UI" panose="020B0502040204020203" pitchFamily="34" charset="0"/>
+            </a:endParaRPr>
+          </a:p>
+          <a:p>
+            <a:pPr algn="l">
+              <a:lnSpc>
+                <a:spcPct val="100000"/>
+              </a:lnSpc>
+              <a:spcBef>
+                <a:spcPts val="0"/>
+              </a:spcBef>
+              <a:buSzPts val="1800"/>
+            </a:pPr>
+            <a:r>
+              <a:rPr lang="en-US" sz="1400" dirty="0">
+                <a:solidFill>
+                  <a:schemeClr val="dk1"/>
+                </a:solidFill>
+                <a:latin typeface="Segoe UI" panose="020B0502040204020203" pitchFamily="34" charset="0"/>
+                <a:cs typeface="Segoe UI" panose="020B0502040204020203" pitchFamily="34" charset="0"/>
+              </a:rPr>
+              <a:t>3. The amount and significance of learning and </a:t>
+            </a:r>
+            <a:r>
+              <a:rPr lang="en-US" sz="1400" b="1" dirty="0">
+                <a:solidFill>
+                  <a:schemeClr val="dk1"/>
+                </a:solidFill>
+                <a:latin typeface="Segoe UI" panose="020B0502040204020203" pitchFamily="34" charset="0"/>
+                <a:cs typeface="Segoe UI" panose="020B0502040204020203" pitchFamily="34" charset="0"/>
+              </a:rPr>
+              <a:t>new knowledge </a:t>
+            </a:r>
+            <a:r>
+              <a:rPr lang="en-US" sz="1400" dirty="0">
+                <a:solidFill>
+                  <a:schemeClr val="dk1"/>
+                </a:solidFill>
+                <a:latin typeface="Segoe UI" panose="020B0502040204020203" pitchFamily="34" charset="0"/>
+                <a:cs typeface="Segoe UI" panose="020B0502040204020203" pitchFamily="34" charset="0"/>
+              </a:rPr>
+              <a:t>created by developing the features.</a:t>
+            </a:r>
+          </a:p>
+          <a:p>
+            <a:pPr algn="l">
+              <a:lnSpc>
+                <a:spcPct val="100000"/>
+              </a:lnSpc>
+              <a:spcBef>
+                <a:spcPts val="0"/>
+              </a:spcBef>
+              <a:buSzPts val="1800"/>
+            </a:pPr>
+            <a:endParaRPr lang="en-US" sz="1400" dirty="0">
+              <a:solidFill>
+                <a:schemeClr val="dk1"/>
+              </a:solidFill>
+              <a:latin typeface="Segoe UI" panose="020B0502040204020203" pitchFamily="34" charset="0"/>
+              <a:cs typeface="Segoe UI" panose="020B0502040204020203" pitchFamily="34" charset="0"/>
+            </a:endParaRPr>
+          </a:p>
+          <a:p>
+            <a:pPr algn="l">
+              <a:lnSpc>
+                <a:spcPct val="100000"/>
+              </a:lnSpc>
+              <a:spcBef>
+                <a:spcPts val="0"/>
+              </a:spcBef>
+              <a:buSzPts val="1800"/>
+            </a:pPr>
+            <a:endParaRPr lang="en-US" sz="1400" dirty="0">
+              <a:solidFill>
+                <a:schemeClr val="dk1"/>
+              </a:solidFill>
+              <a:latin typeface="Segoe UI" panose="020B0502040204020203" pitchFamily="34" charset="0"/>
+              <a:cs typeface="Segoe UI" panose="020B0502040204020203" pitchFamily="34" charset="0"/>
+            </a:endParaRPr>
+          </a:p>
+          <a:p>
+            <a:pPr algn="l">
+              <a:lnSpc>
+                <a:spcPct val="100000"/>
+              </a:lnSpc>
+              <a:spcBef>
+                <a:spcPts val="0"/>
+              </a:spcBef>
+              <a:buSzPts val="1800"/>
+            </a:pPr>
+            <a:endParaRPr lang="en-US" sz="1400" dirty="0">
+              <a:solidFill>
+                <a:schemeClr val="dk1"/>
+              </a:solidFill>
+              <a:latin typeface="Segoe UI" panose="020B0502040204020203" pitchFamily="34" charset="0"/>
+              <a:cs typeface="Segoe UI" panose="020B0502040204020203" pitchFamily="34" charset="0"/>
+            </a:endParaRPr>
+          </a:p>
+          <a:p>
+            <a:pPr algn="l">
+              <a:lnSpc>
+                <a:spcPct val="100000"/>
+              </a:lnSpc>
+              <a:spcBef>
+                <a:spcPts val="0"/>
+              </a:spcBef>
+              <a:buSzPts val="1800"/>
+            </a:pPr>
+            <a:endParaRPr lang="en-US" sz="1400" dirty="0">
+              <a:solidFill>
+                <a:schemeClr val="dk1"/>
+              </a:solidFill>
+              <a:latin typeface="Segoe UI" panose="020B0502040204020203" pitchFamily="34" charset="0"/>
+              <a:cs typeface="Segoe UI" panose="020B0502040204020203" pitchFamily="34" charset="0"/>
+            </a:endParaRPr>
+          </a:p>
+          <a:p>
+            <a:pPr algn="l">
+              <a:lnSpc>
+                <a:spcPct val="100000"/>
+              </a:lnSpc>
+              <a:spcBef>
+                <a:spcPts val="0"/>
+              </a:spcBef>
+              <a:buSzPts val="1800"/>
+            </a:pPr>
+            <a:endParaRPr lang="en-US" sz="1400" dirty="0">
+              <a:solidFill>
+                <a:schemeClr val="dk1"/>
+              </a:solidFill>
+              <a:latin typeface="Segoe UI" panose="020B0502040204020203" pitchFamily="34" charset="0"/>
+              <a:cs typeface="Segoe UI" panose="020B0502040204020203" pitchFamily="34" charset="0"/>
+            </a:endParaRPr>
+          </a:p>
+          <a:p>
+            <a:pPr algn="l">
+              <a:lnSpc>
+                <a:spcPct val="100000"/>
+              </a:lnSpc>
+              <a:spcBef>
+                <a:spcPts val="0"/>
+              </a:spcBef>
+              <a:buSzPts val="1800"/>
+            </a:pPr>
+            <a:r>
+              <a:rPr lang="en-US" sz="1400" dirty="0">
+                <a:solidFill>
+                  <a:schemeClr val="dk1"/>
+                </a:solidFill>
+                <a:latin typeface="Segoe UI" panose="020B0502040204020203" pitchFamily="34" charset="0"/>
+                <a:cs typeface="Segoe UI" panose="020B0502040204020203" pitchFamily="34" charset="0"/>
+              </a:rPr>
+              <a:t>4. The amount of </a:t>
+            </a:r>
+            <a:r>
+              <a:rPr lang="en-US" sz="1400" b="1" dirty="0">
+                <a:solidFill>
+                  <a:schemeClr val="dk1"/>
+                </a:solidFill>
+                <a:latin typeface="Segoe UI" panose="020B0502040204020203" pitchFamily="34" charset="0"/>
+                <a:cs typeface="Segoe UI" panose="020B0502040204020203" pitchFamily="34" charset="0"/>
+              </a:rPr>
+              <a:t>risk</a:t>
+            </a:r>
+            <a:r>
+              <a:rPr lang="en-US" sz="1400" dirty="0">
+                <a:solidFill>
+                  <a:schemeClr val="dk1"/>
+                </a:solidFill>
+                <a:latin typeface="Segoe UI" panose="020B0502040204020203" pitchFamily="34" charset="0"/>
+                <a:cs typeface="Segoe UI" panose="020B0502040204020203" pitchFamily="34" charset="0"/>
+              </a:rPr>
+              <a:t> removed by developing the features.</a:t>
+            </a:r>
+          </a:p>
+          <a:p>
+            <a:pPr algn="l">
+              <a:lnSpc>
+                <a:spcPct val="100000"/>
+              </a:lnSpc>
+              <a:spcBef>
+                <a:spcPts val="0"/>
+              </a:spcBef>
+              <a:buSzPts val="1800"/>
+            </a:pPr>
+            <a:endParaRPr lang="en-US" sz="1400" dirty="0">
+              <a:solidFill>
+                <a:schemeClr val="dk1"/>
+              </a:solidFill>
+              <a:latin typeface="Segoe UI" panose="020B0502040204020203" pitchFamily="34" charset="0"/>
+              <a:cs typeface="Segoe UI" panose="020B0502040204020203" pitchFamily="34" charset="0"/>
+            </a:endParaRPr>
+          </a:p>
+          <a:p>
+            <a:pPr algn="l">
+              <a:lnSpc>
+                <a:spcPct val="100000"/>
+              </a:lnSpc>
+              <a:spcBef>
+                <a:spcPts val="0"/>
+              </a:spcBef>
+              <a:buSzPts val="1800"/>
+            </a:pPr>
+            <a:endParaRPr lang="en-US" sz="1400" dirty="0">
+              <a:solidFill>
+                <a:schemeClr val="dk1"/>
+              </a:solidFill>
+              <a:latin typeface="Segoe UI" panose="020B0502040204020203" pitchFamily="34" charset="0"/>
+              <a:cs typeface="Segoe UI" panose="020B0502040204020203" pitchFamily="34" charset="0"/>
+            </a:endParaRPr>
+          </a:p>
+        </p:txBody>
+      </p:sp>
+      <p:grpSp>
+        <p:nvGrpSpPr>
+          <p:cNvPr id="17" name="Group 16">
+            <a:extLst>
+              <a:ext uri="{FF2B5EF4-FFF2-40B4-BE49-F238E27FC236}">
+                <a16:creationId xmlns:a16="http://schemas.microsoft.com/office/drawing/2014/main" id="{36A7DE6B-F211-664F-C835-0C1D92059707}"/>
+              </a:ext>
+            </a:extLst>
+          </p:cNvPr>
+          <p:cNvGrpSpPr/>
+          <p:nvPr/>
+        </p:nvGrpSpPr>
+        <p:grpSpPr>
+          <a:xfrm>
+            <a:off x="546100" y="1488786"/>
+            <a:ext cx="9196985" cy="914400"/>
+            <a:chOff x="967317" y="1488786"/>
+            <a:chExt cx="9196985" cy="914400"/>
+          </a:xfrm>
+        </p:grpSpPr>
+        <p:pic>
+          <p:nvPicPr>
+            <p:cNvPr id="7" name="Graphic 6" descr="Diamond">
+              <a:extLst>
+                <a:ext uri="{FF2B5EF4-FFF2-40B4-BE49-F238E27FC236}">
+                  <a16:creationId xmlns:a16="http://schemas.microsoft.com/office/drawing/2014/main" id="{3B668D49-781E-C59B-4D38-C87E19F8196C}"/>
+                </a:ext>
+              </a:extLst>
+            </p:cNvPr>
+            <p:cNvPicPr>
+              <a:picLocks noChangeAspect="1"/>
+            </p:cNvPicPr>
+            <p:nvPr/>
+          </p:nvPicPr>
+          <p:blipFill>
+            <a:blip r:embed="rId2">
+              <a:extLst>
+                <a:ext uri="{28A0092B-C50C-407E-A947-70E740481C1C}">
+                  <a14:useLocalDpi xmlns:a14="http://schemas.microsoft.com/office/drawing/2010/main" val="0"/>
+                </a:ext>
+                <a:ext uri="{96DAC541-7B7A-43D3-8B79-37D633B846F1}">
+                  <asvg:svgBlip xmlns:asvg="http://schemas.microsoft.com/office/drawing/2016/SVG/main" r:embed="rId3"/>
+                </a:ext>
+              </a:extLst>
+            </a:blip>
+            <a:stretch>
+              <a:fillRect/>
+            </a:stretch>
+          </p:blipFill>
+          <p:spPr>
+            <a:xfrm>
+              <a:off x="967317" y="1488786"/>
+              <a:ext cx="914400" cy="914400"/>
+            </a:xfrm>
+            <a:prstGeom prst="rect">
+              <a:avLst/>
+            </a:prstGeom>
+          </p:spPr>
+        </p:pic>
+        <p:sp>
+          <p:nvSpPr>
+            <p:cNvPr id="14" name="Google Shape;347;p39">
+              <a:extLst>
+                <a:ext uri="{FF2B5EF4-FFF2-40B4-BE49-F238E27FC236}">
+                  <a16:creationId xmlns:a16="http://schemas.microsoft.com/office/drawing/2014/main" id="{7218953B-89C3-3246-09DA-38C12991AEAD}"/>
+                </a:ext>
+              </a:extLst>
+            </p:cNvPr>
+            <p:cNvSpPr txBox="1">
+              <a:spLocks/>
+            </p:cNvSpPr>
+            <p:nvPr/>
+          </p:nvSpPr>
+          <p:spPr>
+            <a:xfrm>
+              <a:off x="1966383" y="1709464"/>
+              <a:ext cx="8197919" cy="473043"/>
+            </a:xfrm>
+            <a:prstGeom prst="rect">
+              <a:avLst/>
+            </a:prstGeom>
+            <a:noFill/>
+            <a:ln>
+              <a:noFill/>
+            </a:ln>
+          </p:spPr>
+          <p:txBody>
+            <a:bodyPr spcFirstLastPara="1" vert="horz" wrap="square" lIns="91425" tIns="91425" rIns="91425" bIns="91425" rtlCol="0" anchor="t" anchorCtr="0">
+              <a:normAutofit/>
+            </a:bodyPr>
+            <a:lstStyle>
+              <a:lvl1pPr marL="0" indent="0" algn="ctr" defTabSz="914400" rtl="0" eaLnBrk="1" latinLnBrk="0" hangingPunct="1">
+                <a:lnSpc>
+                  <a:spcPct val="90000"/>
+                </a:lnSpc>
+                <a:spcBef>
+                  <a:spcPts val="1000"/>
+                </a:spcBef>
+                <a:buFont typeface="Arial" panose="020B0604020202020204" pitchFamily="34" charset="0"/>
+                <a:buNone/>
+                <a:defRPr sz="2400" kern="1200">
+                  <a:solidFill>
+                    <a:schemeClr val="tx1"/>
+                  </a:solidFill>
+                  <a:latin typeface="+mn-lt"/>
+                  <a:ea typeface="+mn-ea"/>
+                  <a:cs typeface="+mn-cs"/>
+                </a:defRPr>
+              </a:lvl1pPr>
+              <a:lvl2pPr marL="457200" indent="0" algn="ctr" defTabSz="914400" rtl="0" eaLnBrk="1" latinLnBrk="0" hangingPunct="1">
+                <a:lnSpc>
+                  <a:spcPct val="90000"/>
+                </a:lnSpc>
+                <a:spcBef>
+                  <a:spcPts val="500"/>
+                </a:spcBef>
+                <a:buFont typeface="Arial" panose="020B0604020202020204" pitchFamily="34" charset="0"/>
+                <a:buNone/>
+                <a:defRPr sz="2000" kern="1200">
+                  <a:solidFill>
+                    <a:schemeClr val="tx1"/>
+                  </a:solidFill>
+                  <a:latin typeface="+mn-lt"/>
+                  <a:ea typeface="+mn-ea"/>
+                  <a:cs typeface="+mn-cs"/>
+                </a:defRPr>
+              </a:lvl2pPr>
+              <a:lvl3pPr marL="914400" indent="0" algn="ctr" defTabSz="914400" rtl="0" eaLnBrk="1" latinLnBrk="0" hangingPunct="1">
+                <a:lnSpc>
+                  <a:spcPct val="90000"/>
+                </a:lnSpc>
+                <a:spcBef>
+                  <a:spcPts val="500"/>
+                </a:spcBef>
+                <a:buFont typeface="Arial" panose="020B0604020202020204" pitchFamily="34" charset="0"/>
+                <a:buNone/>
+                <a:defRPr sz="1800" kern="1200">
+                  <a:solidFill>
+                    <a:schemeClr val="tx1"/>
+                  </a:solidFill>
+                  <a:latin typeface="+mn-lt"/>
+                  <a:ea typeface="+mn-ea"/>
+                  <a:cs typeface="+mn-cs"/>
+                </a:defRPr>
+              </a:lvl3pPr>
+              <a:lvl4pPr marL="1371600" indent="0" algn="ctr" defTabSz="914400" rtl="0" eaLnBrk="1" latinLnBrk="0" hangingPunct="1">
+                <a:lnSpc>
+                  <a:spcPct val="90000"/>
+                </a:lnSpc>
+                <a:spcBef>
+                  <a:spcPts val="500"/>
+                </a:spcBef>
+                <a:buFont typeface="Arial" panose="020B0604020202020204" pitchFamily="34" charset="0"/>
+                <a:buNone/>
+                <a:defRPr sz="1600" kern="1200">
+                  <a:solidFill>
+                    <a:schemeClr val="tx1"/>
+                  </a:solidFill>
+                  <a:latin typeface="+mn-lt"/>
+                  <a:ea typeface="+mn-ea"/>
+                  <a:cs typeface="+mn-cs"/>
+                </a:defRPr>
+              </a:lvl4pPr>
+              <a:lvl5pPr marL="1828800" indent="0" algn="ctr" defTabSz="914400" rtl="0" eaLnBrk="1" latinLnBrk="0" hangingPunct="1">
+                <a:lnSpc>
+                  <a:spcPct val="90000"/>
+                </a:lnSpc>
+                <a:spcBef>
+                  <a:spcPts val="500"/>
+                </a:spcBef>
+                <a:buFont typeface="Arial" panose="020B0604020202020204" pitchFamily="34" charset="0"/>
+                <a:buNone/>
+                <a:defRPr sz="1600" kern="1200">
+                  <a:solidFill>
+                    <a:schemeClr val="tx1"/>
+                  </a:solidFill>
+                  <a:latin typeface="+mn-lt"/>
+                  <a:ea typeface="+mn-ea"/>
+                  <a:cs typeface="+mn-cs"/>
+                </a:defRPr>
+              </a:lvl5pPr>
+              <a:lvl6pPr marL="2286000" indent="0" algn="ctr" defTabSz="914400" rtl="0" eaLnBrk="1" latinLnBrk="0" hangingPunct="1">
+                <a:lnSpc>
+                  <a:spcPct val="90000"/>
+                </a:lnSpc>
+                <a:spcBef>
+                  <a:spcPts val="500"/>
+                </a:spcBef>
+                <a:buFont typeface="Arial" panose="020B0604020202020204" pitchFamily="34" charset="0"/>
+                <a:buNone/>
+                <a:defRPr sz="1600" kern="1200">
+                  <a:solidFill>
+                    <a:schemeClr val="tx1"/>
+                  </a:solidFill>
+                  <a:latin typeface="+mn-lt"/>
+                  <a:ea typeface="+mn-ea"/>
+                  <a:cs typeface="+mn-cs"/>
+                </a:defRPr>
+              </a:lvl6pPr>
+              <a:lvl7pPr marL="2743200" indent="0" algn="ctr" defTabSz="914400" rtl="0" eaLnBrk="1" latinLnBrk="0" hangingPunct="1">
+                <a:lnSpc>
+                  <a:spcPct val="90000"/>
+                </a:lnSpc>
+                <a:spcBef>
+                  <a:spcPts val="500"/>
+                </a:spcBef>
+                <a:buFont typeface="Arial" panose="020B0604020202020204" pitchFamily="34" charset="0"/>
+                <a:buNone/>
+                <a:defRPr sz="1600" kern="1200">
+                  <a:solidFill>
+                    <a:schemeClr val="tx1"/>
+                  </a:solidFill>
+                  <a:latin typeface="+mn-lt"/>
+                  <a:ea typeface="+mn-ea"/>
+                  <a:cs typeface="+mn-cs"/>
+                </a:defRPr>
+              </a:lvl7pPr>
+              <a:lvl8pPr marL="3200400" indent="0" algn="ctr" defTabSz="914400" rtl="0" eaLnBrk="1" latinLnBrk="0" hangingPunct="1">
+                <a:lnSpc>
+                  <a:spcPct val="90000"/>
+                </a:lnSpc>
+                <a:spcBef>
+                  <a:spcPts val="500"/>
+                </a:spcBef>
+                <a:buFont typeface="Arial" panose="020B0604020202020204" pitchFamily="34" charset="0"/>
+                <a:buNone/>
+                <a:defRPr sz="1600" kern="1200">
+                  <a:solidFill>
+                    <a:schemeClr val="tx1"/>
+                  </a:solidFill>
+                  <a:latin typeface="+mn-lt"/>
+                  <a:ea typeface="+mn-ea"/>
+                  <a:cs typeface="+mn-cs"/>
+                </a:defRPr>
+              </a:lvl8pPr>
+              <a:lvl9pPr marL="3657600" indent="0" algn="ctr" defTabSz="914400" rtl="0" eaLnBrk="1" latinLnBrk="0" hangingPunct="1">
+                <a:lnSpc>
+                  <a:spcPct val="90000"/>
+                </a:lnSpc>
+                <a:spcBef>
+                  <a:spcPts val="500"/>
+                </a:spcBef>
+                <a:buFont typeface="Arial" panose="020B0604020202020204" pitchFamily="34" charset="0"/>
+                <a:buNone/>
+                <a:defRPr sz="1600" kern="1200">
+                  <a:solidFill>
+                    <a:schemeClr val="tx1"/>
+                  </a:solidFill>
+                  <a:latin typeface="+mn-lt"/>
+                  <a:ea typeface="+mn-ea"/>
+                  <a:cs typeface="+mn-cs"/>
+                </a:defRPr>
+              </a:lvl9pPr>
+            </a:lstStyle>
+            <a:p>
+              <a:pPr algn="l">
+                <a:lnSpc>
+                  <a:spcPct val="100000"/>
+                </a:lnSpc>
+                <a:spcBef>
+                  <a:spcPts val="0"/>
+                </a:spcBef>
+                <a:buSzPts val="1800"/>
+              </a:pPr>
+              <a:r>
+                <a:rPr lang="en-US" sz="1400" dirty="0">
+                  <a:ln w="3175">
+                    <a:noFill/>
+                  </a:ln>
+                  <a:solidFill>
+                    <a:srgbClr val="DAA600"/>
+                  </a:solidFill>
+                  <a:latin typeface="Segoe UI" panose="020B0502040204020203" pitchFamily="34" charset="0"/>
+                  <a:cs typeface="Segoe UI" panose="020B0502040204020203" pitchFamily="34" charset="0"/>
+                </a:rPr>
+                <a:t>The money the organization will make or save by having the new features included in the theme</a:t>
+              </a:r>
+            </a:p>
+            <a:p>
+              <a:pPr algn="l">
+                <a:lnSpc>
+                  <a:spcPct val="100000"/>
+                </a:lnSpc>
+                <a:spcBef>
+                  <a:spcPts val="0"/>
+                </a:spcBef>
+                <a:buSzPts val="1800"/>
+              </a:pPr>
+              <a:endParaRPr lang="en-US" sz="1400" dirty="0">
+                <a:ln w="3175">
+                  <a:noFill/>
+                </a:ln>
+                <a:solidFill>
+                  <a:srgbClr val="DAA600"/>
+                </a:solidFill>
+                <a:latin typeface="Segoe UI" panose="020B0502040204020203" pitchFamily="34" charset="0"/>
+                <a:cs typeface="Segoe UI" panose="020B0502040204020203" pitchFamily="34" charset="0"/>
+              </a:endParaRPr>
+            </a:p>
+          </p:txBody>
+        </p:sp>
+      </p:grpSp>
+      <p:grpSp>
+        <p:nvGrpSpPr>
+          <p:cNvPr id="18" name="Group 17">
+            <a:extLst>
+              <a:ext uri="{FF2B5EF4-FFF2-40B4-BE49-F238E27FC236}">
+                <a16:creationId xmlns:a16="http://schemas.microsoft.com/office/drawing/2014/main" id="{9DFDC1D6-94BE-C2B2-A2B7-F2EEB05862BA}"/>
+              </a:ext>
+            </a:extLst>
+          </p:cNvPr>
+          <p:cNvGrpSpPr/>
+          <p:nvPr/>
+        </p:nvGrpSpPr>
+        <p:grpSpPr>
+          <a:xfrm>
+            <a:off x="546100" y="2735760"/>
+            <a:ext cx="9132054" cy="914400"/>
+            <a:chOff x="1096434" y="2735760"/>
+            <a:chExt cx="9132054" cy="914400"/>
+          </a:xfrm>
+        </p:grpSpPr>
+        <p:pic>
+          <p:nvPicPr>
+            <p:cNvPr id="9" name="Graphic 8" descr="Money">
+              <a:extLst>
+                <a:ext uri="{FF2B5EF4-FFF2-40B4-BE49-F238E27FC236}">
+                  <a16:creationId xmlns:a16="http://schemas.microsoft.com/office/drawing/2014/main" id="{55B57163-1E8A-845F-82C4-61A36BB040CE}"/>
+                </a:ext>
+              </a:extLst>
+            </p:cNvPr>
+            <p:cNvPicPr>
+              <a:picLocks noChangeAspect="1"/>
+            </p:cNvPicPr>
+            <p:nvPr/>
+          </p:nvPicPr>
+          <p:blipFill>
+            <a:blip r:embed="rId4">
+              <a:extLst>
+                <a:ext uri="{28A0092B-C50C-407E-A947-70E740481C1C}">
+                  <a14:useLocalDpi xmlns:a14="http://schemas.microsoft.com/office/drawing/2010/main" val="0"/>
+                </a:ext>
+                <a:ext uri="{96DAC541-7B7A-43D3-8B79-37D633B846F1}">
+                  <asvg:svgBlip xmlns:asvg="http://schemas.microsoft.com/office/drawing/2016/SVG/main" r:embed="rId5"/>
+                </a:ext>
+              </a:extLst>
+            </a:blip>
+            <a:stretch>
+              <a:fillRect/>
+            </a:stretch>
+          </p:blipFill>
+          <p:spPr>
+            <a:xfrm>
+              <a:off x="1096434" y="2735760"/>
+              <a:ext cx="914400" cy="914400"/>
+            </a:xfrm>
+            <a:prstGeom prst="rect">
+              <a:avLst/>
+            </a:prstGeom>
+          </p:spPr>
+        </p:pic>
+        <p:sp>
+          <p:nvSpPr>
+            <p:cNvPr id="16" name="Google Shape;347;p39">
+              <a:extLst>
+                <a:ext uri="{FF2B5EF4-FFF2-40B4-BE49-F238E27FC236}">
+                  <a16:creationId xmlns:a16="http://schemas.microsoft.com/office/drawing/2014/main" id="{3D5EE179-7239-9D0C-A719-3DDBBD0939C8}"/>
+                </a:ext>
+              </a:extLst>
+            </p:cNvPr>
+            <p:cNvSpPr txBox="1">
+              <a:spLocks/>
+            </p:cNvSpPr>
+            <p:nvPr/>
+          </p:nvSpPr>
+          <p:spPr>
+            <a:xfrm>
+              <a:off x="2030569" y="3014822"/>
+              <a:ext cx="8197919" cy="473043"/>
+            </a:xfrm>
+            <a:prstGeom prst="rect">
+              <a:avLst/>
+            </a:prstGeom>
+            <a:noFill/>
+            <a:ln>
+              <a:noFill/>
+            </a:ln>
+          </p:spPr>
+          <p:txBody>
+            <a:bodyPr spcFirstLastPara="1" vert="horz" wrap="square" lIns="91425" tIns="91425" rIns="91425" bIns="91425" rtlCol="0" anchor="t" anchorCtr="0">
+              <a:normAutofit/>
+            </a:bodyPr>
+            <a:lstStyle>
+              <a:lvl1pPr marL="0" indent="0" algn="ctr" defTabSz="914400" rtl="0" eaLnBrk="1" latinLnBrk="0" hangingPunct="1">
+                <a:lnSpc>
+                  <a:spcPct val="90000"/>
+                </a:lnSpc>
+                <a:spcBef>
+                  <a:spcPts val="1000"/>
+                </a:spcBef>
+                <a:buFont typeface="Arial" panose="020B0604020202020204" pitchFamily="34" charset="0"/>
+                <a:buNone/>
+                <a:defRPr sz="2400" kern="1200">
+                  <a:solidFill>
+                    <a:schemeClr val="tx1"/>
+                  </a:solidFill>
+                  <a:latin typeface="+mn-lt"/>
+                  <a:ea typeface="+mn-ea"/>
+                  <a:cs typeface="+mn-cs"/>
+                </a:defRPr>
+              </a:lvl1pPr>
+              <a:lvl2pPr marL="457200" indent="0" algn="ctr" defTabSz="914400" rtl="0" eaLnBrk="1" latinLnBrk="0" hangingPunct="1">
+                <a:lnSpc>
+                  <a:spcPct val="90000"/>
+                </a:lnSpc>
+                <a:spcBef>
+                  <a:spcPts val="500"/>
+                </a:spcBef>
+                <a:buFont typeface="Arial" panose="020B0604020202020204" pitchFamily="34" charset="0"/>
+                <a:buNone/>
+                <a:defRPr sz="2000" kern="1200">
+                  <a:solidFill>
+                    <a:schemeClr val="tx1"/>
+                  </a:solidFill>
+                  <a:latin typeface="+mn-lt"/>
+                  <a:ea typeface="+mn-ea"/>
+                  <a:cs typeface="+mn-cs"/>
+                </a:defRPr>
+              </a:lvl2pPr>
+              <a:lvl3pPr marL="914400" indent="0" algn="ctr" defTabSz="914400" rtl="0" eaLnBrk="1" latinLnBrk="0" hangingPunct="1">
+                <a:lnSpc>
+                  <a:spcPct val="90000"/>
+                </a:lnSpc>
+                <a:spcBef>
+                  <a:spcPts val="500"/>
+                </a:spcBef>
+                <a:buFont typeface="Arial" panose="020B0604020202020204" pitchFamily="34" charset="0"/>
+                <a:buNone/>
+                <a:defRPr sz="1800" kern="1200">
+                  <a:solidFill>
+                    <a:schemeClr val="tx1"/>
+                  </a:solidFill>
+                  <a:latin typeface="+mn-lt"/>
+                  <a:ea typeface="+mn-ea"/>
+                  <a:cs typeface="+mn-cs"/>
+                </a:defRPr>
+              </a:lvl3pPr>
+              <a:lvl4pPr marL="1371600" indent="0" algn="ctr" defTabSz="914400" rtl="0" eaLnBrk="1" latinLnBrk="0" hangingPunct="1">
+                <a:lnSpc>
+                  <a:spcPct val="90000"/>
+                </a:lnSpc>
+                <a:spcBef>
+                  <a:spcPts val="500"/>
+                </a:spcBef>
+                <a:buFont typeface="Arial" panose="020B0604020202020204" pitchFamily="34" charset="0"/>
+                <a:buNone/>
+                <a:defRPr sz="1600" kern="1200">
+                  <a:solidFill>
+                    <a:schemeClr val="tx1"/>
+                  </a:solidFill>
+                  <a:latin typeface="+mn-lt"/>
+                  <a:ea typeface="+mn-ea"/>
+                  <a:cs typeface="+mn-cs"/>
+                </a:defRPr>
+              </a:lvl4pPr>
+              <a:lvl5pPr marL="1828800" indent="0" algn="ctr" defTabSz="914400" rtl="0" eaLnBrk="1" latinLnBrk="0" hangingPunct="1">
+                <a:lnSpc>
+                  <a:spcPct val="90000"/>
+                </a:lnSpc>
+                <a:spcBef>
+                  <a:spcPts val="500"/>
+                </a:spcBef>
+                <a:buFont typeface="Arial" panose="020B0604020202020204" pitchFamily="34" charset="0"/>
+                <a:buNone/>
+                <a:defRPr sz="1600" kern="1200">
+                  <a:solidFill>
+                    <a:schemeClr val="tx1"/>
+                  </a:solidFill>
+                  <a:latin typeface="+mn-lt"/>
+                  <a:ea typeface="+mn-ea"/>
+                  <a:cs typeface="+mn-cs"/>
+                </a:defRPr>
+              </a:lvl5pPr>
+              <a:lvl6pPr marL="2286000" indent="0" algn="ctr" defTabSz="914400" rtl="0" eaLnBrk="1" latinLnBrk="0" hangingPunct="1">
+                <a:lnSpc>
+                  <a:spcPct val="90000"/>
+                </a:lnSpc>
+                <a:spcBef>
+                  <a:spcPts val="500"/>
+                </a:spcBef>
+                <a:buFont typeface="Arial" panose="020B0604020202020204" pitchFamily="34" charset="0"/>
+                <a:buNone/>
+                <a:defRPr sz="1600" kern="1200">
+                  <a:solidFill>
+                    <a:schemeClr val="tx1"/>
+                  </a:solidFill>
+                  <a:latin typeface="+mn-lt"/>
+                  <a:ea typeface="+mn-ea"/>
+                  <a:cs typeface="+mn-cs"/>
+                </a:defRPr>
+              </a:lvl6pPr>
+              <a:lvl7pPr marL="2743200" indent="0" algn="ctr" defTabSz="914400" rtl="0" eaLnBrk="1" latinLnBrk="0" hangingPunct="1">
+                <a:lnSpc>
+                  <a:spcPct val="90000"/>
+                </a:lnSpc>
+                <a:spcBef>
+                  <a:spcPts val="500"/>
+                </a:spcBef>
+                <a:buFont typeface="Arial" panose="020B0604020202020204" pitchFamily="34" charset="0"/>
+                <a:buNone/>
+                <a:defRPr sz="1600" kern="1200">
+                  <a:solidFill>
+                    <a:schemeClr val="tx1"/>
+                  </a:solidFill>
+                  <a:latin typeface="+mn-lt"/>
+                  <a:ea typeface="+mn-ea"/>
+                  <a:cs typeface="+mn-cs"/>
+                </a:defRPr>
+              </a:lvl7pPr>
+              <a:lvl8pPr marL="3200400" indent="0" algn="ctr" defTabSz="914400" rtl="0" eaLnBrk="1" latinLnBrk="0" hangingPunct="1">
+                <a:lnSpc>
+                  <a:spcPct val="90000"/>
+                </a:lnSpc>
+                <a:spcBef>
+                  <a:spcPts val="500"/>
+                </a:spcBef>
+                <a:buFont typeface="Arial" panose="020B0604020202020204" pitchFamily="34" charset="0"/>
+                <a:buNone/>
+                <a:defRPr sz="1600" kern="1200">
+                  <a:solidFill>
+                    <a:schemeClr val="tx1"/>
+                  </a:solidFill>
+                  <a:latin typeface="+mn-lt"/>
+                  <a:ea typeface="+mn-ea"/>
+                  <a:cs typeface="+mn-cs"/>
+                </a:defRPr>
+              </a:lvl8pPr>
+              <a:lvl9pPr marL="3657600" indent="0" algn="ctr" defTabSz="914400" rtl="0" eaLnBrk="1" latinLnBrk="0" hangingPunct="1">
+                <a:lnSpc>
+                  <a:spcPct val="90000"/>
+                </a:lnSpc>
+                <a:spcBef>
+                  <a:spcPts val="500"/>
+                </a:spcBef>
+                <a:buFont typeface="Arial" panose="020B0604020202020204" pitchFamily="34" charset="0"/>
+                <a:buNone/>
+                <a:defRPr sz="1600" kern="1200">
+                  <a:solidFill>
+                    <a:schemeClr val="tx1"/>
+                  </a:solidFill>
+                  <a:latin typeface="+mn-lt"/>
+                  <a:ea typeface="+mn-ea"/>
+                  <a:cs typeface="+mn-cs"/>
+                </a:defRPr>
+              </a:lvl9pPr>
+            </a:lstStyle>
+            <a:p>
+              <a:pPr algn="l">
+                <a:lnSpc>
+                  <a:spcPct val="100000"/>
+                </a:lnSpc>
+                <a:spcBef>
+                  <a:spcPts val="0"/>
+                </a:spcBef>
+                <a:buSzPts val="1800"/>
+              </a:pPr>
+              <a:r>
+                <a:rPr lang="en-US" sz="1400" dirty="0">
+                  <a:solidFill>
+                    <a:srgbClr val="C00000"/>
+                  </a:solidFill>
+                  <a:latin typeface="Segoe UI" panose="020B0502040204020203" pitchFamily="34" charset="0"/>
+                  <a:cs typeface="Segoe UI" panose="020B0502040204020203" pitchFamily="34" charset="0"/>
+                </a:rPr>
+                <a:t>The money the organization will spend by having the new features included in the theme</a:t>
+              </a:r>
+            </a:p>
+            <a:p>
+              <a:pPr algn="l">
+                <a:lnSpc>
+                  <a:spcPct val="100000"/>
+                </a:lnSpc>
+                <a:spcBef>
+                  <a:spcPts val="0"/>
+                </a:spcBef>
+                <a:buSzPts val="1800"/>
+              </a:pPr>
+              <a:endParaRPr lang="en-US" sz="1400" dirty="0">
+                <a:solidFill>
+                  <a:srgbClr val="C00000"/>
+                </a:solidFill>
+                <a:latin typeface="Segoe UI" panose="020B0502040204020203" pitchFamily="34" charset="0"/>
+                <a:cs typeface="Segoe UI" panose="020B0502040204020203" pitchFamily="34" charset="0"/>
+              </a:endParaRPr>
+            </a:p>
+          </p:txBody>
+        </p:sp>
+      </p:grpSp>
+      <p:grpSp>
+        <p:nvGrpSpPr>
+          <p:cNvPr id="20" name="Group 19">
+            <a:extLst>
+              <a:ext uri="{FF2B5EF4-FFF2-40B4-BE49-F238E27FC236}">
+                <a16:creationId xmlns:a16="http://schemas.microsoft.com/office/drawing/2014/main" id="{6346F88B-D167-6BAA-15C1-CB4C13744B6C}"/>
+              </a:ext>
+            </a:extLst>
+          </p:cNvPr>
+          <p:cNvGrpSpPr/>
+          <p:nvPr/>
+        </p:nvGrpSpPr>
+        <p:grpSpPr>
+          <a:xfrm>
+            <a:off x="546100" y="4055405"/>
+            <a:ext cx="4377266" cy="914400"/>
+            <a:chOff x="847146" y="4055405"/>
+            <a:chExt cx="4377266" cy="914400"/>
+          </a:xfrm>
+        </p:grpSpPr>
+        <p:pic>
+          <p:nvPicPr>
+            <p:cNvPr id="11" name="Graphic 10" descr="Lightbulb and gear">
+              <a:extLst>
+                <a:ext uri="{FF2B5EF4-FFF2-40B4-BE49-F238E27FC236}">
+                  <a16:creationId xmlns:a16="http://schemas.microsoft.com/office/drawing/2014/main" id="{B7214B37-B7A0-1E6F-6D97-F4ED91681A9C}"/>
+                </a:ext>
+              </a:extLst>
+            </p:cNvPr>
+            <p:cNvPicPr>
+              <a:picLocks noChangeAspect="1"/>
+            </p:cNvPicPr>
+            <p:nvPr/>
+          </p:nvPicPr>
+          <p:blipFill>
+            <a:blip r:embed="rId6">
+              <a:extLst>
+                <a:ext uri="{28A0092B-C50C-407E-A947-70E740481C1C}">
+                  <a14:useLocalDpi xmlns:a14="http://schemas.microsoft.com/office/drawing/2010/main" val="0"/>
+                </a:ext>
+                <a:ext uri="{96DAC541-7B7A-43D3-8B79-37D633B846F1}">
+                  <asvg:svgBlip xmlns:asvg="http://schemas.microsoft.com/office/drawing/2016/SVG/main" r:embed="rId7"/>
+                </a:ext>
+              </a:extLst>
+            </a:blip>
+            <a:stretch>
+              <a:fillRect/>
+            </a:stretch>
+          </p:blipFill>
+          <p:spPr>
+            <a:xfrm>
+              <a:off x="847146" y="4055405"/>
+              <a:ext cx="914400" cy="914400"/>
+            </a:xfrm>
+            <a:prstGeom prst="rect">
+              <a:avLst/>
+            </a:prstGeom>
+          </p:spPr>
+        </p:pic>
+        <p:sp>
+          <p:nvSpPr>
+            <p:cNvPr id="19" name="Google Shape;347;p39">
+              <a:extLst>
+                <a:ext uri="{FF2B5EF4-FFF2-40B4-BE49-F238E27FC236}">
+                  <a16:creationId xmlns:a16="http://schemas.microsoft.com/office/drawing/2014/main" id="{D6033F87-FD4D-409A-3921-1D2D215849D6}"/>
+                </a:ext>
+              </a:extLst>
+            </p:cNvPr>
+            <p:cNvSpPr txBox="1">
+              <a:spLocks/>
+            </p:cNvSpPr>
+            <p:nvPr/>
+          </p:nvSpPr>
+          <p:spPr>
+            <a:xfrm>
+              <a:off x="1761546" y="4223777"/>
+              <a:ext cx="3462866" cy="703357"/>
+            </a:xfrm>
+            <a:prstGeom prst="rect">
+              <a:avLst/>
+            </a:prstGeom>
+            <a:noFill/>
+            <a:ln>
+              <a:noFill/>
+            </a:ln>
+          </p:spPr>
+          <p:txBody>
+            <a:bodyPr spcFirstLastPara="1" vert="horz" wrap="square" lIns="91425" tIns="91425" rIns="91425" bIns="91425" rtlCol="0" anchor="t" anchorCtr="0">
+              <a:normAutofit/>
+            </a:bodyPr>
+            <a:lstStyle>
+              <a:lvl1pPr marL="0" indent="0" algn="ctr" defTabSz="914400" rtl="0" eaLnBrk="1" latinLnBrk="0" hangingPunct="1">
+                <a:lnSpc>
+                  <a:spcPct val="90000"/>
+                </a:lnSpc>
+                <a:spcBef>
+                  <a:spcPts val="1000"/>
+                </a:spcBef>
+                <a:buFont typeface="Arial" panose="020B0604020202020204" pitchFamily="34" charset="0"/>
+                <a:buNone/>
+                <a:defRPr sz="2400" kern="1200">
+                  <a:solidFill>
+                    <a:schemeClr val="tx1"/>
+                  </a:solidFill>
+                  <a:latin typeface="+mn-lt"/>
+                  <a:ea typeface="+mn-ea"/>
+                  <a:cs typeface="+mn-cs"/>
+                </a:defRPr>
+              </a:lvl1pPr>
+              <a:lvl2pPr marL="457200" indent="0" algn="ctr" defTabSz="914400" rtl="0" eaLnBrk="1" latinLnBrk="0" hangingPunct="1">
+                <a:lnSpc>
+                  <a:spcPct val="90000"/>
+                </a:lnSpc>
+                <a:spcBef>
+                  <a:spcPts val="500"/>
+                </a:spcBef>
+                <a:buFont typeface="Arial" panose="020B0604020202020204" pitchFamily="34" charset="0"/>
+                <a:buNone/>
+                <a:defRPr sz="2000" kern="1200">
+                  <a:solidFill>
+                    <a:schemeClr val="tx1"/>
+                  </a:solidFill>
+                  <a:latin typeface="+mn-lt"/>
+                  <a:ea typeface="+mn-ea"/>
+                  <a:cs typeface="+mn-cs"/>
+                </a:defRPr>
+              </a:lvl2pPr>
+              <a:lvl3pPr marL="914400" indent="0" algn="ctr" defTabSz="914400" rtl="0" eaLnBrk="1" latinLnBrk="0" hangingPunct="1">
+                <a:lnSpc>
+                  <a:spcPct val="90000"/>
+                </a:lnSpc>
+                <a:spcBef>
+                  <a:spcPts val="500"/>
+                </a:spcBef>
+                <a:buFont typeface="Arial" panose="020B0604020202020204" pitchFamily="34" charset="0"/>
+                <a:buNone/>
+                <a:defRPr sz="1800" kern="1200">
+                  <a:solidFill>
+                    <a:schemeClr val="tx1"/>
+                  </a:solidFill>
+                  <a:latin typeface="+mn-lt"/>
+                  <a:ea typeface="+mn-ea"/>
+                  <a:cs typeface="+mn-cs"/>
+                </a:defRPr>
+              </a:lvl3pPr>
+              <a:lvl4pPr marL="1371600" indent="0" algn="ctr" defTabSz="914400" rtl="0" eaLnBrk="1" latinLnBrk="0" hangingPunct="1">
+                <a:lnSpc>
+                  <a:spcPct val="90000"/>
+                </a:lnSpc>
+                <a:spcBef>
+                  <a:spcPts val="500"/>
+                </a:spcBef>
+                <a:buFont typeface="Arial" panose="020B0604020202020204" pitchFamily="34" charset="0"/>
+                <a:buNone/>
+                <a:defRPr sz="1600" kern="1200">
+                  <a:solidFill>
+                    <a:schemeClr val="tx1"/>
+                  </a:solidFill>
+                  <a:latin typeface="+mn-lt"/>
+                  <a:ea typeface="+mn-ea"/>
+                  <a:cs typeface="+mn-cs"/>
+                </a:defRPr>
+              </a:lvl4pPr>
+              <a:lvl5pPr marL="1828800" indent="0" algn="ctr" defTabSz="914400" rtl="0" eaLnBrk="1" latinLnBrk="0" hangingPunct="1">
+                <a:lnSpc>
+                  <a:spcPct val="90000"/>
+                </a:lnSpc>
+                <a:spcBef>
+                  <a:spcPts val="500"/>
+                </a:spcBef>
+                <a:buFont typeface="Arial" panose="020B0604020202020204" pitchFamily="34" charset="0"/>
+                <a:buNone/>
+                <a:defRPr sz="1600" kern="1200">
+                  <a:solidFill>
+                    <a:schemeClr val="tx1"/>
+                  </a:solidFill>
+                  <a:latin typeface="+mn-lt"/>
+                  <a:ea typeface="+mn-ea"/>
+                  <a:cs typeface="+mn-cs"/>
+                </a:defRPr>
+              </a:lvl5pPr>
+              <a:lvl6pPr marL="2286000" indent="0" algn="ctr" defTabSz="914400" rtl="0" eaLnBrk="1" latinLnBrk="0" hangingPunct="1">
+                <a:lnSpc>
+                  <a:spcPct val="90000"/>
+                </a:lnSpc>
+                <a:spcBef>
+                  <a:spcPts val="500"/>
+                </a:spcBef>
+                <a:buFont typeface="Arial" panose="020B0604020202020204" pitchFamily="34" charset="0"/>
+                <a:buNone/>
+                <a:defRPr sz="1600" kern="1200">
+                  <a:solidFill>
+                    <a:schemeClr val="tx1"/>
+                  </a:solidFill>
+                  <a:latin typeface="+mn-lt"/>
+                  <a:ea typeface="+mn-ea"/>
+                  <a:cs typeface="+mn-cs"/>
+                </a:defRPr>
+              </a:lvl6pPr>
+              <a:lvl7pPr marL="2743200" indent="0" algn="ctr" defTabSz="914400" rtl="0" eaLnBrk="1" latinLnBrk="0" hangingPunct="1">
+                <a:lnSpc>
+                  <a:spcPct val="90000"/>
+                </a:lnSpc>
+                <a:spcBef>
+                  <a:spcPts val="500"/>
+                </a:spcBef>
+                <a:buFont typeface="Arial" panose="020B0604020202020204" pitchFamily="34" charset="0"/>
+                <a:buNone/>
+                <a:defRPr sz="1600" kern="1200">
+                  <a:solidFill>
+                    <a:schemeClr val="tx1"/>
+                  </a:solidFill>
+                  <a:latin typeface="+mn-lt"/>
+                  <a:ea typeface="+mn-ea"/>
+                  <a:cs typeface="+mn-cs"/>
+                </a:defRPr>
+              </a:lvl7pPr>
+              <a:lvl8pPr marL="3200400" indent="0" algn="ctr" defTabSz="914400" rtl="0" eaLnBrk="1" latinLnBrk="0" hangingPunct="1">
+                <a:lnSpc>
+                  <a:spcPct val="90000"/>
+                </a:lnSpc>
+                <a:spcBef>
+                  <a:spcPts val="500"/>
+                </a:spcBef>
+                <a:buFont typeface="Arial" panose="020B0604020202020204" pitchFamily="34" charset="0"/>
+                <a:buNone/>
+                <a:defRPr sz="1600" kern="1200">
+                  <a:solidFill>
+                    <a:schemeClr val="tx1"/>
+                  </a:solidFill>
+                  <a:latin typeface="+mn-lt"/>
+                  <a:ea typeface="+mn-ea"/>
+                  <a:cs typeface="+mn-cs"/>
+                </a:defRPr>
+              </a:lvl8pPr>
+              <a:lvl9pPr marL="3657600" indent="0" algn="ctr" defTabSz="914400" rtl="0" eaLnBrk="1" latinLnBrk="0" hangingPunct="1">
+                <a:lnSpc>
+                  <a:spcPct val="90000"/>
+                </a:lnSpc>
+                <a:spcBef>
+                  <a:spcPts val="500"/>
+                </a:spcBef>
+                <a:buFont typeface="Arial" panose="020B0604020202020204" pitchFamily="34" charset="0"/>
+                <a:buNone/>
+                <a:defRPr sz="1600" kern="1200">
+                  <a:solidFill>
+                    <a:schemeClr val="tx1"/>
+                  </a:solidFill>
+                  <a:latin typeface="+mn-lt"/>
+                  <a:ea typeface="+mn-ea"/>
+                  <a:cs typeface="+mn-cs"/>
+                </a:defRPr>
+              </a:lvl9pPr>
+            </a:lstStyle>
+            <a:p>
+              <a:pPr algn="l">
+                <a:lnSpc>
+                  <a:spcPct val="100000"/>
+                </a:lnSpc>
+                <a:spcBef>
+                  <a:spcPts val="0"/>
+                </a:spcBef>
+                <a:buSzPts val="1800"/>
+              </a:pPr>
+              <a:r>
+                <a:rPr lang="en-US" sz="1400" dirty="0">
+                  <a:solidFill>
+                    <a:srgbClr val="00B0F0"/>
+                  </a:solidFill>
+                  <a:latin typeface="Segoe UI" panose="020B0502040204020203" pitchFamily="34" charset="0"/>
+                  <a:cs typeface="Segoe UI" panose="020B0502040204020203" pitchFamily="34" charset="0"/>
+                </a:rPr>
+                <a:t>(1) Knowledge about the product ()</a:t>
+              </a:r>
+            </a:p>
+            <a:p>
+              <a:pPr algn="l">
+                <a:lnSpc>
+                  <a:spcPct val="100000"/>
+                </a:lnSpc>
+                <a:spcBef>
+                  <a:spcPts val="0"/>
+                </a:spcBef>
+                <a:buSzPts val="1800"/>
+              </a:pPr>
+              <a:r>
+                <a:rPr lang="en-US" sz="1400" dirty="0">
+                  <a:solidFill>
+                    <a:srgbClr val="00B0F0"/>
+                  </a:solidFill>
+                  <a:latin typeface="Segoe UI" panose="020B0502040204020203" pitchFamily="34" charset="0"/>
+                  <a:cs typeface="Segoe UI" panose="020B0502040204020203" pitchFamily="34" charset="0"/>
+                </a:rPr>
+                <a:t>(2) Knowledge about the project ()</a:t>
+              </a:r>
+            </a:p>
+          </p:txBody>
+        </p:sp>
+      </p:grpSp>
+      <p:grpSp>
+        <p:nvGrpSpPr>
+          <p:cNvPr id="22" name="Group 21">
+            <a:extLst>
+              <a:ext uri="{FF2B5EF4-FFF2-40B4-BE49-F238E27FC236}">
+                <a16:creationId xmlns:a16="http://schemas.microsoft.com/office/drawing/2014/main" id="{0B30F3E3-E204-4A5C-4888-65DF5F75E8F7}"/>
+              </a:ext>
+            </a:extLst>
+          </p:cNvPr>
+          <p:cNvGrpSpPr/>
+          <p:nvPr/>
+        </p:nvGrpSpPr>
+        <p:grpSpPr>
+          <a:xfrm>
+            <a:off x="546100" y="5525808"/>
+            <a:ext cx="9855200" cy="914400"/>
+            <a:chOff x="1509183" y="5520267"/>
+            <a:chExt cx="9855200" cy="914400"/>
+          </a:xfrm>
+        </p:grpSpPr>
+        <p:pic>
+          <p:nvPicPr>
+            <p:cNvPr id="13" name="Graphic 12" descr="Radioactive">
+              <a:extLst>
+                <a:ext uri="{FF2B5EF4-FFF2-40B4-BE49-F238E27FC236}">
+                  <a16:creationId xmlns:a16="http://schemas.microsoft.com/office/drawing/2014/main" id="{189AFA52-5ABB-D756-E4B7-3C1C89E408F3}"/>
+                </a:ext>
+              </a:extLst>
+            </p:cNvPr>
+            <p:cNvPicPr>
+              <a:picLocks noChangeAspect="1"/>
+            </p:cNvPicPr>
+            <p:nvPr/>
+          </p:nvPicPr>
+          <p:blipFill>
+            <a:blip r:embed="rId8">
+              <a:extLst>
+                <a:ext uri="{28A0092B-C50C-407E-A947-70E740481C1C}">
+                  <a14:useLocalDpi xmlns:a14="http://schemas.microsoft.com/office/drawing/2010/main" val="0"/>
+                </a:ext>
+                <a:ext uri="{96DAC541-7B7A-43D3-8B79-37D633B846F1}">
+                  <asvg:svgBlip xmlns:asvg="http://schemas.microsoft.com/office/drawing/2016/SVG/main" r:embed="rId9"/>
+                </a:ext>
+              </a:extLst>
+            </a:blip>
+            <a:stretch>
+              <a:fillRect/>
+            </a:stretch>
+          </p:blipFill>
+          <p:spPr>
+            <a:xfrm>
+              <a:off x="1509183" y="5520267"/>
+              <a:ext cx="914400" cy="914400"/>
+            </a:xfrm>
+            <a:prstGeom prst="rect">
+              <a:avLst/>
+            </a:prstGeom>
+          </p:spPr>
+        </p:pic>
+        <p:sp>
+          <p:nvSpPr>
+            <p:cNvPr id="21" name="Google Shape;347;p39">
+              <a:extLst>
+                <a:ext uri="{FF2B5EF4-FFF2-40B4-BE49-F238E27FC236}">
+                  <a16:creationId xmlns:a16="http://schemas.microsoft.com/office/drawing/2014/main" id="{9CCFEAF2-9BD2-8BB6-ECE5-15E8B0C2E83E}"/>
+                </a:ext>
+              </a:extLst>
+            </p:cNvPr>
+            <p:cNvSpPr txBox="1">
+              <a:spLocks/>
+            </p:cNvSpPr>
+            <p:nvPr/>
+          </p:nvSpPr>
+          <p:spPr>
+            <a:xfrm>
+              <a:off x="2423583" y="5740945"/>
+              <a:ext cx="8940800" cy="473044"/>
+            </a:xfrm>
+            <a:prstGeom prst="rect">
+              <a:avLst/>
+            </a:prstGeom>
+            <a:noFill/>
+            <a:ln>
+              <a:noFill/>
+            </a:ln>
+          </p:spPr>
+          <p:txBody>
+            <a:bodyPr spcFirstLastPara="1" vert="horz" wrap="square" lIns="91425" tIns="91425" rIns="91425" bIns="91425" rtlCol="0" anchor="t" anchorCtr="0">
+              <a:normAutofit/>
+            </a:bodyPr>
+            <a:lstStyle>
+              <a:lvl1pPr marL="0" indent="0" algn="ctr" defTabSz="914400" rtl="0" eaLnBrk="1" latinLnBrk="0" hangingPunct="1">
+                <a:lnSpc>
+                  <a:spcPct val="90000"/>
+                </a:lnSpc>
+                <a:spcBef>
+                  <a:spcPts val="1000"/>
+                </a:spcBef>
+                <a:buFont typeface="Arial" panose="020B0604020202020204" pitchFamily="34" charset="0"/>
+                <a:buNone/>
+                <a:defRPr sz="2400" kern="1200">
+                  <a:solidFill>
+                    <a:schemeClr val="tx1"/>
+                  </a:solidFill>
+                  <a:latin typeface="+mn-lt"/>
+                  <a:ea typeface="+mn-ea"/>
+                  <a:cs typeface="+mn-cs"/>
+                </a:defRPr>
+              </a:lvl1pPr>
+              <a:lvl2pPr marL="457200" indent="0" algn="ctr" defTabSz="914400" rtl="0" eaLnBrk="1" latinLnBrk="0" hangingPunct="1">
+                <a:lnSpc>
+                  <a:spcPct val="90000"/>
+                </a:lnSpc>
+                <a:spcBef>
+                  <a:spcPts val="500"/>
+                </a:spcBef>
+                <a:buFont typeface="Arial" panose="020B0604020202020204" pitchFamily="34" charset="0"/>
+                <a:buNone/>
+                <a:defRPr sz="2000" kern="1200">
+                  <a:solidFill>
+                    <a:schemeClr val="tx1"/>
+                  </a:solidFill>
+                  <a:latin typeface="+mn-lt"/>
+                  <a:ea typeface="+mn-ea"/>
+                  <a:cs typeface="+mn-cs"/>
+                </a:defRPr>
+              </a:lvl2pPr>
+              <a:lvl3pPr marL="914400" indent="0" algn="ctr" defTabSz="914400" rtl="0" eaLnBrk="1" latinLnBrk="0" hangingPunct="1">
+                <a:lnSpc>
+                  <a:spcPct val="90000"/>
+                </a:lnSpc>
+                <a:spcBef>
+                  <a:spcPts val="500"/>
+                </a:spcBef>
+                <a:buFont typeface="Arial" panose="020B0604020202020204" pitchFamily="34" charset="0"/>
+                <a:buNone/>
+                <a:defRPr sz="1800" kern="1200">
+                  <a:solidFill>
+                    <a:schemeClr val="tx1"/>
+                  </a:solidFill>
+                  <a:latin typeface="+mn-lt"/>
+                  <a:ea typeface="+mn-ea"/>
+                  <a:cs typeface="+mn-cs"/>
+                </a:defRPr>
+              </a:lvl3pPr>
+              <a:lvl4pPr marL="1371600" indent="0" algn="ctr" defTabSz="914400" rtl="0" eaLnBrk="1" latinLnBrk="0" hangingPunct="1">
+                <a:lnSpc>
+                  <a:spcPct val="90000"/>
+                </a:lnSpc>
+                <a:spcBef>
+                  <a:spcPts val="500"/>
+                </a:spcBef>
+                <a:buFont typeface="Arial" panose="020B0604020202020204" pitchFamily="34" charset="0"/>
+                <a:buNone/>
+                <a:defRPr sz="1600" kern="1200">
+                  <a:solidFill>
+                    <a:schemeClr val="tx1"/>
+                  </a:solidFill>
+                  <a:latin typeface="+mn-lt"/>
+                  <a:ea typeface="+mn-ea"/>
+                  <a:cs typeface="+mn-cs"/>
+                </a:defRPr>
+              </a:lvl4pPr>
+              <a:lvl5pPr marL="1828800" indent="0" algn="ctr" defTabSz="914400" rtl="0" eaLnBrk="1" latinLnBrk="0" hangingPunct="1">
+                <a:lnSpc>
+                  <a:spcPct val="90000"/>
+                </a:lnSpc>
+                <a:spcBef>
+                  <a:spcPts val="500"/>
+                </a:spcBef>
+                <a:buFont typeface="Arial" panose="020B0604020202020204" pitchFamily="34" charset="0"/>
+                <a:buNone/>
+                <a:defRPr sz="1600" kern="1200">
+                  <a:solidFill>
+                    <a:schemeClr val="tx1"/>
+                  </a:solidFill>
+                  <a:latin typeface="+mn-lt"/>
+                  <a:ea typeface="+mn-ea"/>
+                  <a:cs typeface="+mn-cs"/>
+                </a:defRPr>
+              </a:lvl5pPr>
+              <a:lvl6pPr marL="2286000" indent="0" algn="ctr" defTabSz="914400" rtl="0" eaLnBrk="1" latinLnBrk="0" hangingPunct="1">
+                <a:lnSpc>
+                  <a:spcPct val="90000"/>
+                </a:lnSpc>
+                <a:spcBef>
+                  <a:spcPts val="500"/>
+                </a:spcBef>
+                <a:buFont typeface="Arial" panose="020B0604020202020204" pitchFamily="34" charset="0"/>
+                <a:buNone/>
+                <a:defRPr sz="1600" kern="1200">
+                  <a:solidFill>
+                    <a:schemeClr val="tx1"/>
+                  </a:solidFill>
+                  <a:latin typeface="+mn-lt"/>
+                  <a:ea typeface="+mn-ea"/>
+                  <a:cs typeface="+mn-cs"/>
+                </a:defRPr>
+              </a:lvl6pPr>
+              <a:lvl7pPr marL="2743200" indent="0" algn="ctr" defTabSz="914400" rtl="0" eaLnBrk="1" latinLnBrk="0" hangingPunct="1">
+                <a:lnSpc>
+                  <a:spcPct val="90000"/>
+                </a:lnSpc>
+                <a:spcBef>
+                  <a:spcPts val="500"/>
+                </a:spcBef>
+                <a:buFont typeface="Arial" panose="020B0604020202020204" pitchFamily="34" charset="0"/>
+                <a:buNone/>
+                <a:defRPr sz="1600" kern="1200">
+                  <a:solidFill>
+                    <a:schemeClr val="tx1"/>
+                  </a:solidFill>
+                  <a:latin typeface="+mn-lt"/>
+                  <a:ea typeface="+mn-ea"/>
+                  <a:cs typeface="+mn-cs"/>
+                </a:defRPr>
+              </a:lvl7pPr>
+              <a:lvl8pPr marL="3200400" indent="0" algn="ctr" defTabSz="914400" rtl="0" eaLnBrk="1" latinLnBrk="0" hangingPunct="1">
+                <a:lnSpc>
+                  <a:spcPct val="90000"/>
+                </a:lnSpc>
+                <a:spcBef>
+                  <a:spcPts val="500"/>
+                </a:spcBef>
+                <a:buFont typeface="Arial" panose="020B0604020202020204" pitchFamily="34" charset="0"/>
+                <a:buNone/>
+                <a:defRPr sz="1600" kern="1200">
+                  <a:solidFill>
+                    <a:schemeClr val="tx1"/>
+                  </a:solidFill>
+                  <a:latin typeface="+mn-lt"/>
+                  <a:ea typeface="+mn-ea"/>
+                  <a:cs typeface="+mn-cs"/>
+                </a:defRPr>
+              </a:lvl8pPr>
+              <a:lvl9pPr marL="3657600" indent="0" algn="ctr" defTabSz="914400" rtl="0" eaLnBrk="1" latinLnBrk="0" hangingPunct="1">
+                <a:lnSpc>
+                  <a:spcPct val="90000"/>
+                </a:lnSpc>
+                <a:spcBef>
+                  <a:spcPts val="500"/>
+                </a:spcBef>
+                <a:buFont typeface="Arial" panose="020B0604020202020204" pitchFamily="34" charset="0"/>
+                <a:buNone/>
+                <a:defRPr sz="1600" kern="1200">
+                  <a:solidFill>
+                    <a:schemeClr val="tx1"/>
+                  </a:solidFill>
+                  <a:latin typeface="+mn-lt"/>
+                  <a:ea typeface="+mn-ea"/>
+                  <a:cs typeface="+mn-cs"/>
+                </a:defRPr>
+              </a:lvl9pPr>
+            </a:lstStyle>
+            <a:p>
+              <a:pPr algn="l">
+                <a:lnSpc>
+                  <a:spcPct val="100000"/>
+                </a:lnSpc>
+                <a:spcBef>
+                  <a:spcPts val="0"/>
+                </a:spcBef>
+                <a:buSzPts val="1800"/>
+              </a:pPr>
+              <a:r>
+                <a:rPr lang="en-US" sz="1400" dirty="0">
+                  <a:solidFill>
+                    <a:srgbClr val="FF0000"/>
+                  </a:solidFill>
+                  <a:latin typeface="Segoe UI" panose="020B0502040204020203" pitchFamily="34" charset="0"/>
+                  <a:cs typeface="Segoe UI" panose="020B0502040204020203" pitchFamily="34" charset="0"/>
+                </a:rPr>
+                <a:t>Anything that has not yet happened but might and that would jeopardize or limit the success of the project</a:t>
+              </a:r>
+            </a:p>
+          </p:txBody>
+        </p:sp>
+      </p:grpSp>
+    </p:spTree>
+    <p:extLst>
+      <p:ext uri="{BB962C8B-B14F-4D97-AF65-F5344CB8AC3E}">
+        <p14:creationId xmlns:p14="http://schemas.microsoft.com/office/powerpoint/2010/main" val="2450146468"/>
+      </p:ext>
+    </p:extLst>
+  </p:cSld>
+  <p:clrMapOvr>
+    <a:masterClrMapping/>
+  </p:clrMapOvr>
+</p:sld>
+</file>
+
+<file path=ppt/slides/slide9.xml><?xml version="1.0" encoding="utf-8"?>
+<p:sld xmlns:a="http://schemas.openxmlformats.org/drawingml/2006/main" xmlns:r="http://schemas.openxmlformats.org/officeDocument/2006/relationships" xmlns:p="http://schemas.openxmlformats.org/presentationml/2006/main">
+  <p:cSld>
+    <p:spTree>
+      <p:nvGrpSpPr>
+        <p:cNvPr id="1" name=""/>
+        <p:cNvGrpSpPr/>
+        <p:nvPr/>
+      </p:nvGrpSpPr>
+      <p:grpSpPr>
+        <a:xfrm>
+          <a:off x="0" y="0"/>
+          <a:ext cx="0" cy="0"/>
+          <a:chOff x="0" y="0"/>
+          <a:chExt cx="0" cy="0"/>
+        </a:xfrm>
+      </p:grpSpPr>
+      <p:sp>
+        <p:nvSpPr>
+          <p:cNvPr id="4" name="Google Shape;106;p26">
+            <a:extLst>
+              <a:ext uri="{FF2B5EF4-FFF2-40B4-BE49-F238E27FC236}">
+                <a16:creationId xmlns:a16="http://schemas.microsoft.com/office/drawing/2014/main" id="{FB2E35A9-F238-C52F-A7EE-337E92C5BCDD}"/>
+              </a:ext>
+            </a:extLst>
+          </p:cNvPr>
+          <p:cNvSpPr txBox="1">
+            <a:spLocks/>
+          </p:cNvSpPr>
+          <p:nvPr/>
+        </p:nvSpPr>
+        <p:spPr>
+          <a:xfrm>
+            <a:off x="310896" y="173736"/>
+            <a:ext cx="7968600" cy="572700"/>
+          </a:xfrm>
+          <a:prstGeom prst="rect">
+            <a:avLst/>
+          </a:prstGeom>
+          <a:noFill/>
+          <a:ln>
+            <a:noFill/>
+          </a:ln>
+        </p:spPr>
+        <p:txBody>
+          <a:bodyPr spcFirstLastPara="1" vert="horz" wrap="square" lIns="91425" tIns="91425" rIns="91425" bIns="91425" rtlCol="0" anchor="t" anchorCtr="0">
+            <a:noAutofit/>
+          </a:bodyPr>
+          <a:lstStyle>
+            <a:lvl1pPr algn="ctr" defTabSz="914400" rtl="0" eaLnBrk="1" latinLnBrk="0" hangingPunct="1">
+              <a:lnSpc>
+                <a:spcPct val="90000"/>
+              </a:lnSpc>
+              <a:spcBef>
+                <a:spcPct val="0"/>
+              </a:spcBef>
+              <a:buNone/>
+              <a:defRPr sz="6000" kern="1200">
+                <a:solidFill>
+                  <a:schemeClr val="tx1"/>
+                </a:solidFill>
+                <a:latin typeface="+mj-lt"/>
+                <a:ea typeface="+mj-ea"/>
+                <a:cs typeface="+mj-cs"/>
+              </a:defRPr>
+            </a:lvl1pPr>
+          </a:lstStyle>
+          <a:p>
+            <a:pPr algn="l">
+              <a:lnSpc>
+                <a:spcPct val="100000"/>
+              </a:lnSpc>
+              <a:spcBef>
+                <a:spcPts val="0"/>
+              </a:spcBef>
+              <a:buSzPts val="2800"/>
+            </a:pPr>
+            <a:r>
+              <a:rPr lang="en-US" sz="3200" dirty="0">
+                <a:latin typeface="Segoe UI" panose="020B0502040204020203" pitchFamily="34" charset="0"/>
+                <a:cs typeface="Segoe UI" panose="020B0502040204020203" pitchFamily="34" charset="0"/>
+              </a:rPr>
+              <a:t>Value</a:t>
+            </a:r>
+          </a:p>
+        </p:txBody>
+      </p:sp>
+      <p:sp>
+        <p:nvSpPr>
+          <p:cNvPr id="5" name="Google Shape;347;p39">
+            <a:extLst>
+              <a:ext uri="{FF2B5EF4-FFF2-40B4-BE49-F238E27FC236}">
+                <a16:creationId xmlns:a16="http://schemas.microsoft.com/office/drawing/2014/main" id="{12B362D5-6F90-1150-13CE-A1F0F8C22742}"/>
+              </a:ext>
+            </a:extLst>
+          </p:cNvPr>
+          <p:cNvSpPr txBox="1">
+            <a:spLocks/>
+          </p:cNvSpPr>
+          <p:nvPr/>
+        </p:nvSpPr>
+        <p:spPr>
+          <a:xfrm>
+            <a:off x="241231" y="932961"/>
+            <a:ext cx="11776597" cy="5645640"/>
+          </a:xfrm>
+          <a:prstGeom prst="rect">
+            <a:avLst/>
+          </a:prstGeom>
+          <a:noFill/>
+          <a:ln>
+            <a:noFill/>
+          </a:ln>
+        </p:spPr>
+        <p:txBody>
+          <a:bodyPr spcFirstLastPara="1" vert="horz" wrap="square" lIns="91425" tIns="91425" rIns="91425" bIns="91425" rtlCol="0" anchor="t" anchorCtr="0">
+            <a:normAutofit/>
+          </a:bodyPr>
+          <a:lstStyle>
+            <a:lvl1pPr marL="0" indent="0" algn="ctr" defTabSz="914400" rtl="0" eaLnBrk="1" latinLnBrk="0" hangingPunct="1">
+              <a:lnSpc>
+                <a:spcPct val="90000"/>
+              </a:lnSpc>
+              <a:spcBef>
+                <a:spcPts val="1000"/>
+              </a:spcBef>
+              <a:buFont typeface="Arial" panose="020B0604020202020204" pitchFamily="34" charset="0"/>
+              <a:buNone/>
+              <a:defRPr sz="2400" kern="1200">
+                <a:solidFill>
+                  <a:schemeClr val="tx1"/>
+                </a:solidFill>
+                <a:latin typeface="+mn-lt"/>
+                <a:ea typeface="+mn-ea"/>
+                <a:cs typeface="+mn-cs"/>
+              </a:defRPr>
+            </a:lvl1pPr>
+            <a:lvl2pPr marL="457200" indent="0" algn="ctr" defTabSz="914400" rtl="0" eaLnBrk="1" latinLnBrk="0" hangingPunct="1">
+              <a:lnSpc>
+                <a:spcPct val="90000"/>
+              </a:lnSpc>
+              <a:spcBef>
+                <a:spcPts val="500"/>
+              </a:spcBef>
+              <a:buFont typeface="Arial" panose="020B0604020202020204" pitchFamily="34" charset="0"/>
+              <a:buNone/>
+              <a:defRPr sz="2000" kern="1200">
+                <a:solidFill>
+                  <a:schemeClr val="tx1"/>
+                </a:solidFill>
+                <a:latin typeface="+mn-lt"/>
+                <a:ea typeface="+mn-ea"/>
+                <a:cs typeface="+mn-cs"/>
+              </a:defRPr>
+            </a:lvl2pPr>
+            <a:lvl3pPr marL="914400" indent="0" algn="ctr" defTabSz="914400" rtl="0" eaLnBrk="1" latinLnBrk="0" hangingPunct="1">
+              <a:lnSpc>
+                <a:spcPct val="90000"/>
+              </a:lnSpc>
+              <a:spcBef>
+                <a:spcPts val="500"/>
+              </a:spcBef>
+              <a:buFont typeface="Arial" panose="020B0604020202020204" pitchFamily="34" charset="0"/>
+              <a:buNone/>
+              <a:defRPr sz="1800" kern="1200">
+                <a:solidFill>
+                  <a:schemeClr val="tx1"/>
+                </a:solidFill>
+                <a:latin typeface="+mn-lt"/>
+                <a:ea typeface="+mn-ea"/>
+                <a:cs typeface="+mn-cs"/>
+              </a:defRPr>
+            </a:lvl3pPr>
+            <a:lvl4pPr marL="1371600" indent="0" algn="ctr" defTabSz="914400" rtl="0" eaLnBrk="1" latinLnBrk="0" hangingPunct="1">
+              <a:lnSpc>
+                <a:spcPct val="90000"/>
+              </a:lnSpc>
+              <a:spcBef>
+                <a:spcPts val="500"/>
+              </a:spcBef>
+              <a:buFont typeface="Arial" panose="020B0604020202020204" pitchFamily="34" charset="0"/>
+              <a:buNone/>
+              <a:defRPr sz="1600" kern="1200">
+                <a:solidFill>
+                  <a:schemeClr val="tx1"/>
+                </a:solidFill>
+                <a:latin typeface="+mn-lt"/>
+                <a:ea typeface="+mn-ea"/>
+                <a:cs typeface="+mn-cs"/>
+              </a:defRPr>
+            </a:lvl4pPr>
+            <a:lvl5pPr marL="1828800" indent="0" algn="ctr" defTabSz="914400" rtl="0" eaLnBrk="1" latinLnBrk="0" hangingPunct="1">
+              <a:lnSpc>
+                <a:spcPct val="90000"/>
+              </a:lnSpc>
+              <a:spcBef>
+                <a:spcPts val="500"/>
+              </a:spcBef>
+              <a:buFont typeface="Arial" panose="020B0604020202020204" pitchFamily="34" charset="0"/>
+              <a:buNone/>
+              <a:defRPr sz="1600" kern="1200">
+                <a:solidFill>
+                  <a:schemeClr val="tx1"/>
+                </a:solidFill>
+                <a:latin typeface="+mn-lt"/>
+                <a:ea typeface="+mn-ea"/>
+                <a:cs typeface="+mn-cs"/>
+              </a:defRPr>
+            </a:lvl5pPr>
+            <a:lvl6pPr marL="2286000" indent="0" algn="ctr" defTabSz="914400" rtl="0" eaLnBrk="1" latinLnBrk="0" hangingPunct="1">
+              <a:lnSpc>
+                <a:spcPct val="90000"/>
+              </a:lnSpc>
+              <a:spcBef>
+                <a:spcPts val="500"/>
+              </a:spcBef>
+              <a:buFont typeface="Arial" panose="020B0604020202020204" pitchFamily="34" charset="0"/>
+              <a:buNone/>
+              <a:defRPr sz="1600" kern="1200">
+                <a:solidFill>
+                  <a:schemeClr val="tx1"/>
+                </a:solidFill>
+                <a:latin typeface="+mn-lt"/>
+                <a:ea typeface="+mn-ea"/>
+                <a:cs typeface="+mn-cs"/>
+              </a:defRPr>
+            </a:lvl6pPr>
+            <a:lvl7pPr marL="2743200" indent="0" algn="ctr" defTabSz="914400" rtl="0" eaLnBrk="1" latinLnBrk="0" hangingPunct="1">
+              <a:lnSpc>
+                <a:spcPct val="90000"/>
+              </a:lnSpc>
+              <a:spcBef>
+                <a:spcPts val="500"/>
+              </a:spcBef>
+              <a:buFont typeface="Arial" panose="020B0604020202020204" pitchFamily="34" charset="0"/>
+              <a:buNone/>
+              <a:defRPr sz="1600" kern="1200">
+                <a:solidFill>
+                  <a:schemeClr val="tx1"/>
+                </a:solidFill>
+                <a:latin typeface="+mn-lt"/>
+                <a:ea typeface="+mn-ea"/>
+                <a:cs typeface="+mn-cs"/>
+              </a:defRPr>
+            </a:lvl7pPr>
+            <a:lvl8pPr marL="3200400" indent="0" algn="ctr" defTabSz="914400" rtl="0" eaLnBrk="1" latinLnBrk="0" hangingPunct="1">
+              <a:lnSpc>
+                <a:spcPct val="90000"/>
+              </a:lnSpc>
+              <a:spcBef>
+                <a:spcPts val="500"/>
+              </a:spcBef>
+              <a:buFont typeface="Arial" panose="020B0604020202020204" pitchFamily="34" charset="0"/>
+              <a:buNone/>
+              <a:defRPr sz="1600" kern="1200">
+                <a:solidFill>
+                  <a:schemeClr val="tx1"/>
+                </a:solidFill>
+                <a:latin typeface="+mn-lt"/>
+                <a:ea typeface="+mn-ea"/>
+                <a:cs typeface="+mn-cs"/>
+              </a:defRPr>
+            </a:lvl8pPr>
+            <a:lvl9pPr marL="3657600" indent="0" algn="ctr" defTabSz="914400" rtl="0" eaLnBrk="1" latinLnBrk="0" hangingPunct="1">
+              <a:lnSpc>
+                <a:spcPct val="90000"/>
+              </a:lnSpc>
+              <a:spcBef>
+                <a:spcPts val="500"/>
+              </a:spcBef>
+              <a:buFont typeface="Arial" panose="020B0604020202020204" pitchFamily="34" charset="0"/>
+              <a:buNone/>
+              <a:defRPr sz="1600" kern="1200">
+                <a:solidFill>
+                  <a:schemeClr val="tx1"/>
+                </a:solidFill>
+                <a:latin typeface="+mn-lt"/>
+                <a:ea typeface="+mn-ea"/>
+                <a:cs typeface="+mn-cs"/>
+              </a:defRPr>
+            </a:lvl9pPr>
+          </a:lstStyle>
+          <a:p>
+            <a:pPr algn="l">
+              <a:lnSpc>
+                <a:spcPct val="100000"/>
+              </a:lnSpc>
+              <a:spcBef>
+                <a:spcPts val="0"/>
+              </a:spcBef>
+              <a:buSzPts val="1800"/>
+            </a:pPr>
+            <a:endParaRPr lang="en-US" sz="1400" dirty="0">
+              <a:solidFill>
+                <a:schemeClr val="dk1"/>
+              </a:solidFill>
+              <a:latin typeface="Segoe UI" panose="020B0502040204020203" pitchFamily="34" charset="0"/>
+              <a:cs typeface="Segoe UI" panose="020B0502040204020203" pitchFamily="34" charset="0"/>
+            </a:endParaRPr>
+          </a:p>
+          <a:p>
+            <a:pPr algn="l">
+              <a:lnSpc>
+                <a:spcPct val="100000"/>
+              </a:lnSpc>
+              <a:spcBef>
+                <a:spcPts val="0"/>
+              </a:spcBef>
+              <a:buSzPts val="1800"/>
+            </a:pPr>
+            <a:endParaRPr lang="en-US" sz="1400" dirty="0">
+              <a:solidFill>
+                <a:schemeClr val="dk1"/>
+              </a:solidFill>
+              <a:latin typeface="Segoe UI" panose="020B0502040204020203" pitchFamily="34" charset="0"/>
+              <a:cs typeface="Segoe UI" panose="020B0502040204020203" pitchFamily="34" charset="0"/>
+            </a:endParaRPr>
+          </a:p>
+          <a:p>
+            <a:pPr algn="l">
+              <a:lnSpc>
+                <a:spcPct val="100000"/>
+              </a:lnSpc>
+              <a:spcBef>
+                <a:spcPts val="0"/>
+              </a:spcBef>
+              <a:buSzPts val="1800"/>
+            </a:pPr>
+            <a:endParaRPr lang="en-US" sz="1400" dirty="0">
+              <a:solidFill>
+                <a:schemeClr val="dk1"/>
+              </a:solidFill>
+              <a:latin typeface="Segoe UI" panose="020B0502040204020203" pitchFamily="34" charset="0"/>
+              <a:cs typeface="Segoe UI" panose="020B0502040204020203" pitchFamily="34" charset="0"/>
+            </a:endParaRPr>
+          </a:p>
+          <a:p>
+            <a:pPr algn="l">
+              <a:lnSpc>
+                <a:spcPct val="100000"/>
+              </a:lnSpc>
+              <a:spcBef>
+                <a:spcPts val="0"/>
+              </a:spcBef>
+              <a:buSzPts val="1800"/>
+            </a:pPr>
+            <a:endParaRPr lang="en-US" sz="1400" b="1" dirty="0">
+              <a:solidFill>
+                <a:schemeClr val="dk1"/>
+              </a:solidFill>
+              <a:latin typeface="Segoe UI" panose="020B0502040204020203" pitchFamily="34" charset="0"/>
+              <a:cs typeface="Segoe UI" panose="020B0502040204020203" pitchFamily="34" charset="0"/>
+            </a:endParaRPr>
+          </a:p>
+          <a:p>
+            <a:pPr algn="l">
+              <a:lnSpc>
+                <a:spcPct val="100000"/>
+              </a:lnSpc>
+              <a:spcBef>
+                <a:spcPts val="0"/>
+              </a:spcBef>
+              <a:buSzPts val="1800"/>
+            </a:pPr>
+            <a:endParaRPr lang="en-US" sz="1400" b="1" dirty="0">
+              <a:solidFill>
+                <a:schemeClr val="dk1"/>
+              </a:solidFill>
+              <a:latin typeface="Segoe UI" panose="020B0502040204020203" pitchFamily="34" charset="0"/>
+              <a:cs typeface="Segoe UI" panose="020B0502040204020203" pitchFamily="34" charset="0"/>
+            </a:endParaRPr>
+          </a:p>
+          <a:p>
+            <a:pPr algn="l">
+              <a:lnSpc>
+                <a:spcPct val="100000"/>
+              </a:lnSpc>
+              <a:spcBef>
+                <a:spcPts val="0"/>
+              </a:spcBef>
+              <a:buSzPts val="1800"/>
+            </a:pPr>
+            <a:r>
+              <a:rPr lang="en-US" sz="1400" b="1" dirty="0">
+                <a:solidFill>
+                  <a:schemeClr val="dk1"/>
+                </a:solidFill>
+                <a:latin typeface="Segoe UI" panose="020B0502040204020203" pitchFamily="34" charset="0"/>
+                <a:cs typeface="Segoe UI" panose="020B0502040204020203" pitchFamily="34" charset="0"/>
+              </a:rPr>
+              <a:t>What is the way to determine the value of a theme? </a:t>
+            </a:r>
+            <a:r>
+              <a:rPr lang="en-US" sz="1400" dirty="0">
+                <a:solidFill>
+                  <a:schemeClr val="dk1"/>
+                </a:solidFill>
+                <a:latin typeface="Segoe UI" panose="020B0502040204020203" pitchFamily="34" charset="0"/>
+                <a:cs typeface="Segoe UI" panose="020B0502040204020203" pitchFamily="34" charset="0"/>
+              </a:rPr>
+              <a:t>(Since we are not the prophet)</a:t>
+            </a:r>
+          </a:p>
+          <a:p>
+            <a:pPr algn="l">
+              <a:lnSpc>
+                <a:spcPct val="100000"/>
+              </a:lnSpc>
+              <a:spcBef>
+                <a:spcPts val="0"/>
+              </a:spcBef>
+              <a:buSzPts val="1800"/>
+            </a:pPr>
+            <a:r>
+              <a:rPr lang="en-US" sz="1400" dirty="0">
+                <a:solidFill>
+                  <a:schemeClr val="dk1"/>
+                </a:solidFill>
+                <a:latin typeface="Segoe UI" panose="020B0502040204020203" pitchFamily="34" charset="0"/>
+                <a:cs typeface="Segoe UI" panose="020B0502040204020203" pitchFamily="34" charset="0"/>
+              </a:rPr>
+              <a:t>Estimating its financial impact over a period of time (e.g., next few months, quarters, or possibly years):</a:t>
+            </a:r>
+          </a:p>
+          <a:p>
+            <a:pPr algn="l">
+              <a:lnSpc>
+                <a:spcPct val="100000"/>
+              </a:lnSpc>
+              <a:spcBef>
+                <a:spcPts val="0"/>
+              </a:spcBef>
+              <a:buSzPts val="1800"/>
+            </a:pPr>
+            <a:endParaRPr lang="en-US" sz="1400" dirty="0">
+              <a:solidFill>
+                <a:schemeClr val="dk1"/>
+              </a:solidFill>
+              <a:latin typeface="Segoe UI" panose="020B0502040204020203" pitchFamily="34" charset="0"/>
+              <a:cs typeface="Segoe UI" panose="020B0502040204020203" pitchFamily="34" charset="0"/>
+            </a:endParaRPr>
+          </a:p>
+          <a:p>
+            <a:pPr algn="l">
+              <a:lnSpc>
+                <a:spcPct val="100000"/>
+              </a:lnSpc>
+              <a:spcBef>
+                <a:spcPts val="0"/>
+              </a:spcBef>
+              <a:buSzPts val="1800"/>
+            </a:pPr>
+            <a:r>
+              <a:rPr lang="en-US" sz="1400" dirty="0">
+                <a:solidFill>
+                  <a:schemeClr val="dk1"/>
+                </a:solidFill>
+                <a:latin typeface="Segoe UI" panose="020B0502040204020203" pitchFamily="34" charset="0"/>
+                <a:cs typeface="Segoe UI" panose="020B0502040204020203" pitchFamily="34" charset="0"/>
+              </a:rPr>
+              <a:t>1. The number of the product with the new theme will be sold commercially for one year;</a:t>
+            </a:r>
+          </a:p>
+          <a:p>
+            <a:pPr algn="l">
+              <a:lnSpc>
+                <a:spcPct val="100000"/>
+              </a:lnSpc>
+              <a:spcBef>
+                <a:spcPts val="0"/>
+              </a:spcBef>
+              <a:buSzPts val="1800"/>
+            </a:pPr>
+            <a:endParaRPr lang="en-US" sz="1400" dirty="0">
+              <a:solidFill>
+                <a:schemeClr val="dk1"/>
+              </a:solidFill>
+              <a:latin typeface="Segoe UI" panose="020B0502040204020203" pitchFamily="34" charset="0"/>
+              <a:cs typeface="Segoe UI" panose="020B0502040204020203" pitchFamily="34" charset="0"/>
+            </a:endParaRPr>
+          </a:p>
+          <a:p>
+            <a:pPr algn="l">
+              <a:lnSpc>
+                <a:spcPct val="100000"/>
+              </a:lnSpc>
+              <a:spcBef>
+                <a:spcPts val="0"/>
+              </a:spcBef>
+              <a:buSzPts val="1800"/>
+            </a:pPr>
+            <a:endParaRPr lang="en-US" sz="1400" dirty="0">
+              <a:solidFill>
+                <a:schemeClr val="dk1"/>
+              </a:solidFill>
+              <a:latin typeface="Segoe UI" panose="020B0502040204020203" pitchFamily="34" charset="0"/>
+              <a:cs typeface="Segoe UI" panose="020B0502040204020203" pitchFamily="34" charset="0"/>
+            </a:endParaRPr>
+          </a:p>
+          <a:p>
+            <a:pPr algn="l">
+              <a:lnSpc>
+                <a:spcPct val="100000"/>
+              </a:lnSpc>
+              <a:spcBef>
+                <a:spcPts val="0"/>
+              </a:spcBef>
+              <a:buSzPts val="1800"/>
+            </a:pPr>
+            <a:r>
+              <a:rPr lang="en-US" sz="1400" dirty="0">
+                <a:solidFill>
+                  <a:schemeClr val="dk1"/>
+                </a:solidFill>
+                <a:latin typeface="Segoe UI" panose="020B0502040204020203" pitchFamily="34" charset="0"/>
+                <a:cs typeface="Segoe UI" panose="020B0502040204020203" pitchFamily="34" charset="0"/>
+              </a:rPr>
+              <a:t>2. The number of the application with the new theme will be used within the organization developing them.</a:t>
+            </a:r>
+          </a:p>
+          <a:p>
+            <a:pPr algn="l">
+              <a:lnSpc>
+                <a:spcPct val="100000"/>
+              </a:lnSpc>
+              <a:spcBef>
+                <a:spcPts val="0"/>
+              </a:spcBef>
+              <a:buSzPts val="1800"/>
+            </a:pPr>
+            <a:endParaRPr lang="en-US" sz="1400" dirty="0">
+              <a:solidFill>
+                <a:schemeClr val="dk1"/>
+              </a:solidFill>
+              <a:latin typeface="Segoe UI" panose="020B0502040204020203" pitchFamily="34" charset="0"/>
+              <a:cs typeface="Segoe UI" panose="020B0502040204020203" pitchFamily="34" charset="0"/>
+            </a:endParaRPr>
+          </a:p>
+          <a:p>
+            <a:pPr algn="l">
+              <a:lnSpc>
+                <a:spcPct val="100000"/>
+              </a:lnSpc>
+              <a:spcBef>
+                <a:spcPts val="0"/>
+              </a:spcBef>
+              <a:buSzPts val="1800"/>
+            </a:pPr>
+            <a:endParaRPr lang="en-US" sz="1400" dirty="0">
+              <a:solidFill>
+                <a:schemeClr val="dk1"/>
+              </a:solidFill>
+              <a:latin typeface="Segoe UI" panose="020B0502040204020203" pitchFamily="34" charset="0"/>
+              <a:cs typeface="Segoe UI" panose="020B0502040204020203" pitchFamily="34" charset="0"/>
+            </a:endParaRPr>
+          </a:p>
+          <a:p>
+            <a:pPr algn="l">
+              <a:lnSpc>
+                <a:spcPct val="100000"/>
+              </a:lnSpc>
+              <a:spcBef>
+                <a:spcPts val="0"/>
+              </a:spcBef>
+              <a:buSzPts val="1800"/>
+            </a:pPr>
+            <a:endParaRPr lang="en-US" sz="1400" dirty="0">
+              <a:solidFill>
+                <a:schemeClr val="dk1"/>
+              </a:solidFill>
+              <a:latin typeface="Segoe UI" panose="020B0502040204020203" pitchFamily="34" charset="0"/>
+              <a:cs typeface="Segoe UI" panose="020B0502040204020203" pitchFamily="34" charset="0"/>
+            </a:endParaRPr>
+          </a:p>
+          <a:p>
+            <a:pPr algn="l">
+              <a:lnSpc>
+                <a:spcPct val="100000"/>
+              </a:lnSpc>
+              <a:spcBef>
+                <a:spcPts val="0"/>
+              </a:spcBef>
+              <a:buSzPts val="1800"/>
+            </a:pPr>
+            <a:r>
+              <a:rPr lang="en-US" sz="1400" dirty="0">
+                <a:solidFill>
+                  <a:schemeClr val="dk1"/>
+                </a:solidFill>
+                <a:latin typeface="Segoe UI" panose="020B0502040204020203" pitchFamily="34" charset="0"/>
+                <a:cs typeface="Segoe UI" panose="020B0502040204020203" pitchFamily="34" charset="0"/>
+              </a:rPr>
+              <a:t>(Chapter 10, “Financial Prioritization” has more detail)</a:t>
+            </a:r>
+          </a:p>
+          <a:p>
+            <a:pPr algn="l">
+              <a:lnSpc>
+                <a:spcPct val="100000"/>
+              </a:lnSpc>
+              <a:spcBef>
+                <a:spcPts val="0"/>
+              </a:spcBef>
+              <a:buSzPts val="1800"/>
+            </a:pPr>
+            <a:endParaRPr lang="en-US" sz="1400" dirty="0">
+              <a:solidFill>
+                <a:schemeClr val="dk1"/>
+              </a:solidFill>
+              <a:latin typeface="Segoe UI" panose="020B0502040204020203" pitchFamily="34" charset="0"/>
+              <a:cs typeface="Segoe UI" panose="020B0502040204020203" pitchFamily="34" charset="0"/>
+            </a:endParaRPr>
+          </a:p>
+          <a:p>
+            <a:pPr algn="l">
+              <a:lnSpc>
+                <a:spcPct val="100000"/>
+              </a:lnSpc>
+              <a:spcBef>
+                <a:spcPts val="0"/>
+              </a:spcBef>
+              <a:buSzPts val="1800"/>
+            </a:pPr>
+            <a:endParaRPr lang="en-US" sz="1400" dirty="0">
+              <a:solidFill>
+                <a:schemeClr val="dk1"/>
+              </a:solidFill>
+              <a:latin typeface="Segoe UI" panose="020B0502040204020203" pitchFamily="34" charset="0"/>
+              <a:cs typeface="Segoe UI" panose="020B0502040204020203" pitchFamily="34" charset="0"/>
+            </a:endParaRPr>
+          </a:p>
+          <a:p>
+            <a:pPr algn="l">
+              <a:lnSpc>
+                <a:spcPct val="100000"/>
+              </a:lnSpc>
+              <a:spcBef>
+                <a:spcPts val="0"/>
+              </a:spcBef>
+              <a:buSzPts val="1800"/>
+            </a:pPr>
+            <a:endParaRPr lang="en-US" sz="1400" dirty="0">
+              <a:solidFill>
+                <a:schemeClr val="dk1"/>
+              </a:solidFill>
+              <a:latin typeface="Segoe UI" panose="020B0502040204020203" pitchFamily="34" charset="0"/>
+              <a:cs typeface="Segoe UI" panose="020B0502040204020203" pitchFamily="34" charset="0"/>
+            </a:endParaRPr>
+          </a:p>
+          <a:p>
+            <a:pPr algn="l">
+              <a:lnSpc>
+                <a:spcPct val="100000"/>
+              </a:lnSpc>
+              <a:spcBef>
+                <a:spcPts val="0"/>
+              </a:spcBef>
+              <a:buSzPts val="1800"/>
+            </a:pPr>
+            <a:endParaRPr lang="en-US" sz="1400" dirty="0">
+              <a:solidFill>
+                <a:schemeClr val="dk1"/>
+              </a:solidFill>
+              <a:latin typeface="Segoe UI" panose="020B0502040204020203" pitchFamily="34" charset="0"/>
+              <a:cs typeface="Segoe UI" panose="020B0502040204020203" pitchFamily="34" charset="0"/>
+            </a:endParaRPr>
+          </a:p>
+          <a:p>
+            <a:pPr algn="l">
+              <a:lnSpc>
+                <a:spcPct val="100000"/>
+              </a:lnSpc>
+              <a:spcBef>
+                <a:spcPts val="0"/>
+              </a:spcBef>
+              <a:buSzPts val="1800"/>
+            </a:pPr>
+            <a:endParaRPr lang="en-US" sz="1400" dirty="0">
+              <a:solidFill>
+                <a:schemeClr val="dk1"/>
+              </a:solidFill>
+              <a:latin typeface="Segoe UI" panose="020B0502040204020203" pitchFamily="34" charset="0"/>
+              <a:cs typeface="Segoe UI" panose="020B0502040204020203" pitchFamily="34" charset="0"/>
+            </a:endParaRPr>
+          </a:p>
+          <a:p>
+            <a:pPr algn="l">
+              <a:lnSpc>
+                <a:spcPct val="100000"/>
+              </a:lnSpc>
+              <a:spcBef>
+                <a:spcPts val="0"/>
+              </a:spcBef>
+              <a:buSzPts val="1800"/>
+            </a:pPr>
+            <a:endParaRPr lang="en-US" sz="1400" dirty="0">
+              <a:solidFill>
+                <a:schemeClr val="dk1"/>
+              </a:solidFill>
+              <a:latin typeface="Segoe UI" panose="020B0502040204020203" pitchFamily="34" charset="0"/>
+              <a:cs typeface="Segoe UI" panose="020B0502040204020203" pitchFamily="34" charset="0"/>
+            </a:endParaRPr>
+          </a:p>
+          <a:p>
+            <a:pPr algn="l">
+              <a:lnSpc>
+                <a:spcPct val="100000"/>
+              </a:lnSpc>
+              <a:spcBef>
+                <a:spcPts val="0"/>
+              </a:spcBef>
+              <a:buSzPts val="1800"/>
+            </a:pPr>
+            <a:endParaRPr lang="en-US" sz="1400" dirty="0">
+              <a:solidFill>
+                <a:schemeClr val="dk1"/>
+              </a:solidFill>
+              <a:latin typeface="Segoe UI" panose="020B0502040204020203" pitchFamily="34" charset="0"/>
+              <a:cs typeface="Segoe UI" panose="020B0502040204020203" pitchFamily="34" charset="0"/>
+            </a:endParaRPr>
+          </a:p>
+          <a:p>
+            <a:pPr algn="l">
+              <a:lnSpc>
+                <a:spcPct val="100000"/>
+              </a:lnSpc>
+              <a:spcBef>
+                <a:spcPts val="0"/>
+              </a:spcBef>
+              <a:buSzPts val="1800"/>
+            </a:pPr>
+            <a:endParaRPr lang="en-US" sz="1400" dirty="0">
+              <a:solidFill>
+                <a:schemeClr val="dk1"/>
+              </a:solidFill>
+              <a:latin typeface="Segoe UI" panose="020B0502040204020203" pitchFamily="34" charset="0"/>
+              <a:cs typeface="Segoe UI" panose="020B0502040204020203" pitchFamily="34" charset="0"/>
+            </a:endParaRPr>
+          </a:p>
+          <a:p>
+            <a:pPr algn="l">
+              <a:lnSpc>
+                <a:spcPct val="100000"/>
+              </a:lnSpc>
+              <a:spcBef>
+                <a:spcPts val="0"/>
+              </a:spcBef>
+              <a:buSzPts val="1800"/>
+            </a:pPr>
+            <a:endParaRPr lang="en-US" sz="1400" dirty="0">
+              <a:solidFill>
+                <a:schemeClr val="dk1"/>
+              </a:solidFill>
+              <a:latin typeface="Segoe UI" panose="020B0502040204020203" pitchFamily="34" charset="0"/>
+              <a:cs typeface="Segoe UI" panose="020B0502040204020203" pitchFamily="34" charset="0"/>
+            </a:endParaRPr>
+          </a:p>
+          <a:p>
+            <a:pPr algn="l">
+              <a:lnSpc>
+                <a:spcPct val="100000"/>
+              </a:lnSpc>
+              <a:spcBef>
+                <a:spcPts val="0"/>
+              </a:spcBef>
+              <a:buSzPts val="1800"/>
+            </a:pPr>
+            <a:endParaRPr lang="en-US" sz="1400" dirty="0">
+              <a:solidFill>
+                <a:schemeClr val="dk1"/>
+              </a:solidFill>
+              <a:latin typeface="Segoe UI" panose="020B0502040204020203" pitchFamily="34" charset="0"/>
+              <a:cs typeface="Segoe UI" panose="020B0502040204020203" pitchFamily="34" charset="0"/>
+            </a:endParaRPr>
+          </a:p>
+          <a:p>
+            <a:pPr algn="l">
+              <a:lnSpc>
+                <a:spcPct val="100000"/>
+              </a:lnSpc>
+              <a:spcBef>
+                <a:spcPts val="0"/>
+              </a:spcBef>
+              <a:buSzPts val="1800"/>
+            </a:pPr>
+            <a:endParaRPr lang="en-US" sz="1400" dirty="0">
+              <a:solidFill>
+                <a:schemeClr val="dk1"/>
+              </a:solidFill>
+              <a:latin typeface="Segoe UI" panose="020B0502040204020203" pitchFamily="34" charset="0"/>
+              <a:cs typeface="Segoe UI" panose="020B0502040204020203" pitchFamily="34" charset="0"/>
+            </a:endParaRPr>
+          </a:p>
+        </p:txBody>
+      </p:sp>
+      <p:grpSp>
+        <p:nvGrpSpPr>
+          <p:cNvPr id="2" name="Group 1">
+            <a:extLst>
+              <a:ext uri="{FF2B5EF4-FFF2-40B4-BE49-F238E27FC236}">
+                <a16:creationId xmlns:a16="http://schemas.microsoft.com/office/drawing/2014/main" id="{F3647B96-46BA-9202-D509-840412AEE88E}"/>
+              </a:ext>
+            </a:extLst>
+          </p:cNvPr>
+          <p:cNvGrpSpPr/>
+          <p:nvPr/>
+        </p:nvGrpSpPr>
+        <p:grpSpPr>
+          <a:xfrm>
+            <a:off x="546100" y="1005697"/>
+            <a:ext cx="9196985" cy="914400"/>
+            <a:chOff x="967317" y="1488786"/>
+            <a:chExt cx="9196985" cy="914400"/>
+          </a:xfrm>
+        </p:grpSpPr>
+        <p:pic>
+          <p:nvPicPr>
+            <p:cNvPr id="3" name="Graphic 2" descr="Diamond">
+              <a:extLst>
+                <a:ext uri="{FF2B5EF4-FFF2-40B4-BE49-F238E27FC236}">
+                  <a16:creationId xmlns:a16="http://schemas.microsoft.com/office/drawing/2014/main" id="{2596D0BD-A2A4-55D0-FC1A-AA9D1AFD0A88}"/>
+                </a:ext>
+              </a:extLst>
+            </p:cNvPr>
+            <p:cNvPicPr>
+              <a:picLocks noChangeAspect="1"/>
+            </p:cNvPicPr>
+            <p:nvPr/>
+          </p:nvPicPr>
+          <p:blipFill>
+            <a:blip r:embed="rId2">
+              <a:extLst>
+                <a:ext uri="{28A0092B-C50C-407E-A947-70E740481C1C}">
+                  <a14:useLocalDpi xmlns:a14="http://schemas.microsoft.com/office/drawing/2010/main" val="0"/>
+                </a:ext>
+                <a:ext uri="{96DAC541-7B7A-43D3-8B79-37D633B846F1}">
+                  <asvg:svgBlip xmlns:asvg="http://schemas.microsoft.com/office/drawing/2016/SVG/main" r:embed="rId3"/>
+                </a:ext>
+              </a:extLst>
+            </a:blip>
+            <a:stretch>
+              <a:fillRect/>
+            </a:stretch>
+          </p:blipFill>
+          <p:spPr>
+            <a:xfrm>
+              <a:off x="967317" y="1488786"/>
+              <a:ext cx="914400" cy="914400"/>
+            </a:xfrm>
+            <a:prstGeom prst="rect">
+              <a:avLst/>
+            </a:prstGeom>
+          </p:spPr>
+        </p:pic>
+        <p:sp>
+          <p:nvSpPr>
+            <p:cNvPr id="6" name="Google Shape;347;p39">
+              <a:extLst>
+                <a:ext uri="{FF2B5EF4-FFF2-40B4-BE49-F238E27FC236}">
+                  <a16:creationId xmlns:a16="http://schemas.microsoft.com/office/drawing/2014/main" id="{66AE7AF3-3C81-F505-0075-23C6E94F2DC3}"/>
+                </a:ext>
+              </a:extLst>
+            </p:cNvPr>
+            <p:cNvSpPr txBox="1">
+              <a:spLocks/>
+            </p:cNvSpPr>
+            <p:nvPr/>
+          </p:nvSpPr>
+          <p:spPr>
+            <a:xfrm>
+              <a:off x="1966383" y="1709464"/>
+              <a:ext cx="8197919" cy="473043"/>
+            </a:xfrm>
+            <a:prstGeom prst="rect">
+              <a:avLst/>
+            </a:prstGeom>
+            <a:noFill/>
+            <a:ln>
+              <a:noFill/>
+            </a:ln>
+          </p:spPr>
+          <p:txBody>
+            <a:bodyPr spcFirstLastPara="1" vert="horz" wrap="square" lIns="91425" tIns="91425" rIns="91425" bIns="91425" rtlCol="0" anchor="t" anchorCtr="0">
+              <a:normAutofit/>
+            </a:bodyPr>
+            <a:lstStyle>
+              <a:lvl1pPr marL="0" indent="0" algn="ctr" defTabSz="914400" rtl="0" eaLnBrk="1" latinLnBrk="0" hangingPunct="1">
+                <a:lnSpc>
+                  <a:spcPct val="90000"/>
+                </a:lnSpc>
+                <a:spcBef>
+                  <a:spcPts val="1000"/>
+                </a:spcBef>
+                <a:buFont typeface="Arial" panose="020B0604020202020204" pitchFamily="34" charset="0"/>
+                <a:buNone/>
+                <a:defRPr sz="2400" kern="1200">
+                  <a:solidFill>
+                    <a:schemeClr val="tx1"/>
+                  </a:solidFill>
+                  <a:latin typeface="+mn-lt"/>
+                  <a:ea typeface="+mn-ea"/>
+                  <a:cs typeface="+mn-cs"/>
+                </a:defRPr>
+              </a:lvl1pPr>
+              <a:lvl2pPr marL="457200" indent="0" algn="ctr" defTabSz="914400" rtl="0" eaLnBrk="1" latinLnBrk="0" hangingPunct="1">
+                <a:lnSpc>
+                  <a:spcPct val="90000"/>
+                </a:lnSpc>
+                <a:spcBef>
+                  <a:spcPts val="500"/>
+                </a:spcBef>
+                <a:buFont typeface="Arial" panose="020B0604020202020204" pitchFamily="34" charset="0"/>
+                <a:buNone/>
+                <a:defRPr sz="2000" kern="1200">
+                  <a:solidFill>
+                    <a:schemeClr val="tx1"/>
+                  </a:solidFill>
+                  <a:latin typeface="+mn-lt"/>
+                  <a:ea typeface="+mn-ea"/>
+                  <a:cs typeface="+mn-cs"/>
+                </a:defRPr>
+              </a:lvl2pPr>
+              <a:lvl3pPr marL="914400" indent="0" algn="ctr" defTabSz="914400" rtl="0" eaLnBrk="1" latinLnBrk="0" hangingPunct="1">
+                <a:lnSpc>
+                  <a:spcPct val="90000"/>
+                </a:lnSpc>
+                <a:spcBef>
+                  <a:spcPts val="500"/>
+                </a:spcBef>
+                <a:buFont typeface="Arial" panose="020B0604020202020204" pitchFamily="34" charset="0"/>
+                <a:buNone/>
+                <a:defRPr sz="1800" kern="1200">
+                  <a:solidFill>
+                    <a:schemeClr val="tx1"/>
+                  </a:solidFill>
+                  <a:latin typeface="+mn-lt"/>
+                  <a:ea typeface="+mn-ea"/>
+                  <a:cs typeface="+mn-cs"/>
+                </a:defRPr>
+              </a:lvl3pPr>
+              <a:lvl4pPr marL="1371600" indent="0" algn="ctr" defTabSz="914400" rtl="0" eaLnBrk="1" latinLnBrk="0" hangingPunct="1">
+                <a:lnSpc>
+                  <a:spcPct val="90000"/>
+                </a:lnSpc>
+                <a:spcBef>
+                  <a:spcPts val="500"/>
+                </a:spcBef>
+                <a:buFont typeface="Arial" panose="020B0604020202020204" pitchFamily="34" charset="0"/>
+                <a:buNone/>
+                <a:defRPr sz="1600" kern="1200">
+                  <a:solidFill>
+                    <a:schemeClr val="tx1"/>
+                  </a:solidFill>
+                  <a:latin typeface="+mn-lt"/>
+                  <a:ea typeface="+mn-ea"/>
+                  <a:cs typeface="+mn-cs"/>
+                </a:defRPr>
+              </a:lvl4pPr>
+              <a:lvl5pPr marL="1828800" indent="0" algn="ctr" defTabSz="914400" rtl="0" eaLnBrk="1" latinLnBrk="0" hangingPunct="1">
+                <a:lnSpc>
+                  <a:spcPct val="90000"/>
+                </a:lnSpc>
+                <a:spcBef>
+                  <a:spcPts val="500"/>
+                </a:spcBef>
+                <a:buFont typeface="Arial" panose="020B0604020202020204" pitchFamily="34" charset="0"/>
+                <a:buNone/>
+                <a:defRPr sz="1600" kern="1200">
+                  <a:solidFill>
+                    <a:schemeClr val="tx1"/>
+                  </a:solidFill>
+                  <a:latin typeface="+mn-lt"/>
+                  <a:ea typeface="+mn-ea"/>
+                  <a:cs typeface="+mn-cs"/>
+                </a:defRPr>
+              </a:lvl5pPr>
+              <a:lvl6pPr marL="2286000" indent="0" algn="ctr" defTabSz="914400" rtl="0" eaLnBrk="1" latinLnBrk="0" hangingPunct="1">
+                <a:lnSpc>
+                  <a:spcPct val="90000"/>
+                </a:lnSpc>
+                <a:spcBef>
+                  <a:spcPts val="500"/>
+                </a:spcBef>
+                <a:buFont typeface="Arial" panose="020B0604020202020204" pitchFamily="34" charset="0"/>
+                <a:buNone/>
+                <a:defRPr sz="1600" kern="1200">
+                  <a:solidFill>
+                    <a:schemeClr val="tx1"/>
+                  </a:solidFill>
+                  <a:latin typeface="+mn-lt"/>
+                  <a:ea typeface="+mn-ea"/>
+                  <a:cs typeface="+mn-cs"/>
+                </a:defRPr>
+              </a:lvl6pPr>
+              <a:lvl7pPr marL="2743200" indent="0" algn="ctr" defTabSz="914400" rtl="0" eaLnBrk="1" latinLnBrk="0" hangingPunct="1">
+                <a:lnSpc>
+                  <a:spcPct val="90000"/>
+                </a:lnSpc>
+                <a:spcBef>
+                  <a:spcPts val="500"/>
+                </a:spcBef>
+                <a:buFont typeface="Arial" panose="020B0604020202020204" pitchFamily="34" charset="0"/>
+                <a:buNone/>
+                <a:defRPr sz="1600" kern="1200">
+                  <a:solidFill>
+                    <a:schemeClr val="tx1"/>
+                  </a:solidFill>
+                  <a:latin typeface="+mn-lt"/>
+                  <a:ea typeface="+mn-ea"/>
+                  <a:cs typeface="+mn-cs"/>
+                </a:defRPr>
+              </a:lvl7pPr>
+              <a:lvl8pPr marL="3200400" indent="0" algn="ctr" defTabSz="914400" rtl="0" eaLnBrk="1" latinLnBrk="0" hangingPunct="1">
+                <a:lnSpc>
+                  <a:spcPct val="90000"/>
+                </a:lnSpc>
+                <a:spcBef>
+                  <a:spcPts val="500"/>
+                </a:spcBef>
+                <a:buFont typeface="Arial" panose="020B0604020202020204" pitchFamily="34" charset="0"/>
+                <a:buNone/>
+                <a:defRPr sz="1600" kern="1200">
+                  <a:solidFill>
+                    <a:schemeClr val="tx1"/>
+                  </a:solidFill>
+                  <a:latin typeface="+mn-lt"/>
+                  <a:ea typeface="+mn-ea"/>
+                  <a:cs typeface="+mn-cs"/>
+                </a:defRPr>
+              </a:lvl8pPr>
+              <a:lvl9pPr marL="3657600" indent="0" algn="ctr" defTabSz="914400" rtl="0" eaLnBrk="1" latinLnBrk="0" hangingPunct="1">
+                <a:lnSpc>
+                  <a:spcPct val="90000"/>
+                </a:lnSpc>
+                <a:spcBef>
+                  <a:spcPts val="500"/>
+                </a:spcBef>
+                <a:buFont typeface="Arial" panose="020B0604020202020204" pitchFamily="34" charset="0"/>
+                <a:buNone/>
+                <a:defRPr sz="1600" kern="1200">
+                  <a:solidFill>
+                    <a:schemeClr val="tx1"/>
+                  </a:solidFill>
+                  <a:latin typeface="+mn-lt"/>
+                  <a:ea typeface="+mn-ea"/>
+                  <a:cs typeface="+mn-cs"/>
+                </a:defRPr>
+              </a:lvl9pPr>
+            </a:lstStyle>
+            <a:p>
+              <a:pPr algn="l">
+                <a:lnSpc>
+                  <a:spcPct val="100000"/>
+                </a:lnSpc>
+                <a:spcBef>
+                  <a:spcPts val="0"/>
+                </a:spcBef>
+                <a:buSzPts val="1800"/>
+              </a:pPr>
+              <a:r>
+                <a:rPr lang="en-US" sz="1400" dirty="0">
+                  <a:ln w="3175">
+                    <a:noFill/>
+                  </a:ln>
+                  <a:solidFill>
+                    <a:srgbClr val="DAA600"/>
+                  </a:solidFill>
+                  <a:latin typeface="Segoe UI" panose="020B0502040204020203" pitchFamily="34" charset="0"/>
+                  <a:cs typeface="Segoe UI" panose="020B0502040204020203" pitchFamily="34" charset="0"/>
+                </a:rPr>
+                <a:t>The money the organization will make or save by having the new features included in the theme</a:t>
+              </a:r>
+            </a:p>
+            <a:p>
+              <a:pPr algn="l">
+                <a:lnSpc>
+                  <a:spcPct val="100000"/>
+                </a:lnSpc>
+                <a:spcBef>
+                  <a:spcPts val="0"/>
+                </a:spcBef>
+                <a:buSzPts val="1800"/>
+              </a:pPr>
+              <a:endParaRPr lang="en-US" sz="1400" dirty="0">
+                <a:ln w="3175">
+                  <a:noFill/>
+                </a:ln>
+                <a:solidFill>
+                  <a:srgbClr val="DAA600"/>
+                </a:solidFill>
+                <a:latin typeface="Segoe UI" panose="020B0502040204020203" pitchFamily="34" charset="0"/>
+                <a:cs typeface="Segoe UI" panose="020B0502040204020203" pitchFamily="34" charset="0"/>
+              </a:endParaRPr>
+            </a:p>
+          </p:txBody>
+        </p:sp>
+      </p:grpSp>
+    </p:spTree>
+    <p:extLst>
+      <p:ext uri="{BB962C8B-B14F-4D97-AF65-F5344CB8AC3E}">
+        <p14:creationId xmlns:p14="http://schemas.microsoft.com/office/powerpoint/2010/main" val="2481584772"/>
       </p:ext>
     </p:extLst>
   </p:cSld>
